--- a/apresentacao/Apresentação - Sistema de Gestão Escolar.pptx
+++ b/apresentacao/Apresentação - Sistema de Gestão Escolar.pptx
@@ -17,7 +17,9 @@
     <p:sldId id="265" r:id="rId11"/>
     <p:sldId id="266" r:id="rId12"/>
     <p:sldId id="267" r:id="rId13"/>
-    <p:sldId id="268" r:id="rId14"/>
+    <p:sldId id="270" r:id="rId14"/>
+    <p:sldId id="268" r:id="rId15"/>
+    <p:sldId id="271" r:id="rId16"/>
   </p:sldIdLst>
   <p:sldSz cx="12192000" cy="6858000"/>
   <p:notesSz cx="6858000" cy="9144000"/>
@@ -128,6 +130,7 @@
 <p1510:revInfo xmlns:a="http://schemas.openxmlformats.org/drawingml/2006/main" xmlns:r="http://schemas.openxmlformats.org/officeDocument/2006/relationships" xmlns:p1510="http://schemas.microsoft.com/office/powerpoint/2015/10/main">
   <p1510:revLst>
     <p1510:client id="{9A0C6DF6-2EED-B721-7D49-690E4BB96292}" v="330" dt="2024-06-23T18:19:05.222"/>
+    <p1510:client id="{B040ABF7-C665-6BB5-9C17-7D5A300FA310}" v="280" dt="2024-06-23T23:08:37.138"/>
   </p1510:revLst>
 </p1510:revInfo>
 </file>
@@ -3482,7 +3485,7 @@
         </p:nvSpPr>
         <p:spPr>
           <a:xfrm>
-            <a:off x="1145863" y="1344899"/>
+            <a:off x="1145863" y="1198361"/>
             <a:ext cx="10222658" cy="1966871"/>
           </a:xfrm>
         </p:spPr>
@@ -3516,7 +3519,7 @@
               </a:rPr>
             </a:br>
             <a:r>
-              <a:rPr lang="pt-BR" sz="3600" b="1" dirty="0">
+              <a:rPr lang="pt-BR" sz="2800" b="1" dirty="0">
                 <a:solidFill>
                   <a:srgbClr val="001E80"/>
                 </a:solidFill>
@@ -3524,9 +3527,27 @@
                 <a:ea typeface="Calibri"/>
                 <a:cs typeface="Calibri"/>
               </a:rPr>
-              <a:t>Turma 6 – Grupo 2</a:t>
-            </a:r>
-            <a:endParaRPr lang="pt-BR" sz="3600" dirty="0">
+              <a:t>Turma 6 – Grupo 2 – Eixo 1</a:t>
+            </a:r>
+            <a:br>
+              <a:rPr lang="pt-BR" sz="2800" b="1" dirty="0">
+                <a:latin typeface="Calibri"/>
+                <a:ea typeface="Calibri"/>
+                <a:cs typeface="Calibri"/>
+              </a:rPr>
+            </a:br>
+            <a:r>
+              <a:rPr lang="pt-BR" sz="2800" b="1" dirty="0">
+                <a:solidFill>
+                  <a:srgbClr val="001E80"/>
+                </a:solidFill>
+                <a:latin typeface="Calibri"/>
+                <a:ea typeface="Calibri"/>
+                <a:cs typeface="Calibri"/>
+              </a:rPr>
+              <a:t>Análise e Desenvolvimento de Sistemas PUC MINAS</a:t>
+            </a:r>
+            <a:endParaRPr lang="pt-BR" sz="2800">
               <a:solidFill>
                 <a:srgbClr val="001E80"/>
               </a:solidFill>
@@ -4696,6 +4717,42 @@
           </a:graphicData>
         </a:graphic>
       </p:graphicFrame>
+      <p:pic>
+        <p:nvPicPr>
+          <p:cNvPr id="3" name="Gráfico 2">
+            <a:extLst>
+              <a:ext uri="{FF2B5EF4-FFF2-40B4-BE49-F238E27FC236}">
+                <a16:creationId xmlns:a16="http://schemas.microsoft.com/office/drawing/2014/main" id="{C47147F0-2238-2716-416A-95951EBF37EC}"/>
+              </a:ext>
+            </a:extLst>
+          </p:cNvPr>
+          <p:cNvPicPr>
+            <a:picLocks noChangeAspect="1"/>
+          </p:cNvPicPr>
+          <p:nvPr/>
+        </p:nvPicPr>
+        <p:blipFill>
+          <a:blip r:embed="rId2">
+            <a:extLst>
+              <a:ext uri="{96DAC541-7B7A-43D3-8B79-37D633B846F1}">
+                <asvg:svgBlip xmlns:asvg="http://schemas.microsoft.com/office/drawing/2016/SVG/main" r:embed="rId3"/>
+              </a:ext>
+            </a:extLst>
+          </a:blip>
+          <a:stretch>
+            <a:fillRect/>
+          </a:stretch>
+        </p:blipFill>
+        <p:spPr>
+          <a:xfrm>
+            <a:off x="275003" y="6056475"/>
+            <a:ext cx="885256" cy="701839"/>
+          </a:xfrm>
+          <a:prstGeom prst="rect">
+            <a:avLst/>
+          </a:prstGeom>
+        </p:spPr>
+      </p:pic>
     </p:spTree>
     <p:extLst>
       <p:ext uri="{BB962C8B-B14F-4D97-AF65-F5344CB8AC3E}">
@@ -5687,6 +5744,42 @@
           </a:p>
         </p:txBody>
       </p:sp>
+      <p:pic>
+        <p:nvPicPr>
+          <p:cNvPr id="3" name="Gráfico 2">
+            <a:extLst>
+              <a:ext uri="{FF2B5EF4-FFF2-40B4-BE49-F238E27FC236}">
+                <a16:creationId xmlns:a16="http://schemas.microsoft.com/office/drawing/2014/main" id="{D193F29E-2D80-97E4-4DD7-025D52BF10EA}"/>
+              </a:ext>
+            </a:extLst>
+          </p:cNvPr>
+          <p:cNvPicPr>
+            <a:picLocks noChangeAspect="1"/>
+          </p:cNvPicPr>
+          <p:nvPr/>
+        </p:nvPicPr>
+        <p:blipFill>
+          <a:blip r:embed="rId2">
+            <a:extLst>
+              <a:ext uri="{96DAC541-7B7A-43D3-8B79-37D633B846F1}">
+                <asvg:svgBlip xmlns:asvg="http://schemas.microsoft.com/office/drawing/2016/SVG/main" r:embed="rId3"/>
+              </a:ext>
+            </a:extLst>
+          </a:blip>
+          <a:stretch>
+            <a:fillRect/>
+          </a:stretch>
+        </p:blipFill>
+        <p:spPr>
+          <a:xfrm>
+            <a:off x="275003" y="6056475"/>
+            <a:ext cx="885256" cy="701839"/>
+          </a:xfrm>
+          <a:prstGeom prst="rect">
+            <a:avLst/>
+          </a:prstGeom>
+        </p:spPr>
+      </p:pic>
     </p:spTree>
     <p:extLst>
       <p:ext uri="{BB962C8B-B14F-4D97-AF65-F5344CB8AC3E}">
@@ -5868,6 +5961,42 @@
           </a:p>
         </p:txBody>
       </p:sp>
+      <p:pic>
+        <p:nvPicPr>
+          <p:cNvPr id="5" name="Gráfico 4">
+            <a:extLst>
+              <a:ext uri="{FF2B5EF4-FFF2-40B4-BE49-F238E27FC236}">
+                <a16:creationId xmlns:a16="http://schemas.microsoft.com/office/drawing/2014/main" id="{B38EE5B5-2FA7-43D3-458A-9E4A87F74F50}"/>
+              </a:ext>
+            </a:extLst>
+          </p:cNvPr>
+          <p:cNvPicPr>
+            <a:picLocks noChangeAspect="1"/>
+          </p:cNvPicPr>
+          <p:nvPr/>
+        </p:nvPicPr>
+        <p:blipFill>
+          <a:blip r:embed="rId3">
+            <a:extLst>
+              <a:ext uri="{96DAC541-7B7A-43D3-8B79-37D633B846F1}">
+                <asvg:svgBlip xmlns:asvg="http://schemas.microsoft.com/office/drawing/2016/SVG/main" r:embed="rId4"/>
+              </a:ext>
+            </a:extLst>
+          </a:blip>
+          <a:stretch>
+            <a:fillRect/>
+          </a:stretch>
+        </p:blipFill>
+        <p:spPr>
+          <a:xfrm>
+            <a:off x="275003" y="6056475"/>
+            <a:ext cx="885256" cy="701839"/>
+          </a:xfrm>
+          <a:prstGeom prst="rect">
+            <a:avLst/>
+          </a:prstGeom>
+        </p:spPr>
+      </p:pic>
     </p:spTree>
     <p:extLst>
       <p:ext uri="{BB962C8B-B14F-4D97-AF65-F5344CB8AC3E}">
@@ -5926,6 +6055,404 @@
         </p:nvSpPr>
         <p:spPr>
           <a:xfrm>
+            <a:off x="1160804" y="639585"/>
+            <a:ext cx="9404723" cy="966614"/>
+          </a:xfrm>
+        </p:spPr>
+        <p:txBody>
+          <a:bodyPr/>
+          <a:lstStyle/>
+          <a:p>
+            <a:pPr algn="ctr"/>
+            <a:r>
+              <a:rPr lang="pt-BR" b="1" dirty="0">
+                <a:solidFill>
+                  <a:srgbClr val="001E80"/>
+                </a:solidFill>
+                <a:latin typeface="Calibri"/>
+                <a:ea typeface="Calibri"/>
+                <a:cs typeface="Calibri"/>
+              </a:rPr>
+              <a:t>Conclusão da Elaboração do Projeto</a:t>
+            </a:r>
+          </a:p>
+        </p:txBody>
+      </p:sp>
+      <p:sp>
+        <p:nvSpPr>
+          <p:cNvPr id="3" name="Espaço Reservado para Conteúdo 2">
+            <a:extLst>
+              <a:ext uri="{FF2B5EF4-FFF2-40B4-BE49-F238E27FC236}">
+                <a16:creationId xmlns:a16="http://schemas.microsoft.com/office/drawing/2014/main" id="{37CD079F-EA5F-4915-8F55-18BED0F0BF30}"/>
+              </a:ext>
+            </a:extLst>
+          </p:cNvPr>
+          <p:cNvSpPr>
+            <a:spLocks noGrp="1"/>
+          </p:cNvSpPr>
+          <p:nvPr>
+            <p:ph idx="1"/>
+          </p:nvPr>
+        </p:nvSpPr>
+        <p:spPr>
+          <a:xfrm>
+            <a:off x="1389081" y="2208412"/>
+            <a:ext cx="8946541" cy="3380565"/>
+          </a:xfrm>
+        </p:spPr>
+        <p:txBody>
+          <a:bodyPr vert="horz" lIns="91440" tIns="45720" rIns="91440" bIns="45720" rtlCol="0" anchor="t">
+            <a:noAutofit/>
+          </a:bodyPr>
+          <a:lstStyle/>
+          <a:p>
+            <a:pPr algn="just"/>
+            <a:r>
+              <a:rPr lang="pt-BR" dirty="0">
+                <a:solidFill>
+                  <a:srgbClr val="001E80"/>
+                </a:solidFill>
+                <a:latin typeface="Calibri"/>
+                <a:ea typeface="+mn-lt"/>
+                <a:cs typeface="+mn-lt"/>
+              </a:rPr>
+              <a:t>Pontos positivos: </a:t>
+            </a:r>
+            <a:endParaRPr lang="pt-BR"/>
+          </a:p>
+          <a:p>
+            <a:pPr lvl="1" algn="just">
+              <a:buFont typeface="Courier New" pitchFamily="34" charset="0"/>
+              <a:buChar char="o"/>
+            </a:pPr>
+            <a:r>
+              <a:rPr lang="pt-BR" spc="10" dirty="0">
+                <a:solidFill>
+                  <a:srgbClr val="001E80"/>
+                </a:solidFill>
+                <a:latin typeface="Calibri"/>
+                <a:ea typeface="+mn-lt"/>
+                <a:cs typeface="+mn-lt"/>
+              </a:rPr>
+              <a:t>Desenvolvemos um projeto do zero.</a:t>
+            </a:r>
+            <a:endParaRPr lang="pt-BR" spc="10" dirty="0">
+              <a:solidFill>
+                <a:srgbClr val="001E80"/>
+              </a:solidFill>
+              <a:latin typeface="Calibri"/>
+            </a:endParaRPr>
+          </a:p>
+          <a:p>
+            <a:pPr lvl="1" algn="just">
+              <a:buFont typeface="Courier New" pitchFamily="34" charset="0"/>
+              <a:buChar char="o"/>
+            </a:pPr>
+            <a:r>
+              <a:rPr lang="pt-BR" spc="10" dirty="0">
+                <a:solidFill>
+                  <a:srgbClr val="001E80"/>
+                </a:solidFill>
+                <a:latin typeface="Calibri"/>
+                <a:ea typeface="+mn-lt"/>
+                <a:cs typeface="+mn-lt"/>
+              </a:rPr>
+              <a:t>Implementação em grupo (cooperação).</a:t>
+            </a:r>
+            <a:endParaRPr lang="pt-BR" dirty="0">
+              <a:solidFill>
+                <a:srgbClr val="001E80"/>
+              </a:solidFill>
+              <a:latin typeface="Calibri"/>
+              <a:ea typeface="+mn-lt"/>
+              <a:cs typeface="+mn-lt"/>
+            </a:endParaRPr>
+          </a:p>
+          <a:p>
+            <a:pPr algn="just"/>
+            <a:r>
+              <a:rPr lang="pt-BR" dirty="0">
+                <a:solidFill>
+                  <a:srgbClr val="001E80"/>
+                </a:solidFill>
+                <a:latin typeface="Calibri"/>
+                <a:ea typeface="+mn-lt"/>
+                <a:cs typeface="+mn-lt"/>
+              </a:rPr>
+              <a:t>Desafios: </a:t>
+            </a:r>
+            <a:endParaRPr lang="pt-BR" dirty="0">
+              <a:solidFill>
+                <a:srgbClr val="000000"/>
+              </a:solidFill>
+              <a:latin typeface="Calibri"/>
+              <a:ea typeface="+mn-lt"/>
+              <a:cs typeface="+mn-lt"/>
+            </a:endParaRPr>
+          </a:p>
+          <a:p>
+            <a:pPr lvl="1" algn="just">
+              <a:buFont typeface="Courier New" pitchFamily="34" charset="0"/>
+              <a:buChar char="o"/>
+            </a:pPr>
+            <a:r>
+              <a:rPr lang="pt-BR" spc="10" dirty="0">
+                <a:solidFill>
+                  <a:srgbClr val="001E80"/>
+                </a:solidFill>
+                <a:latin typeface="Calibri"/>
+                <a:ea typeface="+mn-lt"/>
+                <a:cs typeface="+mn-lt"/>
+              </a:rPr>
+              <a:t>Não temos muito conhecimento técnico.</a:t>
+            </a:r>
+          </a:p>
+          <a:p>
+            <a:pPr lvl="1" algn="just">
+              <a:buFont typeface="Courier New" pitchFamily="34" charset="0"/>
+              <a:buChar char="o"/>
+            </a:pPr>
+            <a:r>
+              <a:rPr lang="pt-BR" spc="10" dirty="0">
+                <a:solidFill>
+                  <a:srgbClr val="001E80"/>
+                </a:solidFill>
+                <a:latin typeface="Calibri"/>
+                <a:ea typeface="+mn-lt"/>
+                <a:cs typeface="+mn-lt"/>
+              </a:rPr>
+              <a:t>Dependência entre funcionalidades</a:t>
+            </a:r>
+            <a:endParaRPr lang="pt-BR" dirty="0">
+              <a:solidFill>
+                <a:srgbClr val="001E80"/>
+              </a:solidFill>
+              <a:latin typeface="Calibri"/>
+              <a:ea typeface="+mn-lt"/>
+              <a:cs typeface="+mn-lt"/>
+            </a:endParaRPr>
+          </a:p>
+          <a:p>
+            <a:pPr algn="just"/>
+            <a:r>
+              <a:rPr lang="pt-BR" dirty="0">
+                <a:solidFill>
+                  <a:srgbClr val="001E80"/>
+                </a:solidFill>
+                <a:latin typeface="Calibri"/>
+                <a:ea typeface="+mn-lt"/>
+                <a:cs typeface="+mn-lt"/>
+              </a:rPr>
+              <a:t>Aprendizados: </a:t>
+            </a:r>
+            <a:endParaRPr lang="pt-BR" dirty="0">
+              <a:solidFill>
+                <a:srgbClr val="000000"/>
+              </a:solidFill>
+              <a:latin typeface="Calibri"/>
+              <a:ea typeface="+mn-lt"/>
+              <a:cs typeface="+mn-lt"/>
+            </a:endParaRPr>
+          </a:p>
+          <a:p>
+            <a:pPr lvl="1" algn="just">
+              <a:buFont typeface="Courier New" pitchFamily="34" charset="0"/>
+              <a:buChar char="o"/>
+            </a:pPr>
+            <a:r>
+              <a:rPr lang="pt-BR" spc="10" dirty="0">
+                <a:solidFill>
+                  <a:srgbClr val="001E80"/>
+                </a:solidFill>
+                <a:latin typeface="Calibri"/>
+                <a:ea typeface="+mn-lt"/>
+                <a:cs typeface="+mn-lt"/>
+              </a:rPr>
+              <a:t>Aprendemos o fluxo de desenvolvimento</a:t>
+            </a:r>
+            <a:endParaRPr lang="pt-BR" spc="10" dirty="0">
+              <a:solidFill>
+                <a:srgbClr val="000000"/>
+              </a:solidFill>
+              <a:latin typeface="Calibri"/>
+              <a:ea typeface="+mn-lt"/>
+              <a:cs typeface="+mn-lt"/>
+            </a:endParaRPr>
+          </a:p>
+          <a:p>
+            <a:pPr lvl="1" algn="just">
+              <a:buFont typeface="Courier New" pitchFamily="34" charset="0"/>
+              <a:buChar char="o"/>
+            </a:pPr>
+            <a:r>
+              <a:rPr lang="pt-BR" spc="10" dirty="0">
+                <a:solidFill>
+                  <a:srgbClr val="001E80"/>
+                </a:solidFill>
+                <a:latin typeface="Calibri"/>
+                <a:ea typeface="+mn-lt"/>
+                <a:cs typeface="+mn-lt"/>
+              </a:rPr>
+              <a:t>Aprendemos a lidar com o </a:t>
+            </a:r>
+            <a:r>
+              <a:rPr lang="pt-BR" spc="10" dirty="0" err="1">
+                <a:solidFill>
+                  <a:srgbClr val="001E80"/>
+                </a:solidFill>
+                <a:latin typeface="Calibri"/>
+                <a:ea typeface="+mn-lt"/>
+                <a:cs typeface="+mn-lt"/>
+              </a:rPr>
+              <a:t>Git</a:t>
+            </a:r>
+            <a:r>
+              <a:rPr lang="pt-BR" spc="10" dirty="0">
+                <a:solidFill>
+                  <a:srgbClr val="001E80"/>
+                </a:solidFill>
+                <a:latin typeface="Calibri"/>
+                <a:ea typeface="+mn-lt"/>
+                <a:cs typeface="+mn-lt"/>
+              </a:rPr>
+              <a:t> por meio do GitHub</a:t>
+            </a:r>
+            <a:endParaRPr lang="pt-BR" spc="10" dirty="0">
+              <a:solidFill>
+                <a:srgbClr val="000000"/>
+              </a:solidFill>
+              <a:latin typeface="Calibri"/>
+              <a:ea typeface="+mn-lt"/>
+              <a:cs typeface="+mn-lt"/>
+            </a:endParaRPr>
+          </a:p>
+          <a:p>
+            <a:pPr lvl="1" algn="just">
+              <a:buFont typeface="Courier New" pitchFamily="34" charset="0"/>
+              <a:buChar char="o"/>
+            </a:pPr>
+            <a:r>
+              <a:rPr lang="pt-BR" spc="10" dirty="0">
+                <a:solidFill>
+                  <a:srgbClr val="001E80"/>
+                </a:solidFill>
+                <a:latin typeface="Calibri"/>
+                <a:ea typeface="+mn-lt"/>
+                <a:cs typeface="+mn-lt"/>
+              </a:rPr>
+              <a:t>Acompanhamos todo ciclo de vida de nascimento de um software desde a concepção inicial até a hospedagem de um projeto.</a:t>
+            </a:r>
+          </a:p>
+          <a:p>
+            <a:pPr lvl="1" algn="just">
+              <a:buFont typeface="Courier New" pitchFamily="34" charset="0"/>
+              <a:buChar char="o"/>
+            </a:pPr>
+            <a:endParaRPr lang="pt-BR" spc="10" dirty="0">
+              <a:solidFill>
+                <a:srgbClr val="001E80"/>
+              </a:solidFill>
+              <a:latin typeface="Calibri"/>
+              <a:ea typeface="+mn-lt"/>
+              <a:cs typeface="+mn-lt"/>
+            </a:endParaRPr>
+          </a:p>
+        </p:txBody>
+      </p:sp>
+      <p:pic>
+        <p:nvPicPr>
+          <p:cNvPr id="5" name="Gráfico 4">
+            <a:extLst>
+              <a:ext uri="{FF2B5EF4-FFF2-40B4-BE49-F238E27FC236}">
+                <a16:creationId xmlns:a16="http://schemas.microsoft.com/office/drawing/2014/main" id="{9BBE075B-B5B5-B562-CB7E-E0D59524E74E}"/>
+              </a:ext>
+            </a:extLst>
+          </p:cNvPr>
+          <p:cNvPicPr>
+            <a:picLocks noChangeAspect="1"/>
+          </p:cNvPicPr>
+          <p:nvPr/>
+        </p:nvPicPr>
+        <p:blipFill>
+          <a:blip r:embed="rId2">
+            <a:extLst>
+              <a:ext uri="{96DAC541-7B7A-43D3-8B79-37D633B846F1}">
+                <asvg:svgBlip xmlns:asvg="http://schemas.microsoft.com/office/drawing/2016/SVG/main" r:embed="rId3"/>
+              </a:ext>
+            </a:extLst>
+          </a:blip>
+          <a:stretch>
+            <a:fillRect/>
+          </a:stretch>
+        </p:blipFill>
+        <p:spPr>
+          <a:xfrm>
+            <a:off x="275003" y="6056475"/>
+            <a:ext cx="885256" cy="701839"/>
+          </a:xfrm>
+          <a:prstGeom prst="rect">
+            <a:avLst/>
+          </a:prstGeom>
+        </p:spPr>
+      </p:pic>
+    </p:spTree>
+    <p:extLst>
+      <p:ext uri="{BB962C8B-B14F-4D97-AF65-F5344CB8AC3E}">
+        <p14:creationId xmlns:p14="http://schemas.microsoft.com/office/powerpoint/2010/main" val="2886257198"/>
+      </p:ext>
+    </p:extLst>
+  </p:cSld>
+  <p:clrMapOvr>
+    <a:masterClrMapping/>
+  </p:clrMapOvr>
+</p:sld>
+</file>
+
+<file path=ppt/slides/slide14.xml><?xml version="1.0" encoding="utf-8"?>
+<p:sld xmlns:a="http://schemas.openxmlformats.org/drawingml/2006/main" xmlns:r="http://schemas.openxmlformats.org/officeDocument/2006/relationships" xmlns:p="http://schemas.openxmlformats.org/presentationml/2006/main">
+  <p:cSld>
+    <p:bg>
+      <p:bgPr>
+        <a:solidFill>
+          <a:schemeClr val="bg1">
+            <a:lumMod val="95000"/>
+          </a:schemeClr>
+        </a:solidFill>
+        <a:effectLst/>
+      </p:bgPr>
+    </p:bg>
+    <p:spTree>
+      <p:nvGrpSpPr>
+        <p:cNvPr id="1" name=""/>
+        <p:cNvGrpSpPr/>
+        <p:nvPr/>
+      </p:nvGrpSpPr>
+      <p:grpSpPr>
+        <a:xfrm>
+          <a:off x="0" y="0"/>
+          <a:ext cx="0" cy="0"/>
+          <a:chOff x="0" y="0"/>
+          <a:chExt cx="0" cy="0"/>
+        </a:xfrm>
+      </p:grpSpPr>
+      <p:sp>
+        <p:nvSpPr>
+          <p:cNvPr id="2" name="Título 1">
+            <a:extLst>
+              <a:ext uri="{FF2B5EF4-FFF2-40B4-BE49-F238E27FC236}">
+                <a16:creationId xmlns:a16="http://schemas.microsoft.com/office/drawing/2014/main" id="{A986CB3F-F52B-49C5-9C65-01D9CEAF5402}"/>
+              </a:ext>
+            </a:extLst>
+          </p:cNvPr>
+          <p:cNvSpPr>
+            <a:spLocks noGrp="1"/>
+          </p:cNvSpPr>
+          <p:nvPr>
+            <p:ph type="title"/>
+          </p:nvPr>
+        </p:nvSpPr>
+        <p:spPr>
+          <a:xfrm>
             <a:off x="875054" y="545851"/>
             <a:ext cx="9404723" cy="1400530"/>
           </a:xfrm>
@@ -6197,10 +6724,165 @@
           </a:p>
         </p:txBody>
       </p:sp>
+      <p:pic>
+        <p:nvPicPr>
+          <p:cNvPr id="5" name="Gráfico 4">
+            <a:extLst>
+              <a:ext uri="{FF2B5EF4-FFF2-40B4-BE49-F238E27FC236}">
+                <a16:creationId xmlns:a16="http://schemas.microsoft.com/office/drawing/2014/main" id="{61650206-4986-88FD-B418-C807E01252E2}"/>
+              </a:ext>
+            </a:extLst>
+          </p:cNvPr>
+          <p:cNvPicPr>
+            <a:picLocks noChangeAspect="1"/>
+          </p:cNvPicPr>
+          <p:nvPr/>
+        </p:nvPicPr>
+        <p:blipFill>
+          <a:blip r:embed="rId4">
+            <a:extLst>
+              <a:ext uri="{96DAC541-7B7A-43D3-8B79-37D633B846F1}">
+                <asvg:svgBlip xmlns:asvg="http://schemas.microsoft.com/office/drawing/2016/SVG/main" r:embed="rId5"/>
+              </a:ext>
+            </a:extLst>
+          </a:blip>
+          <a:stretch>
+            <a:fillRect/>
+          </a:stretch>
+        </p:blipFill>
+        <p:spPr>
+          <a:xfrm>
+            <a:off x="275003" y="6056475"/>
+            <a:ext cx="885256" cy="701839"/>
+          </a:xfrm>
+          <a:prstGeom prst="rect">
+            <a:avLst/>
+          </a:prstGeom>
+        </p:spPr>
+      </p:pic>
     </p:spTree>
     <p:extLst>
       <p:ext uri="{BB962C8B-B14F-4D97-AF65-F5344CB8AC3E}">
         <p14:creationId xmlns:p14="http://schemas.microsoft.com/office/powerpoint/2010/main" val="109712765"/>
+      </p:ext>
+    </p:extLst>
+  </p:cSld>
+  <p:clrMapOvr>
+    <a:masterClrMapping/>
+  </p:clrMapOvr>
+</p:sld>
+</file>
+
+<file path=ppt/slides/slide15.xml><?xml version="1.0" encoding="utf-8"?>
+<p:sld xmlns:a="http://schemas.openxmlformats.org/drawingml/2006/main" xmlns:r="http://schemas.openxmlformats.org/officeDocument/2006/relationships" xmlns:p="http://schemas.openxmlformats.org/presentationml/2006/main">
+  <p:cSld>
+    <p:bg>
+      <p:bgPr>
+        <a:solidFill>
+          <a:schemeClr val="bg1">
+            <a:lumMod val="95000"/>
+          </a:schemeClr>
+        </a:solidFill>
+        <a:effectLst/>
+      </p:bgPr>
+    </p:bg>
+    <p:spTree>
+      <p:nvGrpSpPr>
+        <p:cNvPr id="1" name=""/>
+        <p:cNvGrpSpPr/>
+        <p:nvPr/>
+      </p:nvGrpSpPr>
+      <p:grpSpPr>
+        <a:xfrm>
+          <a:off x="0" y="0"/>
+          <a:ext cx="0" cy="0"/>
+          <a:chOff x="0" y="0"/>
+          <a:chExt cx="0" cy="0"/>
+        </a:xfrm>
+      </p:grpSpPr>
+      <p:sp>
+        <p:nvSpPr>
+          <p:cNvPr id="2" name="Título 1">
+            <a:extLst>
+              <a:ext uri="{FF2B5EF4-FFF2-40B4-BE49-F238E27FC236}">
+                <a16:creationId xmlns:a16="http://schemas.microsoft.com/office/drawing/2014/main" id="{A986CB3F-F52B-49C5-9C65-01D9CEAF5402}"/>
+              </a:ext>
+            </a:extLst>
+          </p:cNvPr>
+          <p:cNvSpPr>
+            <a:spLocks noGrp="1"/>
+          </p:cNvSpPr>
+          <p:nvPr>
+            <p:ph type="title"/>
+          </p:nvPr>
+        </p:nvSpPr>
+        <p:spPr>
+          <a:xfrm>
+            <a:off x="716305" y="2728297"/>
+            <a:ext cx="9404723" cy="1400530"/>
+          </a:xfrm>
+        </p:spPr>
+        <p:txBody>
+          <a:bodyPr>
+            <a:normAutofit/>
+          </a:bodyPr>
+          <a:lstStyle/>
+          <a:p>
+            <a:pPr algn="ctr"/>
+            <a:r>
+              <a:rPr lang="pt-BR" sz="7200" b="1" dirty="0">
+                <a:solidFill>
+                  <a:srgbClr val="001E80"/>
+                </a:solidFill>
+                <a:latin typeface="Calibri"/>
+                <a:cs typeface="Calibri"/>
+              </a:rPr>
+              <a:t>Obrigado !</a:t>
+            </a:r>
+            <a:endParaRPr lang="pt-BR" sz="7200"/>
+          </a:p>
+        </p:txBody>
+      </p:sp>
+      <p:pic>
+        <p:nvPicPr>
+          <p:cNvPr id="5" name="Gráfico 4">
+            <a:extLst>
+              <a:ext uri="{FF2B5EF4-FFF2-40B4-BE49-F238E27FC236}">
+                <a16:creationId xmlns:a16="http://schemas.microsoft.com/office/drawing/2014/main" id="{B38EE5B5-2FA7-43D3-458A-9E4A87F74F50}"/>
+              </a:ext>
+            </a:extLst>
+          </p:cNvPr>
+          <p:cNvPicPr>
+            <a:picLocks noChangeAspect="1"/>
+          </p:cNvPicPr>
+          <p:nvPr/>
+        </p:nvPicPr>
+        <p:blipFill>
+          <a:blip r:embed="rId2">
+            <a:extLst>
+              <a:ext uri="{96DAC541-7B7A-43D3-8B79-37D633B846F1}">
+                <asvg:svgBlip xmlns:asvg="http://schemas.microsoft.com/office/drawing/2016/SVG/main" r:embed="rId3"/>
+              </a:ext>
+            </a:extLst>
+          </a:blip>
+          <a:stretch>
+            <a:fillRect/>
+          </a:stretch>
+        </p:blipFill>
+        <p:spPr>
+          <a:xfrm>
+            <a:off x="275003" y="6056475"/>
+            <a:ext cx="885256" cy="701839"/>
+          </a:xfrm>
+          <a:prstGeom prst="rect">
+            <a:avLst/>
+          </a:prstGeom>
+        </p:spPr>
+      </p:pic>
+    </p:spTree>
+    <p:extLst>
+      <p:ext uri="{BB962C8B-B14F-4D97-AF65-F5344CB8AC3E}">
+        <p14:creationId xmlns:p14="http://schemas.microsoft.com/office/powerpoint/2010/main" val="3845278470"/>
       </p:ext>
     </p:extLst>
   </p:cSld>

--- a/apresentacao/Apresentação - Sistema de Gestão Escolar.pptx
+++ b/apresentacao/Apresentação - Sistema de Gestão Escolar.pptx
@@ -11,15 +11,16 @@
     <p:sldId id="259" r:id="rId5"/>
     <p:sldId id="260" r:id="rId6"/>
     <p:sldId id="261" r:id="rId7"/>
-    <p:sldId id="262" r:id="rId8"/>
-    <p:sldId id="263" r:id="rId9"/>
-    <p:sldId id="264" r:id="rId10"/>
-    <p:sldId id="265" r:id="rId11"/>
-    <p:sldId id="266" r:id="rId12"/>
-    <p:sldId id="267" r:id="rId13"/>
-    <p:sldId id="270" r:id="rId14"/>
-    <p:sldId id="268" r:id="rId15"/>
-    <p:sldId id="271" r:id="rId16"/>
+    <p:sldId id="272" r:id="rId8"/>
+    <p:sldId id="262" r:id="rId9"/>
+    <p:sldId id="263" r:id="rId10"/>
+    <p:sldId id="264" r:id="rId11"/>
+    <p:sldId id="265" r:id="rId12"/>
+    <p:sldId id="266" r:id="rId13"/>
+    <p:sldId id="267" r:id="rId14"/>
+    <p:sldId id="270" r:id="rId15"/>
+    <p:sldId id="268" r:id="rId16"/>
+    <p:sldId id="271" r:id="rId17"/>
   </p:sldIdLst>
   <p:sldSz cx="12192000" cy="6858000"/>
   <p:notesSz cx="6858000" cy="9144000"/>
@@ -129,8 +130,11 @@
 <file path=ppt/revisionInfo.xml><?xml version="1.0" encoding="utf-8"?>
 <p1510:revInfo xmlns:a="http://schemas.openxmlformats.org/drawingml/2006/main" xmlns:r="http://schemas.openxmlformats.org/officeDocument/2006/relationships" xmlns:p1510="http://schemas.microsoft.com/office/powerpoint/2015/10/main">
   <p1510:revLst>
+    <p1510:client id="{3A7E402E-07DA-DA12-8512-2BD9BAC955D1}" v="23" dt="2024-06-24T19:30:17.500"/>
+    <p1510:client id="{56196352-FAA9-244C-56E1-B71FB72FC4B3}" v="7" dt="2024-06-25T00:08:20.669"/>
     <p1510:client id="{9A0C6DF6-2EED-B721-7D49-690E4BB96292}" v="330" dt="2024-06-23T18:19:05.222"/>
     <p1510:client id="{B040ABF7-C665-6BB5-9C17-7D5A300FA310}" v="280" dt="2024-06-23T23:08:37.138"/>
+    <p1510:client id="{EA23BC7F-28E2-4257-BCF7-158F516D5D14}" v="92" dt="2024-06-25T00:01:49.906"/>
   </p1510:revLst>
 </p1510:revInfo>
 </file>
@@ -196,7 +200,7 @@
           </a:lstStyle>
           <a:p>
             <a:r>
-              <a:rPr lang="en-US" dirty="0"/>
+              <a:rPr lang="en-US"/>
               <a:t>Click to edit Master title style</a:t>
             </a:r>
           </a:p>
@@ -268,7 +272,7 @@
           </a:lstStyle>
           <a:p>
             <a:r>
-              <a:rPr lang="en-US" dirty="0"/>
+              <a:rPr lang="en-US"/>
               <a:t>Click to edit Master subtitle style</a:t>
             </a:r>
           </a:p>
@@ -301,9 +305,9 @@
           <a:p>
             <a:fld id="{9E016143-E03C-4CFD-AFDC-14E5BDEA754C}" type="datetimeFigureOut">
               <a:rPr lang="en-US" dirty="0"/>
-              <a:t>6/23/2024</a:t>
+              <a:t>6/26/2024</a:t>
             </a:fld>
-            <a:endParaRPr lang="en-US" dirty="0"/>
+            <a:endParaRPr lang="en-US"/>
           </a:p>
         </p:txBody>
       </p:sp>
@@ -332,7 +336,7 @@
             </a:lvl1pPr>
           </a:lstStyle>
           <a:p>
-            <a:endParaRPr lang="en-US" dirty="0"/>
+            <a:endParaRPr lang="en-US"/>
           </a:p>
         </p:txBody>
       </p:sp>
@@ -366,7 +370,7 @@
               <a:pPr/>
               <a:t>‹nº›</a:t>
             </a:fld>
-            <a:endParaRPr lang="en-US" dirty="0"/>
+            <a:endParaRPr lang="en-US"/>
           </a:p>
         </p:txBody>
       </p:sp>
@@ -454,7 +458,7 @@
           <a:lstStyle/>
           <a:p>
             <a:r>
-              <a:rPr lang="en-US" dirty="0"/>
+              <a:rPr lang="en-US"/>
               <a:t>Click to edit Master title style</a:t>
             </a:r>
           </a:p>
@@ -477,35 +481,35 @@
           <a:p>
             <a:pPr lvl="0"/>
             <a:r>
-              <a:rPr lang="en-US" dirty="0"/>
+              <a:rPr lang="en-US"/>
               <a:t>Click to edit Master text styles</a:t>
             </a:r>
           </a:p>
           <a:p>
             <a:pPr lvl="1"/>
             <a:r>
-              <a:rPr lang="en-US" dirty="0"/>
+              <a:rPr lang="en-US"/>
               <a:t>Second level</a:t>
             </a:r>
           </a:p>
           <a:p>
             <a:pPr lvl="2"/>
             <a:r>
-              <a:rPr lang="en-US" dirty="0"/>
+              <a:rPr lang="en-US"/>
               <a:t>Third level</a:t>
             </a:r>
           </a:p>
           <a:p>
             <a:pPr lvl="3"/>
             <a:r>
-              <a:rPr lang="en-US" dirty="0"/>
+              <a:rPr lang="en-US"/>
               <a:t>Fourth level</a:t>
             </a:r>
           </a:p>
           <a:p>
             <a:pPr lvl="4"/>
             <a:r>
-              <a:rPr lang="en-US" dirty="0"/>
+              <a:rPr lang="en-US"/>
               <a:t>Fifth level</a:t>
             </a:r>
           </a:p>
@@ -528,9 +532,9 @@
           <a:p>
             <a:fld id="{C033E54A-A8CA-48C1-9504-691B58049D29}" type="datetimeFigureOut">
               <a:rPr lang="en-US" dirty="0"/>
-              <a:t>6/23/2024</a:t>
+              <a:t>6/26/2024</a:t>
             </a:fld>
-            <a:endParaRPr lang="en-US" dirty="0"/>
+            <a:endParaRPr lang="en-US"/>
           </a:p>
         </p:txBody>
       </p:sp>
@@ -549,7 +553,7 @@
           <a:bodyPr/>
           <a:lstStyle/>
           <a:p>
-            <a:endParaRPr lang="en-US" dirty="0"/>
+            <a:endParaRPr lang="en-US"/>
           </a:p>
         </p:txBody>
       </p:sp>
@@ -572,7 +576,7 @@
               <a:rPr lang="en-US" dirty="0"/>
               <a:t>‹nº›</a:t>
             </a:fld>
-            <a:endParaRPr lang="en-US" dirty="0"/>
+            <a:endParaRPr lang="en-US"/>
           </a:p>
         </p:txBody>
       </p:sp>
@@ -627,7 +631,7 @@
           <a:lstStyle/>
           <a:p>
             <a:r>
-              <a:rPr lang="en-US" dirty="0"/>
+              <a:rPr lang="en-US"/>
               <a:t>Click to edit Master title style</a:t>
             </a:r>
           </a:p>
@@ -655,35 +659,35 @@
           <a:p>
             <a:pPr lvl="0"/>
             <a:r>
-              <a:rPr lang="en-US" dirty="0"/>
+              <a:rPr lang="en-US"/>
               <a:t>Click to edit Master text styles</a:t>
             </a:r>
           </a:p>
           <a:p>
             <a:pPr lvl="1"/>
             <a:r>
-              <a:rPr lang="en-US" dirty="0"/>
+              <a:rPr lang="en-US"/>
               <a:t>Second level</a:t>
             </a:r>
           </a:p>
           <a:p>
             <a:pPr lvl="2"/>
             <a:r>
-              <a:rPr lang="en-US" dirty="0"/>
+              <a:rPr lang="en-US"/>
               <a:t>Third level</a:t>
             </a:r>
           </a:p>
           <a:p>
             <a:pPr lvl="3"/>
             <a:r>
-              <a:rPr lang="en-US" dirty="0"/>
+              <a:rPr lang="en-US"/>
               <a:t>Fourth level</a:t>
             </a:r>
           </a:p>
           <a:p>
             <a:pPr lvl="4"/>
             <a:r>
-              <a:rPr lang="en-US" dirty="0"/>
+              <a:rPr lang="en-US"/>
               <a:t>Fifth level</a:t>
             </a:r>
           </a:p>
@@ -706,9 +710,9 @@
           <a:p>
             <a:fld id="{B5F6C806-BBF7-471C-9527-881CE2266695}" type="datetimeFigureOut">
               <a:rPr lang="en-US" dirty="0"/>
-              <a:t>6/23/2024</a:t>
+              <a:t>6/26/2024</a:t>
             </a:fld>
-            <a:endParaRPr lang="en-US" dirty="0"/>
+            <a:endParaRPr lang="en-US"/>
           </a:p>
         </p:txBody>
       </p:sp>
@@ -727,7 +731,7 @@
           <a:bodyPr/>
           <a:lstStyle/>
           <a:p>
-            <a:endParaRPr lang="en-US" dirty="0"/>
+            <a:endParaRPr lang="en-US"/>
           </a:p>
         </p:txBody>
       </p:sp>
@@ -750,7 +754,7 @@
               <a:rPr lang="en-US" dirty="0"/>
               <a:t>‹nº›</a:t>
             </a:fld>
-            <a:endParaRPr lang="en-US" dirty="0"/>
+            <a:endParaRPr lang="en-US"/>
           </a:p>
         </p:txBody>
       </p:sp>
@@ -800,7 +804,7 @@
           <a:lstStyle/>
           <a:p>
             <a:r>
-              <a:rPr lang="en-US" dirty="0"/>
+              <a:rPr lang="en-US"/>
               <a:t>Click to edit Master title style</a:t>
             </a:r>
           </a:p>
@@ -823,35 +827,35 @@
           <a:p>
             <a:pPr lvl="0"/>
             <a:r>
-              <a:rPr lang="en-US" dirty="0"/>
+              <a:rPr lang="en-US"/>
               <a:t>Click to edit Master text styles</a:t>
             </a:r>
           </a:p>
           <a:p>
             <a:pPr lvl="1"/>
             <a:r>
-              <a:rPr lang="en-US" dirty="0"/>
+              <a:rPr lang="en-US"/>
               <a:t>Second level</a:t>
             </a:r>
           </a:p>
           <a:p>
             <a:pPr lvl="2"/>
             <a:r>
-              <a:rPr lang="en-US" dirty="0"/>
+              <a:rPr lang="en-US"/>
               <a:t>Third level</a:t>
             </a:r>
           </a:p>
           <a:p>
             <a:pPr lvl="3"/>
             <a:r>
-              <a:rPr lang="en-US" dirty="0"/>
+              <a:rPr lang="en-US"/>
               <a:t>Fourth level</a:t>
             </a:r>
           </a:p>
           <a:p>
             <a:pPr lvl="4"/>
             <a:r>
-              <a:rPr lang="en-US" dirty="0"/>
+              <a:rPr lang="en-US"/>
               <a:t>Fifth level</a:t>
             </a:r>
           </a:p>
@@ -874,9 +878,9 @@
           <a:p>
             <a:fld id="{78C94063-DF36-4330-A365-08DA1FA5B7D6}" type="datetimeFigureOut">
               <a:rPr lang="en-US" dirty="0"/>
-              <a:t>6/23/2024</a:t>
+              <a:t>6/26/2024</a:t>
             </a:fld>
-            <a:endParaRPr lang="en-US" dirty="0"/>
+            <a:endParaRPr lang="en-US"/>
           </a:p>
         </p:txBody>
       </p:sp>
@@ -895,7 +899,7 @@
           <a:bodyPr/>
           <a:lstStyle/>
           <a:p>
-            <a:endParaRPr lang="en-US" dirty="0"/>
+            <a:endParaRPr lang="en-US"/>
           </a:p>
         </p:txBody>
       </p:sp>
@@ -918,7 +922,7 @@
               <a:rPr lang="en-US" dirty="0"/>
               <a:t>‹nº›</a:t>
             </a:fld>
-            <a:endParaRPr lang="en-US" dirty="0"/>
+            <a:endParaRPr lang="en-US"/>
           </a:p>
         </p:txBody>
       </p:sp>
@@ -982,7 +986,7 @@
           </a:lstStyle>
           <a:p>
             <a:r>
-              <a:rPr lang="en-US" dirty="0"/>
+              <a:rPr lang="en-US"/>
               <a:t>Click to edit Master title style</a:t>
             </a:r>
           </a:p>
@@ -1104,7 +1108,7 @@
           <a:p>
             <a:pPr lvl="0"/>
             <a:r>
-              <a:rPr lang="en-US" dirty="0"/>
+              <a:rPr lang="en-US"/>
               <a:t>Click to edit Master text styles</a:t>
             </a:r>
           </a:p>
@@ -1127,9 +1131,9 @@
           <a:p>
             <a:fld id="{908A7C6C-0F39-4D70-8E8D-FE5B9C95FA73}" type="datetimeFigureOut">
               <a:rPr lang="en-US" dirty="0"/>
-              <a:t>6/23/2024</a:t>
+              <a:t>6/26/2024</a:t>
             </a:fld>
-            <a:endParaRPr lang="en-US" dirty="0"/>
+            <a:endParaRPr lang="en-US"/>
           </a:p>
         </p:txBody>
       </p:sp>
@@ -1148,7 +1152,7 @@
           <a:bodyPr/>
           <a:lstStyle/>
           <a:p>
-            <a:endParaRPr lang="en-US" dirty="0"/>
+            <a:endParaRPr lang="en-US"/>
           </a:p>
         </p:txBody>
       </p:sp>
@@ -1171,7 +1175,7 @@
               <a:rPr lang="en-US" dirty="0"/>
               <a:t>‹nº›</a:t>
             </a:fld>
-            <a:endParaRPr lang="en-US" dirty="0"/>
+            <a:endParaRPr lang="en-US"/>
           </a:p>
         </p:txBody>
       </p:sp>
@@ -1259,7 +1263,7 @@
           <a:lstStyle/>
           <a:p>
             <a:r>
-              <a:rPr lang="en-US" dirty="0"/>
+              <a:rPr lang="en-US"/>
               <a:t>Click to edit Master title style</a:t>
             </a:r>
           </a:p>
@@ -1315,35 +1319,35 @@
           <a:p>
             <a:pPr lvl="0"/>
             <a:r>
-              <a:rPr lang="en-US" dirty="0"/>
+              <a:rPr lang="en-US"/>
               <a:t>Click to edit Master text styles</a:t>
             </a:r>
           </a:p>
           <a:p>
             <a:pPr lvl="1"/>
             <a:r>
-              <a:rPr lang="en-US" dirty="0"/>
+              <a:rPr lang="en-US"/>
               <a:t>Second level</a:t>
             </a:r>
           </a:p>
           <a:p>
             <a:pPr lvl="2"/>
             <a:r>
-              <a:rPr lang="en-US" dirty="0"/>
+              <a:rPr lang="en-US"/>
               <a:t>Third level</a:t>
             </a:r>
           </a:p>
           <a:p>
             <a:pPr lvl="3"/>
             <a:r>
-              <a:rPr lang="en-US" dirty="0"/>
+              <a:rPr lang="en-US"/>
               <a:t>Fourth level</a:t>
             </a:r>
           </a:p>
           <a:p>
             <a:pPr lvl="4"/>
             <a:r>
-              <a:rPr lang="en-US" dirty="0"/>
+              <a:rPr lang="en-US"/>
               <a:t>Fifth level</a:t>
             </a:r>
           </a:p>
@@ -1399,35 +1403,35 @@
           <a:p>
             <a:pPr lvl="0"/>
             <a:r>
-              <a:rPr lang="en-US" dirty="0"/>
+              <a:rPr lang="en-US"/>
               <a:t>Click to edit Master text styles</a:t>
             </a:r>
           </a:p>
           <a:p>
             <a:pPr lvl="1"/>
             <a:r>
-              <a:rPr lang="en-US" dirty="0"/>
+              <a:rPr lang="en-US"/>
               <a:t>Second level</a:t>
             </a:r>
           </a:p>
           <a:p>
             <a:pPr lvl="2"/>
             <a:r>
-              <a:rPr lang="en-US" dirty="0"/>
+              <a:rPr lang="en-US"/>
               <a:t>Third level</a:t>
             </a:r>
           </a:p>
           <a:p>
             <a:pPr lvl="3"/>
             <a:r>
-              <a:rPr lang="en-US" dirty="0"/>
+              <a:rPr lang="en-US"/>
               <a:t>Fourth level</a:t>
             </a:r>
           </a:p>
           <a:p>
             <a:pPr lvl="4"/>
             <a:r>
-              <a:rPr lang="en-US" dirty="0"/>
+              <a:rPr lang="en-US"/>
               <a:t>Fifth level</a:t>
             </a:r>
           </a:p>
@@ -1450,9 +1454,9 @@
           <a:p>
             <a:fld id="{DFCFA4AC-08CC-42CE-BD01-C191750A04EC}" type="datetimeFigureOut">
               <a:rPr lang="en-US" dirty="0"/>
-              <a:t>6/23/2024</a:t>
+              <a:t>6/26/2024</a:t>
             </a:fld>
-            <a:endParaRPr lang="en-US" dirty="0"/>
+            <a:endParaRPr lang="en-US"/>
           </a:p>
         </p:txBody>
       </p:sp>
@@ -1471,7 +1475,7 @@
           <a:bodyPr/>
           <a:lstStyle/>
           <a:p>
-            <a:endParaRPr lang="en-US" dirty="0"/>
+            <a:endParaRPr lang="en-US"/>
           </a:p>
         </p:txBody>
       </p:sp>
@@ -1494,7 +1498,7 @@
               <a:rPr lang="en-US" dirty="0"/>
               <a:t>‹nº›</a:t>
             </a:fld>
-            <a:endParaRPr lang="en-US" dirty="0"/>
+            <a:endParaRPr lang="en-US"/>
           </a:p>
         </p:txBody>
       </p:sp>
@@ -1544,7 +1548,7 @@
           <a:lstStyle/>
           <a:p>
             <a:r>
-              <a:rPr lang="en-US" dirty="0"/>
+              <a:rPr lang="en-US"/>
               <a:t>Click to edit Master title style</a:t>
             </a:r>
           </a:p>
@@ -1618,7 +1622,7 @@
           <a:p>
             <a:pPr lvl="0"/>
             <a:r>
-              <a:rPr lang="en-US" dirty="0"/>
+              <a:rPr lang="en-US"/>
               <a:t>Click to edit Master text styles</a:t>
             </a:r>
           </a:p>
@@ -1674,35 +1678,35 @@
           <a:p>
             <a:pPr lvl="0"/>
             <a:r>
-              <a:rPr lang="en-US" dirty="0"/>
+              <a:rPr lang="en-US"/>
               <a:t>Click to edit Master text styles</a:t>
             </a:r>
           </a:p>
           <a:p>
             <a:pPr lvl="1"/>
             <a:r>
-              <a:rPr lang="en-US" dirty="0"/>
+              <a:rPr lang="en-US"/>
               <a:t>Second level</a:t>
             </a:r>
           </a:p>
           <a:p>
             <a:pPr lvl="2"/>
             <a:r>
-              <a:rPr lang="en-US" dirty="0"/>
+              <a:rPr lang="en-US"/>
               <a:t>Third level</a:t>
             </a:r>
           </a:p>
           <a:p>
             <a:pPr lvl="3"/>
             <a:r>
-              <a:rPr lang="en-US" dirty="0"/>
+              <a:rPr lang="en-US"/>
               <a:t>Fourth level</a:t>
             </a:r>
           </a:p>
           <a:p>
             <a:pPr lvl="4"/>
             <a:r>
-              <a:rPr lang="en-US" dirty="0"/>
+              <a:rPr lang="en-US"/>
               <a:t>Fifth level</a:t>
             </a:r>
           </a:p>
@@ -1791,7 +1795,7 @@
               <a:buNone/>
             </a:pPr>
             <a:r>
-              <a:rPr lang="en-US" dirty="0"/>
+              <a:rPr lang="en-US"/>
               <a:t>Click to edit Master text styles</a:t>
             </a:r>
           </a:p>
@@ -1847,35 +1851,35 @@
           <a:p>
             <a:pPr lvl="0"/>
             <a:r>
-              <a:rPr lang="en-US" dirty="0"/>
+              <a:rPr lang="en-US"/>
               <a:t>Click to edit Master text styles</a:t>
             </a:r>
           </a:p>
           <a:p>
             <a:pPr lvl="1"/>
             <a:r>
-              <a:rPr lang="en-US" dirty="0"/>
+              <a:rPr lang="en-US"/>
               <a:t>Second level</a:t>
             </a:r>
           </a:p>
           <a:p>
             <a:pPr lvl="2"/>
             <a:r>
-              <a:rPr lang="en-US" dirty="0"/>
+              <a:rPr lang="en-US"/>
               <a:t>Third level</a:t>
             </a:r>
           </a:p>
           <a:p>
             <a:pPr lvl="3"/>
             <a:r>
-              <a:rPr lang="en-US" dirty="0"/>
+              <a:rPr lang="en-US"/>
               <a:t>Fourth level</a:t>
             </a:r>
           </a:p>
           <a:p>
             <a:pPr lvl="4"/>
             <a:r>
-              <a:rPr lang="en-US" dirty="0"/>
+              <a:rPr lang="en-US"/>
               <a:t>Fifth level</a:t>
             </a:r>
           </a:p>
@@ -1898,9 +1902,9 @@
           <a:p>
             <a:fld id="{1BA7A723-92A7-435B-B681-F25B092FEFEB}" type="datetimeFigureOut">
               <a:rPr lang="en-US" dirty="0"/>
-              <a:t>6/23/2024</a:t>
+              <a:t>6/26/2024</a:t>
             </a:fld>
-            <a:endParaRPr lang="en-US" dirty="0"/>
+            <a:endParaRPr lang="en-US"/>
           </a:p>
         </p:txBody>
       </p:sp>
@@ -1919,7 +1923,7 @@
           <a:bodyPr/>
           <a:lstStyle/>
           <a:p>
-            <a:endParaRPr lang="en-US" dirty="0"/>
+            <a:endParaRPr lang="en-US"/>
           </a:p>
         </p:txBody>
       </p:sp>
@@ -1942,7 +1946,7 @@
               <a:rPr lang="en-US" dirty="0"/>
               <a:t>‹nº›</a:t>
             </a:fld>
-            <a:endParaRPr lang="en-US" dirty="0"/>
+            <a:endParaRPr lang="en-US"/>
           </a:p>
         </p:txBody>
       </p:sp>
@@ -1992,7 +1996,7 @@
           <a:lstStyle/>
           <a:p>
             <a:r>
-              <a:rPr lang="en-US" dirty="0"/>
+              <a:rPr lang="en-US"/>
               <a:t>Click to edit Master title style</a:t>
             </a:r>
           </a:p>
@@ -2015,9 +2019,9 @@
           <a:p>
             <a:fld id="{4F170639-886C-4FCF-9EAB-ABB5DA3F3F4A}" type="datetimeFigureOut">
               <a:rPr lang="en-US" dirty="0"/>
-              <a:t>6/23/2024</a:t>
+              <a:t>6/26/2024</a:t>
             </a:fld>
-            <a:endParaRPr lang="en-US" dirty="0"/>
+            <a:endParaRPr lang="en-US"/>
           </a:p>
         </p:txBody>
       </p:sp>
@@ -2036,7 +2040,7 @@
           <a:bodyPr/>
           <a:lstStyle/>
           <a:p>
-            <a:endParaRPr lang="en-US" dirty="0"/>
+            <a:endParaRPr lang="en-US"/>
           </a:p>
         </p:txBody>
       </p:sp>
@@ -2059,7 +2063,7 @@
               <a:rPr lang="en-US" dirty="0"/>
               <a:t>‹nº›</a:t>
             </a:fld>
-            <a:endParaRPr lang="en-US" dirty="0"/>
+            <a:endParaRPr lang="en-US"/>
           </a:p>
         </p:txBody>
       </p:sp>
@@ -2110,9 +2114,9 @@
           <a:p>
             <a:fld id="{22230651-31F4-45D2-98AE-A2108F41BC07}" type="datetimeFigureOut">
               <a:rPr lang="en-US" dirty="0"/>
-              <a:t>6/23/2024</a:t>
+              <a:t>6/26/2024</a:t>
             </a:fld>
-            <a:endParaRPr lang="en-US" dirty="0"/>
+            <a:endParaRPr lang="en-US"/>
           </a:p>
         </p:txBody>
       </p:sp>
@@ -2131,7 +2135,7 @@
           <a:bodyPr/>
           <a:lstStyle/>
           <a:p>
-            <a:endParaRPr lang="en-US" dirty="0"/>
+            <a:endParaRPr lang="en-US"/>
           </a:p>
         </p:txBody>
       </p:sp>
@@ -2154,7 +2158,7 @@
               <a:rPr lang="en-US" dirty="0"/>
               <a:t>‹nº›</a:t>
             </a:fld>
-            <a:endParaRPr lang="en-US" dirty="0"/>
+            <a:endParaRPr lang="en-US"/>
           </a:p>
         </p:txBody>
       </p:sp>
@@ -2215,7 +2219,7 @@
           </a:lstStyle>
           <a:p>
             <a:r>
-              <a:rPr lang="en-US" dirty="0"/>
+              <a:rPr lang="en-US"/>
               <a:t>Click to edit Master title style</a:t>
             </a:r>
           </a:p>
@@ -2271,35 +2275,35 @@
           <a:p>
             <a:pPr lvl="0"/>
             <a:r>
-              <a:rPr lang="en-US" dirty="0"/>
+              <a:rPr lang="en-US"/>
               <a:t>Click to edit Master text styles</a:t>
             </a:r>
           </a:p>
           <a:p>
             <a:pPr lvl="1"/>
             <a:r>
-              <a:rPr lang="en-US" dirty="0"/>
+              <a:rPr lang="en-US"/>
               <a:t>Second level</a:t>
             </a:r>
           </a:p>
           <a:p>
             <a:pPr lvl="2"/>
             <a:r>
-              <a:rPr lang="en-US" dirty="0"/>
+              <a:rPr lang="en-US"/>
               <a:t>Third level</a:t>
             </a:r>
           </a:p>
           <a:p>
             <a:pPr lvl="3"/>
             <a:r>
-              <a:rPr lang="en-US" dirty="0"/>
+              <a:rPr lang="en-US"/>
               <a:t>Fourth level</a:t>
             </a:r>
           </a:p>
           <a:p>
             <a:pPr lvl="4"/>
             <a:r>
-              <a:rPr lang="en-US" dirty="0"/>
+              <a:rPr lang="en-US"/>
               <a:t>Fifth level</a:t>
             </a:r>
           </a:p>
@@ -2372,7 +2376,7 @@
           <a:p>
             <a:pPr lvl="0"/>
             <a:r>
-              <a:rPr lang="en-US" dirty="0"/>
+              <a:rPr lang="en-US"/>
               <a:t>Click to edit Master text styles</a:t>
             </a:r>
           </a:p>
@@ -2395,9 +2399,9 @@
           <a:p>
             <a:fld id="{6F53789A-C914-4DB1-8815-80B5EC7335C5}" type="datetimeFigureOut">
               <a:rPr lang="en-US" dirty="0"/>
-              <a:t>6/23/2024</a:t>
+              <a:t>6/26/2024</a:t>
             </a:fld>
-            <a:endParaRPr lang="en-US" dirty="0"/>
+            <a:endParaRPr lang="en-US"/>
           </a:p>
         </p:txBody>
       </p:sp>
@@ -2416,7 +2420,7 @@
           <a:bodyPr/>
           <a:lstStyle/>
           <a:p>
-            <a:endParaRPr lang="en-US" dirty="0"/>
+            <a:endParaRPr lang="en-US"/>
           </a:p>
         </p:txBody>
       </p:sp>
@@ -2439,7 +2443,7 @@
               <a:rPr lang="en-US" dirty="0"/>
               <a:t>‹nº›</a:t>
             </a:fld>
-            <a:endParaRPr lang="en-US" dirty="0"/>
+            <a:endParaRPr lang="en-US"/>
           </a:p>
         </p:txBody>
       </p:sp>
@@ -2542,7 +2546,7 @@
           </a:lstStyle>
           <a:p>
             <a:r>
-              <a:rPr lang="en-US" dirty="0"/>
+              <a:rPr lang="en-US"/>
               <a:t>Click to edit Master title style</a:t>
             </a:r>
           </a:p>
@@ -2615,7 +2619,7 @@
             </a:lvl9pPr>
           </a:lstStyle>
           <a:p>
-            <a:endParaRPr lang="en-US" dirty="0"/>
+            <a:endParaRPr lang="en-US"/>
           </a:p>
         </p:txBody>
       </p:sp>
@@ -2692,7 +2696,7 @@
           <a:p>
             <a:pPr lvl="0"/>
             <a:r>
-              <a:rPr lang="en-US" dirty="0"/>
+              <a:rPr lang="en-US"/>
               <a:t>Click to edit Master text styles</a:t>
             </a:r>
           </a:p>
@@ -2715,9 +2719,9 @@
           <a:p>
             <a:fld id="{5E6440AA-91A0-436F-8FDB-C0F939DCAE21}" type="datetimeFigureOut">
               <a:rPr lang="en-US" dirty="0"/>
-              <a:t>6/23/2024</a:t>
+              <a:t>6/26/2024</a:t>
             </a:fld>
-            <a:endParaRPr lang="en-US" dirty="0"/>
+            <a:endParaRPr lang="en-US"/>
           </a:p>
         </p:txBody>
       </p:sp>
@@ -2736,7 +2740,7 @@
           <a:bodyPr/>
           <a:lstStyle/>
           <a:p>
-            <a:endParaRPr lang="en-US" dirty="0"/>
+            <a:endParaRPr lang="en-US"/>
           </a:p>
         </p:txBody>
       </p:sp>
@@ -2759,7 +2763,7 @@
               <a:rPr lang="en-US" dirty="0"/>
               <a:t>‹nº›</a:t>
             </a:fld>
-            <a:endParaRPr lang="en-US" dirty="0"/>
+            <a:endParaRPr lang="en-US"/>
           </a:p>
         </p:txBody>
       </p:sp>
@@ -2864,7 +2868,7 @@
           <a:lstStyle/>
           <a:p>
             <a:r>
-              <a:rPr lang="en-US" dirty="0"/>
+              <a:rPr lang="en-US"/>
               <a:t>Click to edit Master title style</a:t>
             </a:r>
           </a:p>
@@ -2897,35 +2901,35 @@
           <a:p>
             <a:pPr lvl="0"/>
             <a:r>
-              <a:rPr lang="en-US" dirty="0"/>
+              <a:rPr lang="en-US"/>
               <a:t>Click to edit Master text styles</a:t>
             </a:r>
           </a:p>
           <a:p>
             <a:pPr lvl="1"/>
             <a:r>
-              <a:rPr lang="en-US" dirty="0"/>
+              <a:rPr lang="en-US"/>
               <a:t>Second level</a:t>
             </a:r>
           </a:p>
           <a:p>
             <a:pPr lvl="2"/>
             <a:r>
-              <a:rPr lang="en-US" dirty="0"/>
+              <a:rPr lang="en-US"/>
               <a:t>Third level</a:t>
             </a:r>
           </a:p>
           <a:p>
             <a:pPr lvl="3"/>
             <a:r>
-              <a:rPr lang="en-US" dirty="0"/>
+              <a:rPr lang="en-US"/>
               <a:t>Fourth level</a:t>
             </a:r>
           </a:p>
           <a:p>
             <a:pPr lvl="4"/>
             <a:r>
-              <a:rPr lang="en-US" dirty="0"/>
+              <a:rPr lang="en-US"/>
               <a:t>Fifth level</a:t>
             </a:r>
           </a:p>
@@ -2967,9 +2971,9 @@
           <a:p>
             <a:fld id="{0E59FD0C-5451-4CA0-86AF-E70AE3279989}" type="datetimeFigureOut">
               <a:rPr lang="en-US" dirty="0"/>
-              <a:t>6/23/2024</a:t>
+              <a:t>6/26/2024</a:t>
             </a:fld>
-            <a:endParaRPr lang="en-US" dirty="0"/>
+            <a:endParaRPr lang="en-US"/>
           </a:p>
         </p:txBody>
       </p:sp>
@@ -3007,7 +3011,7 @@
             </a:lvl1pPr>
           </a:lstStyle>
           <a:p>
-            <a:endParaRPr lang="en-US" dirty="0"/>
+            <a:endParaRPr lang="en-US"/>
           </a:p>
         </p:txBody>
       </p:sp>
@@ -3052,7 +3056,7 @@
               <a:pPr/>
               <a:t>‹nº›</a:t>
             </a:fld>
-            <a:endParaRPr lang="en-US" dirty="0"/>
+            <a:endParaRPr lang="en-US"/>
           </a:p>
         </p:txBody>
       </p:sp>
@@ -3501,7 +3505,7 @@
               </a:lnSpc>
             </a:pPr>
             <a:r>
-              <a:rPr lang="pt-BR" b="1" i="0" dirty="0">
+              <a:rPr lang="pt-BR" b="1" i="0">
                 <a:solidFill>
                   <a:srgbClr val="001E80"/>
                 </a:solidFill>
@@ -3513,13 +3517,13 @@
               <a:t>Sistema de Gestão Escolar</a:t>
             </a:r>
             <a:br>
-              <a:rPr lang="pt-BR" sz="3600" b="1" i="0" dirty="0">
+              <a:rPr lang="pt-BR" sz="3600" b="1" i="0">
                 <a:effectLst/>
                 <a:latin typeface="Calibri"/>
               </a:rPr>
             </a:br>
             <a:r>
-              <a:rPr lang="pt-BR" sz="2800" b="1" dirty="0">
+              <a:rPr lang="pt-BR" sz="2800" b="1">
                 <a:solidFill>
                   <a:srgbClr val="001E80"/>
                 </a:solidFill>
@@ -3530,14 +3534,14 @@
               <a:t>Turma 6 – Grupo 2 – Eixo 1</a:t>
             </a:r>
             <a:br>
-              <a:rPr lang="pt-BR" sz="2800" b="1" dirty="0">
+              <a:rPr lang="pt-BR" sz="2800" b="1">
                 <a:latin typeface="Calibri"/>
                 <a:ea typeface="Calibri"/>
                 <a:cs typeface="Calibri"/>
               </a:rPr>
             </a:br>
             <a:r>
-              <a:rPr lang="pt-BR" sz="2800" b="1" dirty="0">
+              <a:rPr lang="pt-BR" sz="2800" b="1">
                 <a:solidFill>
                   <a:srgbClr val="001E80"/>
                 </a:solidFill>
@@ -3587,7 +3591,7 @@
           <a:lstStyle/>
           <a:p>
             <a:r>
-              <a:rPr lang="pt-BR" sz="1800" b="1" dirty="0">
+              <a:rPr lang="pt-BR" sz="1800" b="1">
                 <a:solidFill>
                   <a:srgbClr val="001E80"/>
                 </a:solidFill>
@@ -3600,7 +3604,7 @@
           </a:p>
           <a:p>
             <a:r>
-              <a:rPr lang="pt-BR" sz="1800" b="1" dirty="0" err="1">
+              <a:rPr lang="pt-BR" sz="1800" b="1" err="1">
                 <a:solidFill>
                   <a:srgbClr val="001E80"/>
                 </a:solidFill>
@@ -3611,7 +3615,7 @@
               <a:t>Brena</a:t>
             </a:r>
             <a:r>
-              <a:rPr lang="pt-BR" sz="1800" b="1" dirty="0">
+              <a:rPr lang="pt-BR" sz="1800" b="1">
                 <a:solidFill>
                   <a:srgbClr val="001E80"/>
                 </a:solidFill>
@@ -3624,7 +3628,7 @@
           </a:p>
           <a:p>
             <a:r>
-              <a:rPr lang="pt-BR" sz="1800" b="1" dirty="0">
+              <a:rPr lang="pt-BR" sz="1800" b="1">
                 <a:solidFill>
                   <a:srgbClr val="001E80"/>
                 </a:solidFill>
@@ -3637,7 +3641,7 @@
           </a:p>
           <a:p>
             <a:r>
-              <a:rPr lang="pt-BR" sz="1800" b="1" dirty="0">
+              <a:rPr lang="pt-BR" sz="1800" b="1">
                 <a:solidFill>
                   <a:srgbClr val="001E80"/>
                 </a:solidFill>
@@ -3650,7 +3654,7 @@
           </a:p>
           <a:p>
             <a:r>
-              <a:rPr lang="pt-BR" sz="1800" b="1" dirty="0">
+              <a:rPr lang="pt-BR" sz="1800" b="1">
                 <a:solidFill>
                   <a:srgbClr val="001E80"/>
                 </a:solidFill>
@@ -3663,7 +3667,7 @@
           </a:p>
           <a:p>
             <a:r>
-              <a:rPr lang="pt-BR" sz="1800" b="1" dirty="0">
+              <a:rPr lang="pt-BR" sz="1800" b="1">
                 <a:solidFill>
                   <a:srgbClr val="001E80"/>
                 </a:solidFill>
@@ -3754,6 +3758,1792 @@
       </p:grpSpPr>
       <p:sp>
         <p:nvSpPr>
+          <p:cNvPr id="2" name="Título 1">
+            <a:extLst>
+              <a:ext uri="{FF2B5EF4-FFF2-40B4-BE49-F238E27FC236}">
+                <a16:creationId xmlns:a16="http://schemas.microsoft.com/office/drawing/2014/main" id="{A986CB3F-F52B-49C5-9C65-01D9CEAF5402}"/>
+              </a:ext>
+            </a:extLst>
+          </p:cNvPr>
+          <p:cNvSpPr>
+            <a:spLocks noGrp="1"/>
+          </p:cNvSpPr>
+          <p:nvPr>
+            <p:ph type="title"/>
+          </p:nvPr>
+        </p:nvSpPr>
+        <p:spPr>
+          <a:xfrm>
+            <a:off x="927971" y="-2365"/>
+            <a:ext cx="9404723" cy="952749"/>
+          </a:xfrm>
+        </p:spPr>
+        <p:txBody>
+          <a:bodyPr/>
+          <a:lstStyle/>
+          <a:p>
+            <a:pPr algn="ctr"/>
+            <a:r>
+              <a:rPr lang="pt-BR" b="1">
+                <a:solidFill>
+                  <a:srgbClr val="001E80"/>
+                </a:solidFill>
+                <a:latin typeface="Calibri"/>
+                <a:ea typeface="Calibri"/>
+                <a:cs typeface="Calibri"/>
+              </a:rPr>
+              <a:t>Requisitos do Projeto</a:t>
+            </a:r>
+          </a:p>
+        </p:txBody>
+      </p:sp>
+      <p:graphicFrame>
+        <p:nvGraphicFramePr>
+          <p:cNvPr id="4" name="Tabela 4">
+            <a:extLst>
+              <a:ext uri="{FF2B5EF4-FFF2-40B4-BE49-F238E27FC236}">
+                <a16:creationId xmlns:a16="http://schemas.microsoft.com/office/drawing/2014/main" id="{2CAC85A2-1857-4A14-8CBF-A0C22106FB03}"/>
+              </a:ext>
+            </a:extLst>
+          </p:cNvPr>
+          <p:cNvGraphicFramePr>
+            <a:graphicFrameLocks noGrp="1"/>
+          </p:cNvGraphicFramePr>
+          <p:nvPr>
+            <p:ph idx="1"/>
+            <p:extLst>
+              <p:ext uri="{D42A27DB-BD31-4B8C-83A1-F6EECF244321}">
+                <p14:modId xmlns:p14="http://schemas.microsoft.com/office/powerpoint/2010/main" val="1292631938"/>
+              </p:ext>
+            </p:extLst>
+          </p:nvPr>
+        </p:nvGraphicFramePr>
+        <p:xfrm>
+          <a:off x="275166" y="1587500"/>
+          <a:ext cx="10710331" cy="4953846"/>
+        </p:xfrm>
+        <a:graphic>
+          <a:graphicData uri="http://schemas.openxmlformats.org/drawingml/2006/table">
+            <a:tbl>
+              <a:tblPr firstRow="1" bandRow="1">
+                <a:tableStyleId>{E929F9F4-4A8F-4326-A1B4-22849713DDAB}</a:tableStyleId>
+              </a:tblPr>
+              <a:tblGrid>
+                <a:gridCol w="1177465">
+                  <a:extLst>
+                    <a:ext uri="{9D8B030D-6E8A-4147-A177-3AD203B41FA5}">
+                      <a16:colId xmlns:a16="http://schemas.microsoft.com/office/drawing/2014/main" val="1522440313"/>
+                    </a:ext>
+                  </a:extLst>
+                </a:gridCol>
+                <a:gridCol w="7408332">
+                  <a:extLst>
+                    <a:ext uri="{9D8B030D-6E8A-4147-A177-3AD203B41FA5}">
+                      <a16:colId xmlns:a16="http://schemas.microsoft.com/office/drawing/2014/main" val="3165195424"/>
+                    </a:ext>
+                  </a:extLst>
+                </a:gridCol>
+                <a:gridCol w="2124534">
+                  <a:extLst>
+                    <a:ext uri="{9D8B030D-6E8A-4147-A177-3AD203B41FA5}">
+                      <a16:colId xmlns:a16="http://schemas.microsoft.com/office/drawing/2014/main" val="347449444"/>
+                    </a:ext>
+                  </a:extLst>
+                </a:gridCol>
+              </a:tblGrid>
+              <a:tr h="338666">
+                <a:tc>
+                  <a:txBody>
+                    <a:bodyPr/>
+                    <a:lstStyle/>
+                    <a:p>
+                      <a:pPr algn="ctr"/>
+                      <a:r>
+                        <a:rPr lang="pt-BR" sz="1600"/>
+                        <a:t>ID</a:t>
+                      </a:r>
+                    </a:p>
+                  </a:txBody>
+                  <a:tcPr>
+                    <a:lnL w="12700">
+                      <a:solidFill>
+                        <a:schemeClr val="tx1"/>
+                      </a:solidFill>
+                    </a:lnL>
+                    <a:lnR w="12700">
+                      <a:solidFill>
+                        <a:schemeClr val="tx1"/>
+                      </a:solidFill>
+                    </a:lnR>
+                    <a:lnT w="12700">
+                      <a:solidFill>
+                        <a:schemeClr val="tx1"/>
+                      </a:solidFill>
+                    </a:lnT>
+                    <a:lnB w="12700">
+                      <a:solidFill>
+                        <a:schemeClr val="tx1"/>
+                      </a:solidFill>
+                    </a:lnB>
+                    <a:solidFill>
+                      <a:srgbClr val="001E80"/>
+                    </a:solidFill>
+                  </a:tcPr>
+                </a:tc>
+                <a:tc>
+                  <a:txBody>
+                    <a:bodyPr/>
+                    <a:lstStyle/>
+                    <a:p>
+                      <a:pPr algn="ctr"/>
+                      <a:r>
+                        <a:rPr lang="pt-BR" sz="1600"/>
+                        <a:t>Descrição</a:t>
+                      </a:r>
+                    </a:p>
+                  </a:txBody>
+                  <a:tcPr>
+                    <a:lnL w="12700">
+                      <a:solidFill>
+                        <a:schemeClr val="tx1"/>
+                      </a:solidFill>
+                    </a:lnL>
+                    <a:lnR w="12700">
+                      <a:solidFill>
+                        <a:schemeClr val="tx1"/>
+                      </a:solidFill>
+                    </a:lnR>
+                    <a:lnT w="12700">
+                      <a:solidFill>
+                        <a:schemeClr val="tx1"/>
+                      </a:solidFill>
+                    </a:lnT>
+                    <a:lnB w="12700">
+                      <a:solidFill>
+                        <a:schemeClr val="tx1"/>
+                      </a:solidFill>
+                    </a:lnB>
+                    <a:solidFill>
+                      <a:srgbClr val="001E80"/>
+                    </a:solidFill>
+                  </a:tcPr>
+                </a:tc>
+                <a:tc>
+                  <a:txBody>
+                    <a:bodyPr/>
+                    <a:lstStyle/>
+                    <a:p>
+                      <a:pPr algn="ctr"/>
+                      <a:r>
+                        <a:rPr lang="pt-BR" sz="1600"/>
+                        <a:t>Prioridade</a:t>
+                      </a:r>
+                    </a:p>
+                  </a:txBody>
+                  <a:tcPr>
+                    <a:lnL w="12700">
+                      <a:solidFill>
+                        <a:schemeClr val="tx1"/>
+                      </a:solidFill>
+                    </a:lnL>
+                    <a:lnR w="12700">
+                      <a:solidFill>
+                        <a:schemeClr val="tx1"/>
+                      </a:solidFill>
+                    </a:lnR>
+                    <a:lnT w="12700">
+                      <a:solidFill>
+                        <a:schemeClr val="tx1"/>
+                      </a:solidFill>
+                    </a:lnT>
+                    <a:lnB w="12700">
+                      <a:solidFill>
+                        <a:schemeClr val="tx1"/>
+                      </a:solidFill>
+                    </a:lnB>
+                    <a:solidFill>
+                      <a:srgbClr val="001E80"/>
+                    </a:solidFill>
+                  </a:tcPr>
+                </a:tc>
+                <a:extLst>
+                  <a:ext uri="{0D108BD9-81ED-4DB2-BD59-A6C34878D82A}">
+                    <a16:rowId xmlns:a16="http://schemas.microsoft.com/office/drawing/2014/main" val="3033733891"/>
+                  </a:ext>
+                </a:extLst>
+              </a:tr>
+              <a:tr h="370840">
+                <a:tc>
+                  <a:txBody>
+                    <a:bodyPr/>
+                    <a:lstStyle/>
+                    <a:p>
+                      <a:pPr algn="ctr"/>
+                      <a:r>
+                        <a:rPr lang="pt-BR" sz="1400"/>
+                        <a:t>RF- 01</a:t>
+                      </a:r>
+                    </a:p>
+                  </a:txBody>
+                  <a:tcPr>
+                    <a:lnL w="12700">
+                      <a:solidFill>
+                        <a:schemeClr val="tx1"/>
+                      </a:solidFill>
+                    </a:lnL>
+                    <a:lnR w="12700">
+                      <a:solidFill>
+                        <a:schemeClr val="tx1"/>
+                      </a:solidFill>
+                    </a:lnR>
+                    <a:lnT w="12700">
+                      <a:solidFill>
+                        <a:schemeClr val="tx1"/>
+                      </a:solidFill>
+                    </a:lnT>
+                    <a:lnB w="12700">
+                      <a:solidFill>
+                        <a:schemeClr val="tx1"/>
+                      </a:solidFill>
+                    </a:lnB>
+                    <a:solidFill>
+                      <a:srgbClr val="626F99"/>
+                    </a:solidFill>
+                  </a:tcPr>
+                </a:tc>
+                <a:tc>
+                  <a:txBody>
+                    <a:bodyPr/>
+                    <a:lstStyle/>
+                    <a:p>
+                      <a:r>
+                        <a:rPr lang="pt-BR" sz="1400"/>
+                        <a:t>Deve ter uma tela de Login com distinção de perfil do usuário	</a:t>
+                      </a:r>
+                    </a:p>
+                  </a:txBody>
+                  <a:tcPr>
+                    <a:lnL w="12700">
+                      <a:solidFill>
+                        <a:schemeClr val="tx1"/>
+                      </a:solidFill>
+                    </a:lnL>
+                    <a:lnR w="12700">
+                      <a:solidFill>
+                        <a:schemeClr val="tx1"/>
+                      </a:solidFill>
+                    </a:lnR>
+                    <a:lnT w="12700">
+                      <a:solidFill>
+                        <a:schemeClr val="tx1"/>
+                      </a:solidFill>
+                    </a:lnT>
+                    <a:lnB w="12700">
+                      <a:solidFill>
+                        <a:schemeClr val="tx1"/>
+                      </a:solidFill>
+                    </a:lnB>
+                    <a:solidFill>
+                      <a:srgbClr val="626F99"/>
+                    </a:solidFill>
+                  </a:tcPr>
+                </a:tc>
+                <a:tc>
+                  <a:txBody>
+                    <a:bodyPr/>
+                    <a:lstStyle/>
+                    <a:p>
+                      <a:pPr algn="ctr"/>
+                      <a:r>
+                        <a:rPr lang="pt-BR" sz="1400"/>
+                        <a:t>Alta</a:t>
+                      </a:r>
+                    </a:p>
+                  </a:txBody>
+                  <a:tcPr>
+                    <a:lnL w="12700">
+                      <a:solidFill>
+                        <a:schemeClr val="tx1"/>
+                      </a:solidFill>
+                    </a:lnL>
+                    <a:lnR w="12700">
+                      <a:solidFill>
+                        <a:schemeClr val="tx1"/>
+                      </a:solidFill>
+                    </a:lnR>
+                    <a:lnT w="12700">
+                      <a:solidFill>
+                        <a:schemeClr val="tx1"/>
+                      </a:solidFill>
+                    </a:lnT>
+                    <a:lnB w="12700">
+                      <a:solidFill>
+                        <a:schemeClr val="tx1"/>
+                      </a:solidFill>
+                    </a:lnB>
+                    <a:solidFill>
+                      <a:srgbClr val="626F99"/>
+                    </a:solidFill>
+                  </a:tcPr>
+                </a:tc>
+                <a:extLst>
+                  <a:ext uri="{0D108BD9-81ED-4DB2-BD59-A6C34878D82A}">
+                    <a16:rowId xmlns:a16="http://schemas.microsoft.com/office/drawing/2014/main" val="2388096391"/>
+                  </a:ext>
+                </a:extLst>
+              </a:tr>
+              <a:tr h="370840">
+                <a:tc>
+                  <a:txBody>
+                    <a:bodyPr/>
+                    <a:lstStyle/>
+                    <a:p>
+                      <a:pPr algn="ctr"/>
+                      <a:r>
+                        <a:rPr lang="pt-BR" sz="1400"/>
+                        <a:t>RF- 02</a:t>
+                      </a:r>
+                    </a:p>
+                  </a:txBody>
+                  <a:tcPr>
+                    <a:lnL w="12700">
+                      <a:solidFill>
+                        <a:schemeClr val="tx1"/>
+                      </a:solidFill>
+                    </a:lnL>
+                    <a:lnR w="12700">
+                      <a:solidFill>
+                        <a:schemeClr val="tx1"/>
+                      </a:solidFill>
+                    </a:lnR>
+                    <a:lnT w="12700">
+                      <a:solidFill>
+                        <a:schemeClr val="tx1"/>
+                      </a:solidFill>
+                    </a:lnT>
+                    <a:lnB w="12700">
+                      <a:solidFill>
+                        <a:schemeClr val="tx1"/>
+                      </a:solidFill>
+                    </a:lnB>
+                    <a:solidFill>
+                      <a:srgbClr val="626F99"/>
+                    </a:solidFill>
+                  </a:tcPr>
+                </a:tc>
+                <a:tc>
+                  <a:txBody>
+                    <a:bodyPr/>
+                    <a:lstStyle/>
+                    <a:p>
+                      <a:r>
+                        <a:rPr lang="pt-BR" sz="1400"/>
+                        <a:t>CRUD de Dados de Alunos (Deve ser possível cadastrar, editar, visualizar e excluir um Aluno)	</a:t>
+                      </a:r>
+                    </a:p>
+                  </a:txBody>
+                  <a:tcPr>
+                    <a:lnL w="12700">
+                      <a:solidFill>
+                        <a:schemeClr val="tx1"/>
+                      </a:solidFill>
+                    </a:lnL>
+                    <a:lnR w="12700">
+                      <a:solidFill>
+                        <a:schemeClr val="tx1"/>
+                      </a:solidFill>
+                    </a:lnR>
+                    <a:lnT w="12700">
+                      <a:solidFill>
+                        <a:schemeClr val="tx1"/>
+                      </a:solidFill>
+                    </a:lnT>
+                    <a:lnB w="12700">
+                      <a:solidFill>
+                        <a:schemeClr val="tx1"/>
+                      </a:solidFill>
+                    </a:lnB>
+                    <a:solidFill>
+                      <a:srgbClr val="626F99"/>
+                    </a:solidFill>
+                  </a:tcPr>
+                </a:tc>
+                <a:tc>
+                  <a:txBody>
+                    <a:bodyPr/>
+                    <a:lstStyle/>
+                    <a:p>
+                      <a:pPr algn="ctr"/>
+                      <a:r>
+                        <a:rPr lang="pt-BR" sz="1400"/>
+                        <a:t>Alta</a:t>
+                      </a:r>
+                    </a:p>
+                  </a:txBody>
+                  <a:tcPr>
+                    <a:lnL w="12700">
+                      <a:solidFill>
+                        <a:schemeClr val="tx1"/>
+                      </a:solidFill>
+                    </a:lnL>
+                    <a:lnR w="12700">
+                      <a:solidFill>
+                        <a:schemeClr val="tx1"/>
+                      </a:solidFill>
+                    </a:lnR>
+                    <a:lnT w="12700">
+                      <a:solidFill>
+                        <a:schemeClr val="tx1"/>
+                      </a:solidFill>
+                    </a:lnT>
+                    <a:lnB w="12700">
+                      <a:solidFill>
+                        <a:schemeClr val="tx1"/>
+                      </a:solidFill>
+                    </a:lnB>
+                    <a:solidFill>
+                      <a:srgbClr val="626F99"/>
+                    </a:solidFill>
+                  </a:tcPr>
+                </a:tc>
+                <a:extLst>
+                  <a:ext uri="{0D108BD9-81ED-4DB2-BD59-A6C34878D82A}">
+                    <a16:rowId xmlns:a16="http://schemas.microsoft.com/office/drawing/2014/main" val="3490318972"/>
+                  </a:ext>
+                </a:extLst>
+              </a:tr>
+              <a:tr h="370840">
+                <a:tc>
+                  <a:txBody>
+                    <a:bodyPr/>
+                    <a:lstStyle/>
+                    <a:p>
+                      <a:pPr algn="ctr"/>
+                      <a:r>
+                        <a:rPr lang="pt-BR" sz="1400"/>
+                        <a:t>RF- 03</a:t>
+                      </a:r>
+                    </a:p>
+                  </a:txBody>
+                  <a:tcPr>
+                    <a:lnL w="12700">
+                      <a:solidFill>
+                        <a:schemeClr val="tx1"/>
+                      </a:solidFill>
+                    </a:lnL>
+                    <a:lnR w="12700">
+                      <a:solidFill>
+                        <a:schemeClr val="tx1"/>
+                      </a:solidFill>
+                    </a:lnR>
+                    <a:lnT w="12700">
+                      <a:solidFill>
+                        <a:schemeClr val="tx1"/>
+                      </a:solidFill>
+                    </a:lnT>
+                    <a:lnB w="12700">
+                      <a:solidFill>
+                        <a:schemeClr val="tx1"/>
+                      </a:solidFill>
+                    </a:lnB>
+                    <a:solidFill>
+                      <a:srgbClr val="626F99"/>
+                    </a:solidFill>
+                  </a:tcPr>
+                </a:tc>
+                <a:tc>
+                  <a:txBody>
+                    <a:bodyPr/>
+                    <a:lstStyle/>
+                    <a:p>
+                      <a:r>
+                        <a:rPr lang="pt-BR" sz="1400"/>
+                        <a:t>Deve ser possível desativar a matrícula de um aluno no sistema	</a:t>
+                      </a:r>
+                    </a:p>
+                  </a:txBody>
+                  <a:tcPr>
+                    <a:lnL w="12700">
+                      <a:solidFill>
+                        <a:schemeClr val="tx1"/>
+                      </a:solidFill>
+                    </a:lnL>
+                    <a:lnR w="12700">
+                      <a:solidFill>
+                        <a:schemeClr val="tx1"/>
+                      </a:solidFill>
+                    </a:lnR>
+                    <a:lnT w="12700">
+                      <a:solidFill>
+                        <a:schemeClr val="tx1"/>
+                      </a:solidFill>
+                    </a:lnT>
+                    <a:lnB w="12700">
+                      <a:solidFill>
+                        <a:schemeClr val="tx1"/>
+                      </a:solidFill>
+                    </a:lnB>
+                    <a:solidFill>
+                      <a:srgbClr val="626F99"/>
+                    </a:solidFill>
+                  </a:tcPr>
+                </a:tc>
+                <a:tc>
+                  <a:txBody>
+                    <a:bodyPr/>
+                    <a:lstStyle/>
+                    <a:p>
+                      <a:pPr algn="ctr"/>
+                      <a:r>
+                        <a:rPr lang="pt-BR" sz="1400"/>
+                        <a:t>Média</a:t>
+                      </a:r>
+                    </a:p>
+                  </a:txBody>
+                  <a:tcPr>
+                    <a:lnL w="12700">
+                      <a:solidFill>
+                        <a:schemeClr val="tx1"/>
+                      </a:solidFill>
+                    </a:lnL>
+                    <a:lnR w="12700">
+                      <a:solidFill>
+                        <a:schemeClr val="tx1"/>
+                      </a:solidFill>
+                    </a:lnR>
+                    <a:lnT w="12700">
+                      <a:solidFill>
+                        <a:schemeClr val="tx1"/>
+                      </a:solidFill>
+                    </a:lnT>
+                    <a:lnB w="12700">
+                      <a:solidFill>
+                        <a:schemeClr val="tx1"/>
+                      </a:solidFill>
+                    </a:lnB>
+                    <a:solidFill>
+                      <a:srgbClr val="626F99"/>
+                    </a:solidFill>
+                  </a:tcPr>
+                </a:tc>
+                <a:extLst>
+                  <a:ext uri="{0D108BD9-81ED-4DB2-BD59-A6C34878D82A}">
+                    <a16:rowId xmlns:a16="http://schemas.microsoft.com/office/drawing/2014/main" val="690012614"/>
+                  </a:ext>
+                </a:extLst>
+              </a:tr>
+              <a:tr h="370840">
+                <a:tc>
+                  <a:txBody>
+                    <a:bodyPr/>
+                    <a:lstStyle/>
+                    <a:p>
+                      <a:pPr algn="ctr"/>
+                      <a:r>
+                        <a:rPr lang="pt-BR" sz="1400" b="0" i="0" kern="1200">
+                          <a:solidFill>
+                            <a:schemeClr val="lt1"/>
+                          </a:solidFill>
+                          <a:effectLst/>
+                          <a:latin typeface="+mn-lt"/>
+                          <a:ea typeface="+mn-ea"/>
+                          <a:cs typeface="+mn-cs"/>
+                        </a:rPr>
+                        <a:t>RF- 04</a:t>
+                      </a:r>
+                      <a:endParaRPr lang="pt-BR" sz="1400"/>
+                    </a:p>
+                  </a:txBody>
+                  <a:tcPr>
+                    <a:lnL w="12700">
+                      <a:solidFill>
+                        <a:schemeClr val="tx1"/>
+                      </a:solidFill>
+                    </a:lnL>
+                    <a:lnR w="12700">
+                      <a:solidFill>
+                        <a:schemeClr val="tx1"/>
+                      </a:solidFill>
+                    </a:lnR>
+                    <a:lnT w="12700">
+                      <a:solidFill>
+                        <a:schemeClr val="tx1"/>
+                      </a:solidFill>
+                    </a:lnT>
+                    <a:lnB w="12700">
+                      <a:solidFill>
+                        <a:schemeClr val="tx1"/>
+                      </a:solidFill>
+                    </a:lnB>
+                    <a:solidFill>
+                      <a:srgbClr val="626F99"/>
+                    </a:solidFill>
+                  </a:tcPr>
+                </a:tc>
+                <a:tc>
+                  <a:txBody>
+                    <a:bodyPr/>
+                    <a:lstStyle/>
+                    <a:p>
+                      <a:r>
+                        <a:rPr lang="pt-BR" sz="1400"/>
+                        <a:t>Usuários autorizados devem conseguir cadastrar novas turmas no sistema	</a:t>
+                      </a:r>
+                    </a:p>
+                  </a:txBody>
+                  <a:tcPr>
+                    <a:lnL w="12700">
+                      <a:solidFill>
+                        <a:schemeClr val="tx1"/>
+                      </a:solidFill>
+                    </a:lnL>
+                    <a:lnR w="12700">
+                      <a:solidFill>
+                        <a:schemeClr val="tx1"/>
+                      </a:solidFill>
+                    </a:lnR>
+                    <a:lnT w="12700">
+                      <a:solidFill>
+                        <a:schemeClr val="tx1"/>
+                      </a:solidFill>
+                    </a:lnT>
+                    <a:lnB w="12700">
+                      <a:solidFill>
+                        <a:schemeClr val="tx1"/>
+                      </a:solidFill>
+                    </a:lnB>
+                    <a:solidFill>
+                      <a:srgbClr val="626F99"/>
+                    </a:solidFill>
+                  </a:tcPr>
+                </a:tc>
+                <a:tc>
+                  <a:txBody>
+                    <a:bodyPr/>
+                    <a:lstStyle/>
+                    <a:p>
+                      <a:pPr algn="ctr"/>
+                      <a:r>
+                        <a:rPr lang="pt-BR" sz="1400"/>
+                        <a:t>Baixa</a:t>
+                      </a:r>
+                    </a:p>
+                  </a:txBody>
+                  <a:tcPr>
+                    <a:lnL w="12700">
+                      <a:solidFill>
+                        <a:schemeClr val="tx1"/>
+                      </a:solidFill>
+                    </a:lnL>
+                    <a:lnR w="12700">
+                      <a:solidFill>
+                        <a:schemeClr val="tx1"/>
+                      </a:solidFill>
+                    </a:lnR>
+                    <a:lnT w="12700">
+                      <a:solidFill>
+                        <a:schemeClr val="tx1"/>
+                      </a:solidFill>
+                    </a:lnT>
+                    <a:lnB w="12700">
+                      <a:solidFill>
+                        <a:schemeClr val="tx1"/>
+                      </a:solidFill>
+                    </a:lnB>
+                    <a:solidFill>
+                      <a:srgbClr val="626F99"/>
+                    </a:solidFill>
+                  </a:tcPr>
+                </a:tc>
+                <a:extLst>
+                  <a:ext uri="{0D108BD9-81ED-4DB2-BD59-A6C34878D82A}">
+                    <a16:rowId xmlns:a16="http://schemas.microsoft.com/office/drawing/2014/main" val="1425178870"/>
+                  </a:ext>
+                </a:extLst>
+              </a:tr>
+              <a:tr h="370840">
+                <a:tc>
+                  <a:txBody>
+                    <a:bodyPr/>
+                    <a:lstStyle/>
+                    <a:p>
+                      <a:pPr algn="ctr"/>
+                      <a:r>
+                        <a:rPr lang="pt-BR" sz="1400" b="0" i="0" kern="1200">
+                          <a:solidFill>
+                            <a:schemeClr val="lt1"/>
+                          </a:solidFill>
+                          <a:effectLst/>
+                          <a:latin typeface="+mn-lt"/>
+                          <a:ea typeface="+mn-ea"/>
+                          <a:cs typeface="+mn-cs"/>
+                        </a:rPr>
+                        <a:t>RF- 05</a:t>
+                      </a:r>
+                      <a:endParaRPr lang="pt-BR" sz="1400"/>
+                    </a:p>
+                  </a:txBody>
+                  <a:tcPr>
+                    <a:lnL w="12700">
+                      <a:solidFill>
+                        <a:schemeClr val="tx1"/>
+                      </a:solidFill>
+                    </a:lnL>
+                    <a:lnR w="12700">
+                      <a:solidFill>
+                        <a:schemeClr val="tx1"/>
+                      </a:solidFill>
+                    </a:lnR>
+                    <a:lnT w="12700">
+                      <a:solidFill>
+                        <a:schemeClr val="tx1"/>
+                      </a:solidFill>
+                    </a:lnT>
+                    <a:lnB w="12700">
+                      <a:solidFill>
+                        <a:schemeClr val="tx1"/>
+                      </a:solidFill>
+                    </a:lnB>
+                    <a:solidFill>
+                      <a:srgbClr val="626F99"/>
+                    </a:solidFill>
+                  </a:tcPr>
+                </a:tc>
+                <a:tc>
+                  <a:txBody>
+                    <a:bodyPr/>
+                    <a:lstStyle/>
+                    <a:p>
+                      <a:r>
+                        <a:rPr lang="pt-BR" sz="1400"/>
+                        <a:t>CRUD de Turma (Deve ser possível cadastrar, editar, inserir Alunos, visualizar e excluir uma Turma)	</a:t>
+                      </a:r>
+                    </a:p>
+                  </a:txBody>
+                  <a:tcPr>
+                    <a:lnL w="12700">
+                      <a:solidFill>
+                        <a:schemeClr val="tx1"/>
+                      </a:solidFill>
+                    </a:lnL>
+                    <a:lnR w="12700">
+                      <a:solidFill>
+                        <a:schemeClr val="tx1"/>
+                      </a:solidFill>
+                    </a:lnR>
+                    <a:lnT w="12700">
+                      <a:solidFill>
+                        <a:schemeClr val="tx1"/>
+                      </a:solidFill>
+                    </a:lnT>
+                    <a:lnB w="12700">
+                      <a:solidFill>
+                        <a:schemeClr val="tx1"/>
+                      </a:solidFill>
+                    </a:lnB>
+                    <a:solidFill>
+                      <a:srgbClr val="626F99"/>
+                    </a:solidFill>
+                  </a:tcPr>
+                </a:tc>
+                <a:tc>
+                  <a:txBody>
+                    <a:bodyPr/>
+                    <a:lstStyle/>
+                    <a:p>
+                      <a:pPr algn="ctr"/>
+                      <a:r>
+                        <a:rPr lang="pt-BR" sz="1400"/>
+                        <a:t>Alta</a:t>
+                      </a:r>
+                    </a:p>
+                  </a:txBody>
+                  <a:tcPr>
+                    <a:lnL w="12700">
+                      <a:solidFill>
+                        <a:schemeClr val="tx1"/>
+                      </a:solidFill>
+                    </a:lnL>
+                    <a:lnR w="12700">
+                      <a:solidFill>
+                        <a:schemeClr val="tx1"/>
+                      </a:solidFill>
+                    </a:lnR>
+                    <a:lnT w="12700">
+                      <a:solidFill>
+                        <a:schemeClr val="tx1"/>
+                      </a:solidFill>
+                    </a:lnT>
+                    <a:lnB w="12700">
+                      <a:solidFill>
+                        <a:schemeClr val="tx1"/>
+                      </a:solidFill>
+                    </a:lnB>
+                    <a:solidFill>
+                      <a:srgbClr val="626F99"/>
+                    </a:solidFill>
+                  </a:tcPr>
+                </a:tc>
+                <a:extLst>
+                  <a:ext uri="{0D108BD9-81ED-4DB2-BD59-A6C34878D82A}">
+                    <a16:rowId xmlns:a16="http://schemas.microsoft.com/office/drawing/2014/main" val="1567739941"/>
+                  </a:ext>
+                </a:extLst>
+              </a:tr>
+              <a:tr h="370840">
+                <a:tc>
+                  <a:txBody>
+                    <a:bodyPr/>
+                    <a:lstStyle/>
+                    <a:p>
+                      <a:pPr algn="ctr"/>
+                      <a:r>
+                        <a:rPr lang="pt-BR" sz="1400" b="0" i="0">
+                          <a:solidFill>
+                            <a:srgbClr val="E6EDF3"/>
+                          </a:solidFill>
+                          <a:effectLst/>
+                          <a:latin typeface="Century Schoolbook"/>
+                        </a:rPr>
+                        <a:t>RF- 06</a:t>
+                      </a:r>
+                      <a:endParaRPr lang="pt-BR" sz="1400">
+                        <a:latin typeface="Century Schoolbook"/>
+                      </a:endParaRPr>
+                    </a:p>
+                  </a:txBody>
+                  <a:tcPr>
+                    <a:lnL w="12700">
+                      <a:solidFill>
+                        <a:schemeClr val="tx1"/>
+                      </a:solidFill>
+                    </a:lnL>
+                    <a:lnR w="12700">
+                      <a:solidFill>
+                        <a:schemeClr val="tx1"/>
+                      </a:solidFill>
+                    </a:lnR>
+                    <a:lnT w="12700">
+                      <a:solidFill>
+                        <a:schemeClr val="tx1"/>
+                      </a:solidFill>
+                    </a:lnT>
+                    <a:lnB w="12700">
+                      <a:solidFill>
+                        <a:schemeClr val="tx1"/>
+                      </a:solidFill>
+                    </a:lnB>
+                    <a:solidFill>
+                      <a:srgbClr val="626F99"/>
+                    </a:solidFill>
+                  </a:tcPr>
+                </a:tc>
+                <a:tc>
+                  <a:txBody>
+                    <a:bodyPr/>
+                    <a:lstStyle/>
+                    <a:p>
+                      <a:r>
+                        <a:rPr lang="pt-BR" sz="1400">
+                          <a:latin typeface="Century Schoolbook"/>
+                        </a:rPr>
+                        <a:t>Deve ser possível cadastrar/ matricular aluno em uma turma especifica no sistema	</a:t>
+                      </a:r>
+                    </a:p>
+                  </a:txBody>
+                  <a:tcPr>
+                    <a:lnL w="12700">
+                      <a:solidFill>
+                        <a:schemeClr val="tx1"/>
+                      </a:solidFill>
+                    </a:lnL>
+                    <a:lnR w="12700">
+                      <a:solidFill>
+                        <a:schemeClr val="tx1"/>
+                      </a:solidFill>
+                    </a:lnR>
+                    <a:lnT w="12700">
+                      <a:solidFill>
+                        <a:schemeClr val="tx1"/>
+                      </a:solidFill>
+                    </a:lnT>
+                    <a:lnB w="12700">
+                      <a:solidFill>
+                        <a:schemeClr val="tx1"/>
+                      </a:solidFill>
+                    </a:lnB>
+                    <a:solidFill>
+                      <a:srgbClr val="626F99"/>
+                    </a:solidFill>
+                  </a:tcPr>
+                </a:tc>
+                <a:tc>
+                  <a:txBody>
+                    <a:bodyPr/>
+                    <a:lstStyle/>
+                    <a:p>
+                      <a:pPr algn="ctr"/>
+                      <a:r>
+                        <a:rPr lang="pt-BR" sz="1400">
+                          <a:latin typeface="Century Schoolbook"/>
+                        </a:rPr>
+                        <a:t>Baixa</a:t>
+                      </a:r>
+                    </a:p>
+                  </a:txBody>
+                  <a:tcPr>
+                    <a:lnL w="12700">
+                      <a:solidFill>
+                        <a:schemeClr val="tx1"/>
+                      </a:solidFill>
+                    </a:lnL>
+                    <a:lnR w="12700">
+                      <a:solidFill>
+                        <a:schemeClr val="tx1"/>
+                      </a:solidFill>
+                    </a:lnR>
+                    <a:lnT w="12700">
+                      <a:solidFill>
+                        <a:schemeClr val="tx1"/>
+                      </a:solidFill>
+                    </a:lnT>
+                    <a:lnB w="12700">
+                      <a:solidFill>
+                        <a:schemeClr val="tx1"/>
+                      </a:solidFill>
+                    </a:lnB>
+                    <a:solidFill>
+                      <a:srgbClr val="626F99"/>
+                    </a:solidFill>
+                  </a:tcPr>
+                </a:tc>
+                <a:extLst>
+                  <a:ext uri="{0D108BD9-81ED-4DB2-BD59-A6C34878D82A}">
+                    <a16:rowId xmlns:a16="http://schemas.microsoft.com/office/drawing/2014/main" val="1359990596"/>
+                  </a:ext>
+                </a:extLst>
+              </a:tr>
+              <a:tr h="370840">
+                <a:tc>
+                  <a:txBody>
+                    <a:bodyPr/>
+                    <a:lstStyle/>
+                    <a:p>
+                      <a:pPr algn="ctr"/>
+                      <a:r>
+                        <a:rPr lang="pt-BR" sz="1400" b="0" i="0">
+                          <a:solidFill>
+                            <a:srgbClr val="E6EDF3"/>
+                          </a:solidFill>
+                          <a:effectLst/>
+                          <a:latin typeface="Century Schoolbook"/>
+                        </a:rPr>
+                        <a:t>RF- 07</a:t>
+                      </a:r>
+                      <a:endParaRPr lang="pt-BR" sz="1400">
+                        <a:latin typeface="Century Schoolbook"/>
+                      </a:endParaRPr>
+                    </a:p>
+                  </a:txBody>
+                  <a:tcPr>
+                    <a:lnL w="12700">
+                      <a:solidFill>
+                        <a:schemeClr val="tx1"/>
+                      </a:solidFill>
+                    </a:lnL>
+                    <a:lnR w="12700">
+                      <a:solidFill>
+                        <a:schemeClr val="tx1"/>
+                      </a:solidFill>
+                    </a:lnR>
+                    <a:lnT w="12700">
+                      <a:solidFill>
+                        <a:schemeClr val="tx1"/>
+                      </a:solidFill>
+                    </a:lnT>
+                    <a:lnB w="12700">
+                      <a:solidFill>
+                        <a:schemeClr val="tx1"/>
+                      </a:solidFill>
+                    </a:lnB>
+                    <a:solidFill>
+                      <a:srgbClr val="626F99"/>
+                    </a:solidFill>
+                  </a:tcPr>
+                </a:tc>
+                <a:tc>
+                  <a:txBody>
+                    <a:bodyPr/>
+                    <a:lstStyle/>
+                    <a:p>
+                      <a:r>
+                        <a:rPr lang="pt-BR" sz="1400">
+                          <a:latin typeface="Century Schoolbook"/>
+                        </a:rPr>
+                        <a:t>Usuários autorizados devem conseguir cancelar matrícula de um aluno no sistema	</a:t>
+                      </a:r>
+                    </a:p>
+                  </a:txBody>
+                  <a:tcPr>
+                    <a:lnL w="12700">
+                      <a:solidFill>
+                        <a:schemeClr val="tx1"/>
+                      </a:solidFill>
+                    </a:lnL>
+                    <a:lnR w="12700">
+                      <a:solidFill>
+                        <a:schemeClr val="tx1"/>
+                      </a:solidFill>
+                    </a:lnR>
+                    <a:lnT w="12700">
+                      <a:solidFill>
+                        <a:schemeClr val="tx1"/>
+                      </a:solidFill>
+                    </a:lnT>
+                    <a:lnB w="12700">
+                      <a:solidFill>
+                        <a:schemeClr val="tx1"/>
+                      </a:solidFill>
+                    </a:lnB>
+                    <a:solidFill>
+                      <a:srgbClr val="626F99"/>
+                    </a:solidFill>
+                  </a:tcPr>
+                </a:tc>
+                <a:tc>
+                  <a:txBody>
+                    <a:bodyPr/>
+                    <a:lstStyle/>
+                    <a:p>
+                      <a:pPr algn="ctr"/>
+                      <a:r>
+                        <a:rPr lang="pt-BR" sz="1400">
+                          <a:latin typeface="Century Schoolbook"/>
+                        </a:rPr>
+                        <a:t>Alta</a:t>
+                      </a:r>
+                    </a:p>
+                  </a:txBody>
+                  <a:tcPr>
+                    <a:lnL w="12700">
+                      <a:solidFill>
+                        <a:schemeClr val="tx1"/>
+                      </a:solidFill>
+                    </a:lnL>
+                    <a:lnR w="12700">
+                      <a:solidFill>
+                        <a:schemeClr val="tx1"/>
+                      </a:solidFill>
+                    </a:lnR>
+                    <a:lnT w="12700">
+                      <a:solidFill>
+                        <a:schemeClr val="tx1"/>
+                      </a:solidFill>
+                    </a:lnT>
+                    <a:lnB w="12700">
+                      <a:solidFill>
+                        <a:schemeClr val="tx1"/>
+                      </a:solidFill>
+                    </a:lnB>
+                    <a:solidFill>
+                      <a:srgbClr val="626F99"/>
+                    </a:solidFill>
+                  </a:tcPr>
+                </a:tc>
+                <a:extLst>
+                  <a:ext uri="{0D108BD9-81ED-4DB2-BD59-A6C34878D82A}">
+                    <a16:rowId xmlns:a16="http://schemas.microsoft.com/office/drawing/2014/main" val="4144847268"/>
+                  </a:ext>
+                </a:extLst>
+              </a:tr>
+              <a:tr h="370840">
+                <a:tc>
+                  <a:txBody>
+                    <a:bodyPr/>
+                    <a:lstStyle/>
+                    <a:p>
+                      <a:pPr algn="ctr"/>
+                      <a:r>
+                        <a:rPr lang="pt-BR" sz="1400" b="0" i="0">
+                          <a:solidFill>
+                            <a:srgbClr val="E6EDF3"/>
+                          </a:solidFill>
+                          <a:effectLst/>
+                          <a:latin typeface="Century Schoolbook"/>
+                        </a:rPr>
+                        <a:t>RF- 08</a:t>
+                      </a:r>
+                      <a:endParaRPr lang="pt-BR" sz="1400">
+                        <a:latin typeface="Century Schoolbook"/>
+                      </a:endParaRPr>
+                    </a:p>
+                  </a:txBody>
+                  <a:tcPr>
+                    <a:lnL w="12700">
+                      <a:solidFill>
+                        <a:schemeClr val="tx1"/>
+                      </a:solidFill>
+                    </a:lnL>
+                    <a:lnR w="12700">
+                      <a:solidFill>
+                        <a:schemeClr val="tx1"/>
+                      </a:solidFill>
+                    </a:lnR>
+                    <a:lnT w="12700">
+                      <a:solidFill>
+                        <a:schemeClr val="tx1"/>
+                      </a:solidFill>
+                    </a:lnT>
+                    <a:lnB w="12700">
+                      <a:solidFill>
+                        <a:schemeClr val="tx1"/>
+                      </a:solidFill>
+                    </a:lnB>
+                    <a:solidFill>
+                      <a:srgbClr val="626F99"/>
+                    </a:solidFill>
+                  </a:tcPr>
+                </a:tc>
+                <a:tc>
+                  <a:txBody>
+                    <a:bodyPr/>
+                    <a:lstStyle/>
+                    <a:p>
+                      <a:r>
+                        <a:rPr lang="pt-BR" sz="1400">
+                          <a:latin typeface="Century Schoolbook"/>
+                        </a:rPr>
+                        <a:t>Emitir Declaração de Matrícula	</a:t>
+                      </a:r>
+                    </a:p>
+                  </a:txBody>
+                  <a:tcPr>
+                    <a:lnL w="12700">
+                      <a:solidFill>
+                        <a:schemeClr val="tx1"/>
+                      </a:solidFill>
+                    </a:lnL>
+                    <a:lnR w="12700">
+                      <a:solidFill>
+                        <a:schemeClr val="tx1"/>
+                      </a:solidFill>
+                    </a:lnR>
+                    <a:lnT w="12700">
+                      <a:solidFill>
+                        <a:schemeClr val="tx1"/>
+                      </a:solidFill>
+                    </a:lnT>
+                    <a:lnB w="12700">
+                      <a:solidFill>
+                        <a:schemeClr val="tx1"/>
+                      </a:solidFill>
+                    </a:lnB>
+                    <a:solidFill>
+                      <a:srgbClr val="626F99"/>
+                    </a:solidFill>
+                  </a:tcPr>
+                </a:tc>
+                <a:tc>
+                  <a:txBody>
+                    <a:bodyPr/>
+                    <a:lstStyle/>
+                    <a:p>
+                      <a:pPr algn="ctr"/>
+                      <a:r>
+                        <a:rPr lang="pt-BR" sz="1400">
+                          <a:latin typeface="Century Schoolbook"/>
+                        </a:rPr>
+                        <a:t>Média</a:t>
+                      </a:r>
+                    </a:p>
+                  </a:txBody>
+                  <a:tcPr>
+                    <a:lnL w="12700">
+                      <a:solidFill>
+                        <a:schemeClr val="tx1"/>
+                      </a:solidFill>
+                    </a:lnL>
+                    <a:lnR w="12700">
+                      <a:solidFill>
+                        <a:schemeClr val="tx1"/>
+                      </a:solidFill>
+                    </a:lnR>
+                    <a:lnT w="12700">
+                      <a:solidFill>
+                        <a:schemeClr val="tx1"/>
+                      </a:solidFill>
+                    </a:lnT>
+                    <a:lnB w="12700">
+                      <a:solidFill>
+                        <a:schemeClr val="tx1"/>
+                      </a:solidFill>
+                    </a:lnB>
+                    <a:solidFill>
+                      <a:srgbClr val="626F99"/>
+                    </a:solidFill>
+                  </a:tcPr>
+                </a:tc>
+                <a:extLst>
+                  <a:ext uri="{0D108BD9-81ED-4DB2-BD59-A6C34878D82A}">
+                    <a16:rowId xmlns:a16="http://schemas.microsoft.com/office/drawing/2014/main" val="4101895330"/>
+                  </a:ext>
+                </a:extLst>
+              </a:tr>
+              <a:tr h="370840">
+                <a:tc>
+                  <a:txBody>
+                    <a:bodyPr/>
+                    <a:lstStyle/>
+                    <a:p>
+                      <a:pPr algn="ctr"/>
+                      <a:r>
+                        <a:rPr lang="pt-BR" sz="1400" b="0" i="0">
+                          <a:solidFill>
+                            <a:srgbClr val="E6EDF3"/>
+                          </a:solidFill>
+                          <a:effectLst/>
+                          <a:latin typeface="Century Schoolbook"/>
+                        </a:rPr>
+                        <a:t>RF- 09</a:t>
+                      </a:r>
+                      <a:endParaRPr lang="pt-BR" sz="1400">
+                        <a:latin typeface="Century Schoolbook"/>
+                      </a:endParaRPr>
+                    </a:p>
+                  </a:txBody>
+                  <a:tcPr>
+                    <a:lnL w="12700">
+                      <a:solidFill>
+                        <a:schemeClr val="tx1"/>
+                      </a:solidFill>
+                    </a:lnL>
+                    <a:lnR w="12700">
+                      <a:solidFill>
+                        <a:schemeClr val="tx1"/>
+                      </a:solidFill>
+                    </a:lnR>
+                    <a:lnT w="12700">
+                      <a:solidFill>
+                        <a:schemeClr val="tx1"/>
+                      </a:solidFill>
+                    </a:lnT>
+                    <a:lnB w="12700">
+                      <a:solidFill>
+                        <a:schemeClr val="tx1"/>
+                      </a:solidFill>
+                    </a:lnB>
+                    <a:solidFill>
+                      <a:srgbClr val="626F99"/>
+                    </a:solidFill>
+                  </a:tcPr>
+                </a:tc>
+                <a:tc>
+                  <a:txBody>
+                    <a:bodyPr/>
+                    <a:lstStyle/>
+                    <a:p>
+                      <a:r>
+                        <a:rPr lang="pt-BR" sz="1400">
+                          <a:latin typeface="Century Schoolbook"/>
+                        </a:rPr>
+                        <a:t>Usuários autorizados devem poder emitir certificados ou diplomas para os alunos que concluíram com sucesso o curso	</a:t>
+                      </a:r>
+                    </a:p>
+                  </a:txBody>
+                  <a:tcPr>
+                    <a:lnL w="12700">
+                      <a:solidFill>
+                        <a:schemeClr val="tx1"/>
+                      </a:solidFill>
+                    </a:lnL>
+                    <a:lnR w="12700">
+                      <a:solidFill>
+                        <a:schemeClr val="tx1"/>
+                      </a:solidFill>
+                    </a:lnR>
+                    <a:lnT w="12700">
+                      <a:solidFill>
+                        <a:schemeClr val="tx1"/>
+                      </a:solidFill>
+                    </a:lnT>
+                    <a:lnB w="12700">
+                      <a:solidFill>
+                        <a:schemeClr val="tx1"/>
+                      </a:solidFill>
+                    </a:lnB>
+                    <a:solidFill>
+                      <a:srgbClr val="626F99"/>
+                    </a:solidFill>
+                  </a:tcPr>
+                </a:tc>
+                <a:tc>
+                  <a:txBody>
+                    <a:bodyPr/>
+                    <a:lstStyle/>
+                    <a:p>
+                      <a:pPr algn="ctr"/>
+                      <a:r>
+                        <a:rPr lang="pt-BR" sz="1400">
+                          <a:latin typeface="Century Schoolbook"/>
+                        </a:rPr>
+                        <a:t>Média</a:t>
+                      </a:r>
+                    </a:p>
+                  </a:txBody>
+                  <a:tcPr>
+                    <a:lnL w="12700">
+                      <a:solidFill>
+                        <a:schemeClr val="tx1"/>
+                      </a:solidFill>
+                    </a:lnL>
+                    <a:lnR w="12700">
+                      <a:solidFill>
+                        <a:schemeClr val="tx1"/>
+                      </a:solidFill>
+                    </a:lnR>
+                    <a:lnT w="12700">
+                      <a:solidFill>
+                        <a:schemeClr val="tx1"/>
+                      </a:solidFill>
+                    </a:lnT>
+                    <a:lnB w="12700">
+                      <a:solidFill>
+                        <a:schemeClr val="tx1"/>
+                      </a:solidFill>
+                    </a:lnB>
+                    <a:solidFill>
+                      <a:srgbClr val="626F99"/>
+                    </a:solidFill>
+                  </a:tcPr>
+                </a:tc>
+                <a:extLst>
+                  <a:ext uri="{0D108BD9-81ED-4DB2-BD59-A6C34878D82A}">
+                    <a16:rowId xmlns:a16="http://schemas.microsoft.com/office/drawing/2014/main" val="3028960806"/>
+                  </a:ext>
+                </a:extLst>
+              </a:tr>
+              <a:tr h="370840">
+                <a:tc>
+                  <a:txBody>
+                    <a:bodyPr/>
+                    <a:lstStyle/>
+                    <a:p>
+                      <a:pPr algn="ctr"/>
+                      <a:r>
+                        <a:rPr lang="pt-BR" sz="1400" b="0" i="0">
+                          <a:solidFill>
+                            <a:srgbClr val="E6EDF3"/>
+                          </a:solidFill>
+                          <a:effectLst/>
+                          <a:latin typeface="Century Schoolbook"/>
+                        </a:rPr>
+                        <a:t>RF- 10</a:t>
+                      </a:r>
+                      <a:endParaRPr lang="pt-BR" sz="1400">
+                        <a:latin typeface="Century Schoolbook"/>
+                      </a:endParaRPr>
+                    </a:p>
+                  </a:txBody>
+                  <a:tcPr>
+                    <a:lnL w="12700">
+                      <a:solidFill>
+                        <a:schemeClr val="tx1"/>
+                      </a:solidFill>
+                    </a:lnL>
+                    <a:lnR w="12700">
+                      <a:solidFill>
+                        <a:schemeClr val="tx1"/>
+                      </a:solidFill>
+                    </a:lnR>
+                    <a:lnT w="12700">
+                      <a:solidFill>
+                        <a:schemeClr val="tx1"/>
+                      </a:solidFill>
+                    </a:lnT>
+                    <a:lnB w="12700">
+                      <a:solidFill>
+                        <a:schemeClr val="tx1"/>
+                      </a:solidFill>
+                    </a:lnB>
+                    <a:solidFill>
+                      <a:srgbClr val="626F99"/>
+                    </a:solidFill>
+                  </a:tcPr>
+                </a:tc>
+                <a:tc>
+                  <a:txBody>
+                    <a:bodyPr/>
+                    <a:lstStyle/>
+                    <a:p>
+                      <a:r>
+                        <a:rPr lang="pt-BR" sz="1400">
+                          <a:effectLst/>
+                          <a:latin typeface="Century Schoolbook"/>
+                        </a:rPr>
+                        <a:t>CRUD de Frequência (Deve ser possível registrar, editar, visualizar e excluir frequências de um Aluno)</a:t>
+                      </a:r>
+                    </a:p>
+                  </a:txBody>
+                  <a:tcPr marL="123825" marR="123825" marT="57150" marB="57150" anchor="ctr">
+                    <a:lnL w="12700">
+                      <a:solidFill>
+                        <a:schemeClr val="tx1"/>
+                      </a:solidFill>
+                    </a:lnL>
+                    <a:lnR w="12700">
+                      <a:solidFill>
+                        <a:schemeClr val="tx1"/>
+                      </a:solidFill>
+                    </a:lnR>
+                    <a:lnT w="12700">
+                      <a:solidFill>
+                        <a:schemeClr val="tx1"/>
+                      </a:solidFill>
+                    </a:lnT>
+                    <a:lnB w="12700">
+                      <a:solidFill>
+                        <a:schemeClr val="tx1"/>
+                      </a:solidFill>
+                    </a:lnB>
+                    <a:solidFill>
+                      <a:srgbClr val="626F99"/>
+                    </a:solidFill>
+                  </a:tcPr>
+                </a:tc>
+                <a:tc>
+                  <a:txBody>
+                    <a:bodyPr/>
+                    <a:lstStyle/>
+                    <a:p>
+                      <a:pPr algn="ctr"/>
+                      <a:r>
+                        <a:rPr lang="pt-BR" sz="1400">
+                          <a:latin typeface="Century Schoolbook"/>
+                        </a:rPr>
+                        <a:t>Alta</a:t>
+                      </a:r>
+                    </a:p>
+                  </a:txBody>
+                  <a:tcPr>
+                    <a:lnL w="12700">
+                      <a:solidFill>
+                        <a:schemeClr val="tx1"/>
+                      </a:solidFill>
+                    </a:lnL>
+                    <a:lnR w="12700">
+                      <a:solidFill>
+                        <a:schemeClr val="tx1"/>
+                      </a:solidFill>
+                    </a:lnR>
+                    <a:lnT w="12700">
+                      <a:solidFill>
+                        <a:schemeClr val="tx1"/>
+                      </a:solidFill>
+                    </a:lnT>
+                    <a:lnB w="12700">
+                      <a:solidFill>
+                        <a:schemeClr val="tx1"/>
+                      </a:solidFill>
+                    </a:lnB>
+                    <a:solidFill>
+                      <a:srgbClr val="626F99"/>
+                    </a:solidFill>
+                  </a:tcPr>
+                </a:tc>
+                <a:extLst>
+                  <a:ext uri="{0D108BD9-81ED-4DB2-BD59-A6C34878D82A}">
+                    <a16:rowId xmlns:a16="http://schemas.microsoft.com/office/drawing/2014/main" val="600820207"/>
+                  </a:ext>
+                </a:extLst>
+              </a:tr>
+            </a:tbl>
+          </a:graphicData>
+        </a:graphic>
+      </p:graphicFrame>
+      <p:sp>
+        <p:nvSpPr>
+          <p:cNvPr id="7" name="Espaço Reservado para Conteúdo 2">
+            <a:extLst>
+              <a:ext uri="{FF2B5EF4-FFF2-40B4-BE49-F238E27FC236}">
+                <a16:creationId xmlns:a16="http://schemas.microsoft.com/office/drawing/2014/main" id="{109F8D9F-FAEA-4490-B1B5-EEA499E442C2}"/>
+              </a:ext>
+            </a:extLst>
+          </p:cNvPr>
+          <p:cNvSpPr txBox="1">
+            <a:spLocks/>
+          </p:cNvSpPr>
+          <p:nvPr/>
+        </p:nvSpPr>
+        <p:spPr>
+          <a:xfrm>
+            <a:off x="444500" y="1104776"/>
+            <a:ext cx="10710334" cy="368548"/>
+          </a:xfrm>
+          <a:prstGeom prst="rect">
+            <a:avLst/>
+          </a:prstGeom>
+        </p:spPr>
+        <p:txBody>
+          <a:bodyPr vert="horz" lIns="91440" tIns="45720" rIns="91440" bIns="45720" rtlCol="0" anchor="t">
+            <a:noAutofit/>
+          </a:bodyPr>
+          <a:lstStyle>
+            <a:lvl1pPr marL="342900" indent="-342900" algn="l" defTabSz="457200" rtl="0" eaLnBrk="1" latinLnBrk="0" hangingPunct="1">
+              <a:spcBef>
+                <a:spcPts val="1000"/>
+              </a:spcBef>
+              <a:spcAft>
+                <a:spcPts val="0"/>
+              </a:spcAft>
+              <a:buClr>
+                <a:schemeClr val="accent1"/>
+              </a:buClr>
+              <a:buSzPct val="80000"/>
+              <a:buFont typeface="Wingdings 3" charset="2"/>
+              <a:buChar char=""/>
+              <a:defRPr sz="2000" b="0" i="0" kern="1200">
+                <a:solidFill>
+                  <a:schemeClr val="tx1"/>
+                </a:solidFill>
+                <a:latin typeface="+mj-lt"/>
+                <a:ea typeface="+mj-ea"/>
+                <a:cs typeface="+mj-cs"/>
+              </a:defRPr>
+            </a:lvl1pPr>
+            <a:lvl2pPr marL="742950" indent="-285750" algn="l" defTabSz="457200" rtl="0" eaLnBrk="1" latinLnBrk="0" hangingPunct="1">
+              <a:spcBef>
+                <a:spcPts val="1000"/>
+              </a:spcBef>
+              <a:spcAft>
+                <a:spcPts val="0"/>
+              </a:spcAft>
+              <a:buClr>
+                <a:schemeClr val="accent1"/>
+              </a:buClr>
+              <a:buSzPct val="80000"/>
+              <a:buFont typeface="Wingdings 3" charset="2"/>
+              <a:buChar char=""/>
+              <a:defRPr sz="1800" b="0" i="0" kern="1200">
+                <a:solidFill>
+                  <a:schemeClr val="tx1"/>
+                </a:solidFill>
+                <a:latin typeface="+mj-lt"/>
+                <a:ea typeface="+mj-ea"/>
+                <a:cs typeface="+mj-cs"/>
+              </a:defRPr>
+            </a:lvl2pPr>
+            <a:lvl3pPr marL="1143000" indent="-228600" algn="l" defTabSz="457200" rtl="0" eaLnBrk="1" latinLnBrk="0" hangingPunct="1">
+              <a:spcBef>
+                <a:spcPts val="1000"/>
+              </a:spcBef>
+              <a:spcAft>
+                <a:spcPts val="0"/>
+              </a:spcAft>
+              <a:buClr>
+                <a:schemeClr val="accent1"/>
+              </a:buClr>
+              <a:buSzPct val="80000"/>
+              <a:buFont typeface="Wingdings 3" charset="2"/>
+              <a:buChar char=""/>
+              <a:defRPr sz="1600" b="0" i="0" kern="1200">
+                <a:solidFill>
+                  <a:schemeClr val="tx1"/>
+                </a:solidFill>
+                <a:latin typeface="+mj-lt"/>
+                <a:ea typeface="+mj-ea"/>
+                <a:cs typeface="+mj-cs"/>
+              </a:defRPr>
+            </a:lvl3pPr>
+            <a:lvl4pPr marL="1600200" indent="-228600" algn="l" defTabSz="457200" rtl="0" eaLnBrk="1" latinLnBrk="0" hangingPunct="1">
+              <a:spcBef>
+                <a:spcPts val="1000"/>
+              </a:spcBef>
+              <a:spcAft>
+                <a:spcPts val="0"/>
+              </a:spcAft>
+              <a:buClr>
+                <a:schemeClr val="accent1"/>
+              </a:buClr>
+              <a:buSzPct val="80000"/>
+              <a:buFont typeface="Wingdings 3" charset="2"/>
+              <a:buChar char=""/>
+              <a:defRPr sz="1400" b="0" i="0" kern="1200">
+                <a:solidFill>
+                  <a:schemeClr val="tx1"/>
+                </a:solidFill>
+                <a:latin typeface="+mj-lt"/>
+                <a:ea typeface="+mj-ea"/>
+                <a:cs typeface="+mj-cs"/>
+              </a:defRPr>
+            </a:lvl4pPr>
+            <a:lvl5pPr marL="2057400" indent="-228600" algn="l" defTabSz="457200" rtl="0" eaLnBrk="1" latinLnBrk="0" hangingPunct="1">
+              <a:spcBef>
+                <a:spcPts val="1000"/>
+              </a:spcBef>
+              <a:spcAft>
+                <a:spcPts val="0"/>
+              </a:spcAft>
+              <a:buClr>
+                <a:schemeClr val="accent1"/>
+              </a:buClr>
+              <a:buSzPct val="80000"/>
+              <a:buFont typeface="Wingdings 3" charset="2"/>
+              <a:buChar char=""/>
+              <a:defRPr sz="1400" b="0" i="0" kern="1200">
+                <a:solidFill>
+                  <a:schemeClr val="tx1"/>
+                </a:solidFill>
+                <a:latin typeface="+mj-lt"/>
+                <a:ea typeface="+mj-ea"/>
+                <a:cs typeface="+mj-cs"/>
+              </a:defRPr>
+            </a:lvl5pPr>
+            <a:lvl6pPr marL="2514600" indent="-228600" algn="l" defTabSz="457200" rtl="0" eaLnBrk="1" latinLnBrk="0" hangingPunct="1">
+              <a:spcBef>
+                <a:spcPts val="1000"/>
+              </a:spcBef>
+              <a:spcAft>
+                <a:spcPts val="0"/>
+              </a:spcAft>
+              <a:buClr>
+                <a:schemeClr val="accent1"/>
+              </a:buClr>
+              <a:buSzPct val="80000"/>
+              <a:buFont typeface="Wingdings 3" charset="2"/>
+              <a:buChar char=""/>
+              <a:defRPr sz="1400" b="0" i="0" kern="1200">
+                <a:solidFill>
+                  <a:schemeClr val="tx1"/>
+                </a:solidFill>
+                <a:latin typeface="+mj-lt"/>
+                <a:ea typeface="+mj-ea"/>
+                <a:cs typeface="+mj-cs"/>
+              </a:defRPr>
+            </a:lvl6pPr>
+            <a:lvl7pPr marL="2971800" indent="-228600" algn="l" defTabSz="457200" rtl="0" eaLnBrk="1" latinLnBrk="0" hangingPunct="1">
+              <a:spcBef>
+                <a:spcPts val="1000"/>
+              </a:spcBef>
+              <a:spcAft>
+                <a:spcPts val="0"/>
+              </a:spcAft>
+              <a:buClr>
+                <a:schemeClr val="accent1"/>
+              </a:buClr>
+              <a:buSzPct val="80000"/>
+              <a:buFont typeface="Wingdings 3" charset="2"/>
+              <a:buChar char=""/>
+              <a:defRPr sz="1400" b="0" i="0" kern="1200">
+                <a:solidFill>
+                  <a:schemeClr val="tx1"/>
+                </a:solidFill>
+                <a:latin typeface="+mj-lt"/>
+                <a:ea typeface="+mj-ea"/>
+                <a:cs typeface="+mj-cs"/>
+              </a:defRPr>
+            </a:lvl7pPr>
+            <a:lvl8pPr marL="3429000" indent="-228600" algn="l" defTabSz="457200" rtl="0" eaLnBrk="1" latinLnBrk="0" hangingPunct="1">
+              <a:spcBef>
+                <a:spcPts val="1000"/>
+              </a:spcBef>
+              <a:spcAft>
+                <a:spcPts val="0"/>
+              </a:spcAft>
+              <a:buClr>
+                <a:schemeClr val="accent1"/>
+              </a:buClr>
+              <a:buSzPct val="80000"/>
+              <a:buFont typeface="Wingdings 3" charset="2"/>
+              <a:buChar char=""/>
+              <a:defRPr sz="1400" b="0" i="0" kern="1200">
+                <a:solidFill>
+                  <a:schemeClr val="tx1"/>
+                </a:solidFill>
+                <a:latin typeface="+mj-lt"/>
+                <a:ea typeface="+mj-ea"/>
+                <a:cs typeface="+mj-cs"/>
+              </a:defRPr>
+            </a:lvl8pPr>
+            <a:lvl9pPr marL="3886200" indent="-228600" algn="l" defTabSz="457200" rtl="0" eaLnBrk="1" latinLnBrk="0" hangingPunct="1">
+              <a:spcBef>
+                <a:spcPts val="1000"/>
+              </a:spcBef>
+              <a:spcAft>
+                <a:spcPts val="0"/>
+              </a:spcAft>
+              <a:buClr>
+                <a:schemeClr val="accent1"/>
+              </a:buClr>
+              <a:buSzPct val="80000"/>
+              <a:buFont typeface="Wingdings 3" charset="2"/>
+              <a:buChar char=""/>
+              <a:defRPr sz="1400" b="0" i="0" kern="1200">
+                <a:solidFill>
+                  <a:schemeClr val="tx1"/>
+                </a:solidFill>
+                <a:latin typeface="+mj-lt"/>
+                <a:ea typeface="+mj-ea"/>
+                <a:cs typeface="+mj-cs"/>
+              </a:defRPr>
+            </a:lvl9pPr>
+          </a:lstStyle>
+          <a:p>
+            <a:r>
+              <a:rPr lang="pt-BR" b="1">
+                <a:solidFill>
+                  <a:srgbClr val="001E80"/>
+                </a:solidFill>
+                <a:latin typeface="Calibri"/>
+                <a:ea typeface="Calibri"/>
+                <a:cs typeface="Calibri"/>
+              </a:rPr>
+              <a:t>Requisitos Funcionais:</a:t>
+            </a:r>
+          </a:p>
+        </p:txBody>
+      </p:sp>
+    </p:spTree>
+    <p:extLst>
+      <p:ext uri="{BB962C8B-B14F-4D97-AF65-F5344CB8AC3E}">
+        <p14:creationId xmlns:p14="http://schemas.microsoft.com/office/powerpoint/2010/main" val="1945349411"/>
+      </p:ext>
+    </p:extLst>
+  </p:cSld>
+  <p:clrMapOvr>
+    <a:masterClrMapping/>
+  </p:clrMapOvr>
+</p:sld>
+</file>
+
+<file path=ppt/slides/slide11.xml><?xml version="1.0" encoding="utf-8"?>
+<p:sld xmlns:a="http://schemas.openxmlformats.org/drawingml/2006/main" xmlns:r="http://schemas.openxmlformats.org/officeDocument/2006/relationships" xmlns:p="http://schemas.openxmlformats.org/presentationml/2006/main">
+  <p:cSld>
+    <p:bg>
+      <p:bgPr>
+        <a:solidFill>
+          <a:schemeClr val="bg1">
+            <a:lumMod val="95000"/>
+          </a:schemeClr>
+        </a:solidFill>
+        <a:effectLst/>
+      </p:bgPr>
+    </p:bg>
+    <p:spTree>
+      <p:nvGrpSpPr>
+        <p:cNvPr id="1" name=""/>
+        <p:cNvGrpSpPr/>
+        <p:nvPr/>
+      </p:nvGrpSpPr>
+      <p:grpSpPr>
+        <a:xfrm>
+          <a:off x="0" y="0"/>
+          <a:ext cx="0" cy="0"/>
+          <a:chOff x="0" y="0"/>
+          <a:chExt cx="0" cy="0"/>
+        </a:xfrm>
+      </p:grpSpPr>
+      <p:sp>
+        <p:nvSpPr>
           <p:cNvPr id="8" name="Título 1">
             <a:extLst>
               <a:ext uri="{FF2B5EF4-FFF2-40B4-BE49-F238E27FC236}">
@@ -3780,7 +5570,7 @@
           <a:p>
             <a:pPr algn="ctr"/>
             <a:r>
-              <a:rPr lang="pt-BR" b="1" dirty="0">
+              <a:rPr lang="pt-BR" b="1">
                 <a:solidFill>
                   <a:srgbClr val="001E80"/>
                 </a:solidFill>
@@ -3809,7 +5599,7 @@
             <p:ph idx="1"/>
             <p:extLst>
               <p:ext uri="{D42A27DB-BD31-4B8C-83A1-F6EECF244321}">
-                <p14:modId xmlns:p14="http://schemas.microsoft.com/office/powerpoint/2010/main" val="1006610929"/>
+                <p14:modId xmlns:p14="http://schemas.microsoft.com/office/powerpoint/2010/main" val="2286439633"/>
               </p:ext>
             </p:extLst>
           </p:nvPr>
@@ -3855,7 +5645,7 @@
                     <a:p>
                       <a:pPr algn="ctr"/>
                       <a:r>
-                        <a:rPr lang="pt-BR" sz="1600" dirty="0"/>
+                        <a:rPr lang="pt-BR" sz="1600"/>
                         <a:t>ID</a:t>
                       </a:r>
                     </a:p>
@@ -3893,7 +5683,7 @@
                     <a:p>
                       <a:pPr algn="ctr"/>
                       <a:r>
-                        <a:rPr lang="pt-BR" sz="1600" dirty="0"/>
+                        <a:rPr lang="pt-BR" sz="1600"/>
                         <a:t>Descrição</a:t>
                       </a:r>
                     </a:p>
@@ -3931,7 +5721,7 @@
                     <a:p>
                       <a:pPr algn="ctr"/>
                       <a:r>
-                        <a:rPr lang="pt-BR" sz="1600" dirty="0"/>
+                        <a:rPr lang="pt-BR" sz="1600"/>
                         <a:t>Prioridade</a:t>
                       </a:r>
                     </a:p>
@@ -3976,7 +5766,7 @@
                     <a:p>
                       <a:pPr algn="ctr"/>
                       <a:r>
-                        <a:rPr lang="pt-BR" sz="1400" dirty="0"/>
+                        <a:rPr lang="pt-BR" sz="1400"/>
                         <a:t>RF- 11</a:t>
                       </a:r>
                     </a:p>
@@ -4013,7 +5803,7 @@
                     <a:lstStyle/>
                     <a:p>
                       <a:r>
-                        <a:rPr lang="pt-BR" sz="1400" dirty="0"/>
+                        <a:rPr lang="pt-BR" sz="1400"/>
                         <a:t>CRUD de Notas (Deve ser possível lançar, editar, visualizar e excluir notas de um Aluno)	</a:t>
                       </a:r>
                     </a:p>
@@ -4051,7 +5841,7 @@
                     <a:p>
                       <a:pPr algn="ctr"/>
                       <a:r>
-                        <a:rPr lang="pt-BR" sz="1400" dirty="0"/>
+                        <a:rPr lang="pt-BR" sz="1400"/>
                         <a:t>Alta</a:t>
                       </a:r>
                     </a:p>
@@ -4096,7 +5886,7 @@
                     <a:p>
                       <a:pPr algn="ctr"/>
                       <a:r>
-                        <a:rPr lang="pt-BR" sz="1400" dirty="0"/>
+                        <a:rPr lang="pt-BR" sz="1400"/>
                         <a:t>RF- 12</a:t>
                       </a:r>
                     </a:p>
@@ -4133,7 +5923,7 @@
                     <a:lstStyle/>
                     <a:p>
                       <a:r>
-                        <a:rPr lang="pt-BR" sz="1400" dirty="0"/>
+                        <a:rPr lang="pt-BR" sz="1400"/>
                         <a:t>Alunos devem conseguir visualizar as notas obtidas em suas disciplinas	</a:t>
                       </a:r>
                     </a:p>
@@ -4171,7 +5961,7 @@
                     <a:p>
                       <a:pPr algn="ctr"/>
                       <a:r>
-                        <a:rPr lang="pt-BR" sz="1400" dirty="0"/>
+                        <a:rPr lang="pt-BR" sz="1400"/>
                         <a:t>Baixa</a:t>
                       </a:r>
                     </a:p>
@@ -4216,7 +6006,7 @@
                     <a:p>
                       <a:pPr algn="ctr"/>
                       <a:r>
-                        <a:rPr lang="pt-BR" sz="1400" dirty="0"/>
+                        <a:rPr lang="pt-BR" sz="1400"/>
                         <a:t>RF- 13</a:t>
                       </a:r>
                     </a:p>
@@ -4253,7 +6043,7 @@
                     <a:lstStyle/>
                     <a:p>
                       <a:r>
-                        <a:rPr lang="pt-BR" sz="1400" dirty="0"/>
+                        <a:rPr lang="pt-BR" sz="1400"/>
                         <a:t>Deve ser possível visualizar o status do aluno (Aprovado/Cursando/Reprovado)	</a:t>
                       </a:r>
                     </a:p>
@@ -4291,7 +6081,7 @@
                     <a:p>
                       <a:pPr algn="ctr"/>
                       <a:r>
-                        <a:rPr lang="pt-BR" sz="1400" dirty="0"/>
+                        <a:rPr lang="pt-BR" sz="1400"/>
                         <a:t>Média</a:t>
                       </a:r>
                     </a:p>
@@ -4336,7 +6126,7 @@
                     <a:p>
                       <a:pPr algn="ctr"/>
                       <a:r>
-                        <a:rPr lang="pt-BR" sz="1400" b="0" i="0" kern="1200" dirty="0">
+                        <a:rPr lang="pt-BR" sz="1400" b="0" i="0" kern="1200">
                           <a:solidFill>
                             <a:schemeClr val="lt1"/>
                           </a:solidFill>
@@ -4347,7 +6137,7 @@
                         </a:rPr>
                         <a:t>RF- 14</a:t>
                       </a:r>
-                      <a:endParaRPr lang="pt-BR" sz="1400" dirty="0"/>
+                      <a:endParaRPr lang="pt-BR" sz="1400"/>
                     </a:p>
                   </a:txBody>
                   <a:tcPr>
@@ -4382,7 +6172,7 @@
                     <a:lstStyle/>
                     <a:p>
                       <a:r>
-                        <a:rPr lang="pt-BR" sz="1400" dirty="0"/>
+                        <a:rPr lang="pt-BR" sz="1400"/>
                         <a:t>Alunos devem poder emitir boletins com suas notas por disciplina	</a:t>
                       </a:r>
                     </a:p>
@@ -4420,7 +6210,7 @@
                     <a:p>
                       <a:pPr algn="ctr"/>
                       <a:r>
-                        <a:rPr lang="pt-BR" sz="1400" dirty="0"/>
+                        <a:rPr lang="pt-BR" sz="1400"/>
                         <a:t>Baixa</a:t>
                       </a:r>
                     </a:p>
@@ -4465,18 +6255,20 @@
                     <a:p>
                       <a:pPr algn="ctr"/>
                       <a:r>
-                        <a:rPr lang="pt-BR" sz="1400" b="0" i="0" kern="1200" dirty="0">
+                        <a:rPr lang="pt-BR" sz="1400" b="0" i="0" kern="1200">
                           <a:solidFill>
                             <a:schemeClr val="lt1"/>
                           </a:solidFill>
                           <a:effectLst/>
-                          <a:latin typeface="+mn-lt"/>
+                          <a:latin typeface="Century Schoolbook"/>
                           <a:ea typeface="+mn-ea"/>
                           <a:cs typeface="+mn-cs"/>
                         </a:rPr>
                         <a:t>RF- 15</a:t>
                       </a:r>
-                      <a:endParaRPr lang="pt-BR" sz="1400" dirty="0"/>
+                      <a:endParaRPr lang="pt-BR" sz="1400">
+                        <a:latin typeface="Century Schoolbook"/>
+                      </a:endParaRPr>
                     </a:p>
                   </a:txBody>
                   <a:tcPr>
@@ -4511,7 +6303,9 @@
                     <a:lstStyle/>
                     <a:p>
                       <a:r>
-                        <a:rPr lang="pt-BR" sz="1400" dirty="0"/>
+                        <a:rPr lang="pt-BR" sz="1400">
+                          <a:latin typeface="Century Schoolbook"/>
+                        </a:rPr>
                         <a:t>O sistema deve sinalizar quando um aluno está finalizando o curso para poder emitir o certificado	</a:t>
                       </a:r>
                     </a:p>
@@ -4549,7 +6343,9 @@
                     <a:p>
                       <a:pPr algn="ctr"/>
                       <a:r>
-                        <a:rPr lang="pt-BR" sz="1400" dirty="0"/>
+                        <a:rPr lang="pt-BR" sz="1400">
+                          <a:latin typeface="Century Schoolbook"/>
+                        </a:rPr>
                         <a:t>Baixa</a:t>
                       </a:r>
                     </a:p>
@@ -4594,16 +6390,18 @@
                     <a:p>
                       <a:pPr algn="ctr"/>
                       <a:r>
-                        <a:rPr lang="pt-BR" sz="1400" b="0" i="0" dirty="0">
+                        <a:rPr lang="pt-BR" sz="1400" b="0" i="0">
                           <a:solidFill>
                             <a:srgbClr val="E6EDF3"/>
                           </a:solidFill>
                           <a:effectLst/>
-                          <a:latin typeface="-apple-system"/>
+                          <a:latin typeface="Century Schoolbook"/>
                         </a:rPr>
                         <a:t>RF- 16</a:t>
                       </a:r>
-                      <a:endParaRPr lang="pt-BR" sz="1400" dirty="0"/>
+                      <a:endParaRPr lang="pt-BR" sz="1400">
+                        <a:latin typeface="Century Schoolbook"/>
+                      </a:endParaRPr>
                     </a:p>
                   </a:txBody>
                   <a:tcPr>
@@ -4638,7 +6436,9 @@
                     <a:lstStyle/>
                     <a:p>
                       <a:r>
-                        <a:rPr lang="pt-BR" sz="1400" dirty="0"/>
+                        <a:rPr lang="pt-BR" sz="1400">
+                          <a:latin typeface="Century Schoolbook"/>
+                        </a:rPr>
                         <a:t>Deve ser possível personalizar os perfis de usuários com diferentes níveis de acesso e permissões	</a:t>
                       </a:r>
                     </a:p>
@@ -4676,7 +6476,9 @@
                     <a:p>
                       <a:pPr algn="ctr"/>
                       <a:r>
-                        <a:rPr lang="pt-BR" sz="1400" dirty="0"/>
+                        <a:rPr lang="pt-BR" sz="1400">
+                          <a:latin typeface="Century Schoolbook"/>
+                        </a:rPr>
                         <a:t>Alta</a:t>
                       </a:r>
                     </a:p>
@@ -4766,7 +6568,7 @@
 </p:sld>
 </file>
 
-<file path=ppt/slides/slide11.xml><?xml version="1.0" encoding="utf-8"?>
+<file path=ppt/slides/slide12.xml><?xml version="1.0" encoding="utf-8"?>
 <p:sld xmlns:a="http://schemas.openxmlformats.org/drawingml/2006/main" xmlns:r="http://schemas.openxmlformats.org/officeDocument/2006/relationships" xmlns:p="http://schemas.openxmlformats.org/presentationml/2006/main">
   <p:cSld>
     <p:bg>
@@ -4821,7 +6623,7 @@
           <a:p>
             <a:pPr algn="ctr"/>
             <a:r>
-              <a:rPr lang="pt-BR" b="1" dirty="0">
+              <a:rPr lang="pt-BR" b="1">
                 <a:solidFill>
                   <a:srgbClr val="001E80"/>
                 </a:solidFill>
@@ -4896,7 +6698,7 @@
                     <a:p>
                       <a:pPr algn="ctr"/>
                       <a:r>
-                        <a:rPr lang="pt-BR" sz="1600" dirty="0"/>
+                        <a:rPr lang="pt-BR" sz="1600"/>
                         <a:t>ID</a:t>
                       </a:r>
                     </a:p>
@@ -4934,7 +6736,7 @@
                     <a:p>
                       <a:pPr algn="ctr"/>
                       <a:r>
-                        <a:rPr lang="pt-BR" sz="1600" dirty="0"/>
+                        <a:rPr lang="pt-BR" sz="1600"/>
                         <a:t>Descrição</a:t>
                       </a:r>
                     </a:p>
@@ -4972,7 +6774,7 @@
                     <a:p>
                       <a:pPr algn="ctr"/>
                       <a:r>
-                        <a:rPr lang="pt-BR" sz="1600" dirty="0"/>
+                        <a:rPr lang="pt-BR" sz="1600"/>
                         <a:t>Prioridade</a:t>
                       </a:r>
                     </a:p>
@@ -5017,7 +6819,7 @@
                     <a:p>
                       <a:pPr algn="ctr"/>
                       <a:r>
-                        <a:rPr lang="pt-BR" sz="1400" dirty="0"/>
+                        <a:rPr lang="pt-BR" sz="1400"/>
                         <a:t>RNF- 01</a:t>
                       </a:r>
                     </a:p>
@@ -5054,7 +6856,7 @@
                     <a:lstStyle/>
                     <a:p>
                       <a:r>
-                        <a:rPr lang="pt-BR" sz="1400" dirty="0"/>
+                        <a:rPr lang="pt-BR" sz="1400"/>
                         <a:t>O sistema deve garantir a segurança dos dados dos alunos e usuários	</a:t>
                       </a:r>
                     </a:p>
@@ -5092,7 +6894,7 @@
                     <a:p>
                       <a:pPr algn="ctr"/>
                       <a:r>
-                        <a:rPr lang="pt-BR" sz="1400" dirty="0"/>
+                        <a:rPr lang="pt-BR" sz="1400"/>
                         <a:t>Alta</a:t>
                       </a:r>
                     </a:p>
@@ -5137,7 +6939,7 @@
                     <a:p>
                       <a:pPr algn="ctr"/>
                       <a:r>
-                        <a:rPr lang="pt-BR" sz="1400" dirty="0"/>
+                        <a:rPr lang="pt-BR" sz="1400"/>
                         <a:t>RNF- 02</a:t>
                       </a:r>
                     </a:p>
@@ -5174,7 +6976,7 @@
                     <a:lstStyle/>
                     <a:p>
                       <a:r>
-                        <a:rPr lang="pt-BR" sz="1400" dirty="0"/>
+                        <a:rPr lang="pt-BR" sz="1400"/>
                         <a:t>A interface do usuário deve ser intuitiva e de fácil utilização	</a:t>
                       </a:r>
                     </a:p>
@@ -5212,7 +7014,7 @@
                     <a:p>
                       <a:pPr algn="ctr"/>
                       <a:r>
-                        <a:rPr lang="pt-BR" sz="1400" dirty="0"/>
+                        <a:rPr lang="pt-BR" sz="1400"/>
                         <a:t>Média</a:t>
                       </a:r>
                     </a:p>
@@ -5257,7 +7059,7 @@
                     <a:p>
                       <a:pPr algn="ctr"/>
                       <a:r>
-                        <a:rPr lang="pt-BR" sz="1400" dirty="0"/>
+                        <a:rPr lang="pt-BR" sz="1400"/>
                         <a:t>RNF- 03</a:t>
                       </a:r>
                     </a:p>
@@ -5294,7 +7096,7 @@
                     <a:lstStyle/>
                     <a:p>
                       <a:r>
-                        <a:rPr lang="pt-BR" sz="1400" dirty="0"/>
+                        <a:rPr lang="pt-BR" sz="1400"/>
                         <a:t>O sistema deve ser compatível com diferentes dispositivos e navegadores web	</a:t>
                       </a:r>
                     </a:p>
@@ -5332,7 +7134,7 @@
                     <a:p>
                       <a:pPr algn="ctr"/>
                       <a:r>
-                        <a:rPr lang="pt-BR" sz="1400" dirty="0"/>
+                        <a:rPr lang="pt-BR" sz="1400"/>
                         <a:t>Alta</a:t>
                       </a:r>
                     </a:p>
@@ -5377,7 +7179,7 @@
                     <a:p>
                       <a:pPr algn="ctr"/>
                       <a:r>
-                        <a:rPr lang="pt-BR" sz="1400" b="0" i="0" kern="1200" dirty="0">
+                        <a:rPr lang="pt-BR" sz="1400" b="0" i="0" kern="1200">
                           <a:solidFill>
                             <a:schemeClr val="lt1"/>
                           </a:solidFill>
@@ -5388,7 +7190,7 @@
                         </a:rPr>
                         <a:t>RNF- 04</a:t>
                       </a:r>
-                      <a:endParaRPr lang="pt-BR" sz="1400" dirty="0"/>
+                      <a:endParaRPr lang="pt-BR" sz="1400"/>
                     </a:p>
                   </a:txBody>
                   <a:tcPr>
@@ -5423,7 +7225,7 @@
                     <a:lstStyle/>
                     <a:p>
                       <a:r>
-                        <a:rPr lang="pt-BR" sz="1400" dirty="0"/>
+                        <a:rPr lang="pt-BR" sz="1400"/>
                         <a:t>O código deve ser bem estruturado e documentado para fácil manutenção.	</a:t>
                       </a:r>
                     </a:p>
@@ -5461,7 +7263,7 @@
                     <a:p>
                       <a:pPr algn="ctr"/>
                       <a:r>
-                        <a:rPr lang="pt-BR" sz="1400" dirty="0"/>
+                        <a:rPr lang="pt-BR" sz="1400"/>
                         <a:t>Alta</a:t>
                       </a:r>
                     </a:p>
@@ -5731,7 +7533,7 @@
           </a:lstStyle>
           <a:p>
             <a:r>
-              <a:rPr lang="pt-BR" b="1" dirty="0">
+              <a:rPr lang="pt-BR" b="1">
                 <a:solidFill>
                   <a:srgbClr val="001E80"/>
                 </a:solidFill>
@@ -5784,223 +7586,6 @@
     <p:extLst>
       <p:ext uri="{BB962C8B-B14F-4D97-AF65-F5344CB8AC3E}">
         <p14:creationId xmlns:p14="http://schemas.microsoft.com/office/powerpoint/2010/main" val="1055216730"/>
-      </p:ext>
-    </p:extLst>
-  </p:cSld>
-  <p:clrMapOvr>
-    <a:masterClrMapping/>
-  </p:clrMapOvr>
-</p:sld>
-</file>
-
-<file path=ppt/slides/slide12.xml><?xml version="1.0" encoding="utf-8"?>
-<p:sld xmlns:a="http://schemas.openxmlformats.org/drawingml/2006/main" xmlns:r="http://schemas.openxmlformats.org/officeDocument/2006/relationships" xmlns:p="http://schemas.openxmlformats.org/presentationml/2006/main">
-  <p:cSld>
-    <p:bg>
-      <p:bgPr>
-        <a:solidFill>
-          <a:schemeClr val="bg1">
-            <a:lumMod val="95000"/>
-          </a:schemeClr>
-        </a:solidFill>
-        <a:effectLst/>
-      </p:bgPr>
-    </p:bg>
-    <p:spTree>
-      <p:nvGrpSpPr>
-        <p:cNvPr id="1" name=""/>
-        <p:cNvGrpSpPr/>
-        <p:nvPr/>
-      </p:nvGrpSpPr>
-      <p:grpSpPr>
-        <a:xfrm>
-          <a:off x="0" y="0"/>
-          <a:ext cx="0" cy="0"/>
-          <a:chOff x="0" y="0"/>
-          <a:chExt cx="0" cy="0"/>
-        </a:xfrm>
-      </p:grpSpPr>
-      <p:sp>
-        <p:nvSpPr>
-          <p:cNvPr id="2" name="Título 1">
-            <a:extLst>
-              <a:ext uri="{FF2B5EF4-FFF2-40B4-BE49-F238E27FC236}">
-                <a16:creationId xmlns:a16="http://schemas.microsoft.com/office/drawing/2014/main" id="{A986CB3F-F52B-49C5-9C65-01D9CEAF5402}"/>
-              </a:ext>
-            </a:extLst>
-          </p:cNvPr>
-          <p:cNvSpPr>
-            <a:spLocks noGrp="1"/>
-          </p:cNvSpPr>
-          <p:nvPr>
-            <p:ph type="title"/>
-          </p:nvPr>
-        </p:nvSpPr>
-        <p:spPr>
-          <a:xfrm>
-            <a:off x="822138" y="2516630"/>
-            <a:ext cx="9404723" cy="1400530"/>
-          </a:xfrm>
-        </p:spPr>
-        <p:txBody>
-          <a:bodyPr/>
-          <a:lstStyle/>
-          <a:p>
-            <a:pPr algn="ctr"/>
-            <a:r>
-              <a:rPr lang="pt-BR" b="1" dirty="0">
-                <a:solidFill>
-                  <a:srgbClr val="001E80"/>
-                </a:solidFill>
-                <a:latin typeface="Calibri"/>
-                <a:ea typeface="Calibri"/>
-                <a:cs typeface="Calibri"/>
-              </a:rPr>
-              <a:t>Solução Implementada </a:t>
-            </a:r>
-            <a:br>
-              <a:rPr lang="pt-BR" b="1" dirty="0">
-                <a:solidFill>
-                  <a:srgbClr val="001E80"/>
-                </a:solidFill>
-                <a:latin typeface="Calibri"/>
-                <a:ea typeface="Calibri"/>
-                <a:cs typeface="Calibri"/>
-              </a:rPr>
-            </a:br>
-            <a:r>
-              <a:rPr lang="pt-BR" b="1" dirty="0">
-                <a:solidFill>
-                  <a:srgbClr val="001E80"/>
-                </a:solidFill>
-                <a:latin typeface="Calibri"/>
-                <a:ea typeface="Calibri"/>
-                <a:cs typeface="Calibri"/>
-              </a:rPr>
-              <a:t>(Funcionalidades do Software - SGA)</a:t>
-            </a:r>
-          </a:p>
-        </p:txBody>
-      </p:sp>
-      <p:sp>
-        <p:nvSpPr>
-          <p:cNvPr id="3" name="CaixaDeTexto 2">
-            <a:extLst>
-              <a:ext uri="{FF2B5EF4-FFF2-40B4-BE49-F238E27FC236}">
-                <a16:creationId xmlns:a16="http://schemas.microsoft.com/office/drawing/2014/main" id="{D7C3D8DC-3B82-6423-4922-ABEB228A780B}"/>
-              </a:ext>
-            </a:extLst>
-          </p:cNvPr>
-          <p:cNvSpPr txBox="1"/>
-          <p:nvPr/>
-        </p:nvSpPr>
-        <p:spPr>
-          <a:xfrm>
-            <a:off x="1056705" y="4094121"/>
-            <a:ext cx="8930704" cy="369332"/>
-          </a:xfrm>
-          <a:prstGeom prst="rect">
-            <a:avLst/>
-          </a:prstGeom>
-          <a:noFill/>
-        </p:spPr>
-        <p:txBody>
-          <a:bodyPr rot="0" spcFirstLastPara="0" vertOverflow="overflow" horzOverflow="overflow" vert="horz" wrap="square" lIns="91440" tIns="45720" rIns="91440" bIns="45720" numCol="1" spcCol="0" rtlCol="0" fromWordArt="0" anchor="t" anchorCtr="0" forceAA="0" compatLnSpc="1">
-            <a:prstTxWarp prst="textNoShape">
-              <a:avLst/>
-            </a:prstTxWarp>
-            <a:spAutoFit/>
-          </a:bodyPr>
-          <a:lstStyle/>
-          <a:p>
-            <a:pPr algn="ctr"/>
-            <a:r>
-              <a:rPr lang="pt-BR">
-                <a:solidFill>
-                  <a:srgbClr val="001E80"/>
-                </a:solidFill>
-                <a:latin typeface="Calibri"/>
-                <a:ea typeface="Calibri"/>
-                <a:cs typeface="Calibri"/>
-              </a:rPr>
-              <a:t>Disponível em : </a:t>
-            </a:r>
-            <a:r>
-              <a:rPr lang="pt-BR" dirty="0">
-                <a:solidFill>
-                  <a:srgbClr val="001E80"/>
-                </a:solidFill>
-                <a:latin typeface="Calibri"/>
-                <a:ea typeface="Calibri"/>
-                <a:cs typeface="Calibri"/>
-                <a:hlinkClick r:id="rId2">
-                  <a:extLst>
-                    <a:ext uri="{A12FA001-AC4F-418D-AE19-62706E023703}">
-                      <ahyp:hlinkClr xmlns:ahyp="http://schemas.microsoft.com/office/drawing/2018/hyperlinkcolor" val="tx"/>
-                    </a:ext>
-                  </a:extLst>
-                </a:hlinkClick>
-              </a:rPr>
-              <a:t>Sistema de Gerenciamento Acadêmico (infinitespheremd.me)</a:t>
-            </a:r>
-            <a:endParaRPr lang="pt-BR">
-              <a:solidFill>
-                <a:srgbClr val="001E80"/>
-              </a:solidFill>
-              <a:latin typeface="Calibri"/>
-              <a:ea typeface="Calibri"/>
-              <a:cs typeface="Calibri"/>
-              <a:hlinkClick r:id="rId2">
-                <a:extLst>
-                  <a:ext uri="{A12FA001-AC4F-418D-AE19-62706E023703}">
-                    <ahyp:hlinkClr xmlns:ahyp="http://schemas.microsoft.com/office/drawing/2018/hyperlinkcolor" val="tx"/>
-                  </a:ext>
-                </a:extLst>
-              </a:hlinkClick>
-            </a:endParaRPr>
-          </a:p>
-        </p:txBody>
-      </p:sp>
-      <p:pic>
-        <p:nvPicPr>
-          <p:cNvPr id="5" name="Gráfico 4">
-            <a:extLst>
-              <a:ext uri="{FF2B5EF4-FFF2-40B4-BE49-F238E27FC236}">
-                <a16:creationId xmlns:a16="http://schemas.microsoft.com/office/drawing/2014/main" id="{B38EE5B5-2FA7-43D3-458A-9E4A87F74F50}"/>
-              </a:ext>
-            </a:extLst>
-          </p:cNvPr>
-          <p:cNvPicPr>
-            <a:picLocks noChangeAspect="1"/>
-          </p:cNvPicPr>
-          <p:nvPr/>
-        </p:nvPicPr>
-        <p:blipFill>
-          <a:blip r:embed="rId3">
-            <a:extLst>
-              <a:ext uri="{96DAC541-7B7A-43D3-8B79-37D633B846F1}">
-                <asvg:svgBlip xmlns:asvg="http://schemas.microsoft.com/office/drawing/2016/SVG/main" r:embed="rId4"/>
-              </a:ext>
-            </a:extLst>
-          </a:blip>
-          <a:stretch>
-            <a:fillRect/>
-          </a:stretch>
-        </p:blipFill>
-        <p:spPr>
-          <a:xfrm>
-            <a:off x="275003" y="6056475"/>
-            <a:ext cx="885256" cy="701839"/>
-          </a:xfrm>
-          <a:prstGeom prst="rect">
-            <a:avLst/>
-          </a:prstGeom>
-        </p:spPr>
-      </p:pic>
-    </p:spTree>
-    <p:extLst>
-      <p:ext uri="{BB962C8B-B14F-4D97-AF65-F5344CB8AC3E}">
-        <p14:creationId xmlns:p14="http://schemas.microsoft.com/office/powerpoint/2010/main" val="1509872387"/>
       </p:ext>
     </p:extLst>
   </p:cSld>
@@ -6055,8 +7640,8 @@
         </p:nvSpPr>
         <p:spPr>
           <a:xfrm>
-            <a:off x="1160804" y="639585"/>
-            <a:ext cx="9404723" cy="966614"/>
+            <a:off x="822138" y="2516630"/>
+            <a:ext cx="9404723" cy="1400530"/>
           </a:xfrm>
         </p:spPr>
         <p:txBody>
@@ -6065,7 +7650,7 @@
           <a:p>
             <a:pPr algn="ctr"/>
             <a:r>
-              <a:rPr lang="pt-BR" b="1" dirty="0">
+              <a:rPr lang="pt-BR" b="1">
                 <a:solidFill>
                   <a:srgbClr val="001E80"/>
                 </a:solidFill>
@@ -6073,289 +7658,93 @@
                 <a:ea typeface="Calibri"/>
                 <a:cs typeface="Calibri"/>
               </a:rPr>
-              <a:t>Conclusão da Elaboração do Projeto</a:t>
+              <a:t>Solução Implementada </a:t>
+            </a:r>
+            <a:br>
+              <a:rPr lang="pt-BR" b="1">
+                <a:solidFill>
+                  <a:srgbClr val="001E80"/>
+                </a:solidFill>
+                <a:latin typeface="Calibri"/>
+                <a:ea typeface="Calibri"/>
+                <a:cs typeface="Calibri"/>
+              </a:rPr>
+            </a:br>
+            <a:r>
+              <a:rPr lang="pt-BR" b="1">
+                <a:solidFill>
+                  <a:srgbClr val="001E80"/>
+                </a:solidFill>
+                <a:latin typeface="Calibri"/>
+                <a:ea typeface="Calibri"/>
+                <a:cs typeface="Calibri"/>
+              </a:rPr>
+              <a:t>(Funcionalidades do Software - SGA)</a:t>
             </a:r>
           </a:p>
         </p:txBody>
       </p:sp>
       <p:sp>
         <p:nvSpPr>
-          <p:cNvPr id="3" name="Espaço Reservado para Conteúdo 2">
+          <p:cNvPr id="3" name="CaixaDeTexto 2">
             <a:extLst>
               <a:ext uri="{FF2B5EF4-FFF2-40B4-BE49-F238E27FC236}">
-                <a16:creationId xmlns:a16="http://schemas.microsoft.com/office/drawing/2014/main" id="{37CD079F-EA5F-4915-8F55-18BED0F0BF30}"/>
+                <a16:creationId xmlns:a16="http://schemas.microsoft.com/office/drawing/2014/main" id="{D7C3D8DC-3B82-6423-4922-ABEB228A780B}"/>
               </a:ext>
             </a:extLst>
           </p:cNvPr>
-          <p:cNvSpPr>
-            <a:spLocks noGrp="1"/>
-          </p:cNvSpPr>
-          <p:nvPr>
-            <p:ph idx="1"/>
-          </p:nvPr>
+          <p:cNvSpPr txBox="1"/>
+          <p:nvPr/>
         </p:nvSpPr>
         <p:spPr>
           <a:xfrm>
-            <a:off x="1389081" y="2208412"/>
-            <a:ext cx="8946541" cy="3380565"/>
+            <a:off x="1056705" y="4094121"/>
+            <a:ext cx="8930704" cy="369332"/>
           </a:xfrm>
+          <a:prstGeom prst="rect">
+            <a:avLst/>
+          </a:prstGeom>
+          <a:noFill/>
         </p:spPr>
         <p:txBody>
-          <a:bodyPr vert="horz" lIns="91440" tIns="45720" rIns="91440" bIns="45720" rtlCol="0" anchor="t">
-            <a:noAutofit/>
+          <a:bodyPr rot="0" spcFirstLastPara="0" vertOverflow="overflow" horzOverflow="overflow" vert="horz" wrap="square" lIns="91440" tIns="45720" rIns="91440" bIns="45720" numCol="1" spcCol="0" rtlCol="0" fromWordArt="0" anchor="t" anchorCtr="0" forceAA="0" compatLnSpc="1">
+            <a:prstTxWarp prst="textNoShape">
+              <a:avLst/>
+            </a:prstTxWarp>
+            <a:spAutoFit/>
           </a:bodyPr>
           <a:lstStyle/>
           <a:p>
-            <a:pPr algn="just"/>
-            <a:r>
-              <a:rPr lang="pt-BR" dirty="0">
+            <a:pPr algn="ctr"/>
+            <a:r>
+              <a:rPr lang="pt-BR">
                 <a:solidFill>
                   <a:srgbClr val="001E80"/>
                 </a:solidFill>
                 <a:latin typeface="Calibri"/>
-                <a:ea typeface="+mn-lt"/>
-                <a:cs typeface="+mn-lt"/>
+                <a:ea typeface="Calibri"/>
+                <a:cs typeface="Calibri"/>
               </a:rPr>
-              <a:t>Pontos positivos: </a:t>
-            </a:r>
-            <a:endParaRPr lang="pt-BR"/>
-          </a:p>
-          <a:p>
-            <a:pPr lvl="1" algn="just">
-              <a:buFont typeface="Courier New" pitchFamily="34" charset="0"/>
-              <a:buChar char="o"/>
-            </a:pPr>
-            <a:r>
-              <a:rPr lang="pt-BR" spc="10" dirty="0">
+              <a:t>Disponível em : </a:t>
+            </a:r>
+            <a:r>
+              <a:rPr lang="pt-BR">
                 <a:solidFill>
                   <a:srgbClr val="001E80"/>
                 </a:solidFill>
                 <a:latin typeface="Calibri"/>
-                <a:ea typeface="+mn-lt"/>
-                <a:cs typeface="+mn-lt"/>
+                <a:ea typeface="Calibri"/>
+                <a:cs typeface="Calibri"/>
+                <a:hlinkClick r:id="rId2">
+                  <a:extLst>
+                    <a:ext uri="{A12FA001-AC4F-418D-AE19-62706E023703}">
+                      <ahyp:hlinkClr xmlns:ahyp="http://schemas.microsoft.com/office/drawing/2018/hyperlinkcolor" val="tx"/>
+                    </a:ext>
+                  </a:extLst>
+                </a:hlinkClick>
               </a:rPr>
-              <a:t>Desenvolvemos um projeto do zero.</a:t>
-            </a:r>
-            <a:endParaRPr lang="pt-BR" spc="10" dirty="0">
-              <a:solidFill>
-                <a:srgbClr val="001E80"/>
-              </a:solidFill>
-              <a:latin typeface="Calibri"/>
-            </a:endParaRPr>
-          </a:p>
-          <a:p>
-            <a:pPr lvl="1" algn="just">
-              <a:buFont typeface="Courier New" pitchFamily="34" charset="0"/>
-              <a:buChar char="o"/>
-            </a:pPr>
-            <a:r>
-              <a:rPr lang="pt-BR" spc="10" dirty="0">
-                <a:solidFill>
-                  <a:srgbClr val="001E80"/>
-                </a:solidFill>
-                <a:latin typeface="Calibri"/>
-                <a:ea typeface="+mn-lt"/>
-                <a:cs typeface="+mn-lt"/>
-              </a:rPr>
-              <a:t>Implementação em grupo (cooperação).</a:t>
-            </a:r>
-            <a:endParaRPr lang="pt-BR" dirty="0">
-              <a:solidFill>
-                <a:srgbClr val="001E80"/>
-              </a:solidFill>
-              <a:latin typeface="Calibri"/>
-              <a:ea typeface="+mn-lt"/>
-              <a:cs typeface="+mn-lt"/>
-            </a:endParaRPr>
-          </a:p>
-          <a:p>
-            <a:pPr algn="just"/>
-            <a:r>
-              <a:rPr lang="pt-BR" dirty="0">
-                <a:solidFill>
-                  <a:srgbClr val="001E80"/>
-                </a:solidFill>
-                <a:latin typeface="Calibri"/>
-                <a:ea typeface="+mn-lt"/>
-                <a:cs typeface="+mn-lt"/>
-              </a:rPr>
-              <a:t>Desafios: </a:t>
-            </a:r>
-            <a:endParaRPr lang="pt-BR" dirty="0">
-              <a:solidFill>
-                <a:srgbClr val="000000"/>
-              </a:solidFill>
-              <a:latin typeface="Calibri"/>
-              <a:ea typeface="+mn-lt"/>
-              <a:cs typeface="+mn-lt"/>
-            </a:endParaRPr>
-          </a:p>
-          <a:p>
-            <a:pPr lvl="1" algn="just">
-              <a:buFont typeface="Courier New" pitchFamily="34" charset="0"/>
-              <a:buChar char="o"/>
-            </a:pPr>
-            <a:r>
-              <a:rPr lang="pt-BR" spc="10" dirty="0">
-                <a:solidFill>
-                  <a:srgbClr val="001E80"/>
-                </a:solidFill>
-                <a:latin typeface="Calibri"/>
-                <a:ea typeface="+mn-lt"/>
-                <a:cs typeface="+mn-lt"/>
-              </a:rPr>
-              <a:t>Não temos muito conhecimento técnico.</a:t>
-            </a:r>
-          </a:p>
-          <a:p>
-            <a:pPr lvl="1" algn="just">
-              <a:buFont typeface="Courier New" pitchFamily="34" charset="0"/>
-              <a:buChar char="o"/>
-            </a:pPr>
-            <a:r>
-              <a:rPr lang="pt-BR" spc="10" dirty="0">
-                <a:solidFill>
-                  <a:srgbClr val="001E80"/>
-                </a:solidFill>
-                <a:latin typeface="Calibri"/>
-                <a:ea typeface="+mn-lt"/>
-                <a:cs typeface="+mn-lt"/>
-              </a:rPr>
-              <a:t>Dependência entre funcionalidades</a:t>
-            </a:r>
-            <a:endParaRPr lang="pt-BR" dirty="0">
-              <a:solidFill>
-                <a:srgbClr val="001E80"/>
-              </a:solidFill>
-              <a:latin typeface="Calibri"/>
-              <a:ea typeface="+mn-lt"/>
-              <a:cs typeface="+mn-lt"/>
-            </a:endParaRPr>
-          </a:p>
-          <a:p>
-            <a:pPr algn="just"/>
-            <a:r>
-              <a:rPr lang="pt-BR" dirty="0">
-                <a:solidFill>
-                  <a:srgbClr val="001E80"/>
-                </a:solidFill>
-                <a:latin typeface="Calibri"/>
-                <a:ea typeface="+mn-lt"/>
-                <a:cs typeface="+mn-lt"/>
-              </a:rPr>
-              <a:t>Aprendizados: </a:t>
-            </a:r>
-            <a:endParaRPr lang="pt-BR" dirty="0">
-              <a:solidFill>
-                <a:srgbClr val="000000"/>
-              </a:solidFill>
-              <a:latin typeface="Calibri"/>
-              <a:ea typeface="+mn-lt"/>
-              <a:cs typeface="+mn-lt"/>
-            </a:endParaRPr>
-          </a:p>
-          <a:p>
-            <a:pPr lvl="1" algn="just">
-              <a:buFont typeface="Courier New" pitchFamily="34" charset="0"/>
-              <a:buChar char="o"/>
-            </a:pPr>
-            <a:r>
-              <a:rPr lang="pt-BR" spc="10" dirty="0">
-                <a:solidFill>
-                  <a:srgbClr val="001E80"/>
-                </a:solidFill>
-                <a:latin typeface="Calibri"/>
-                <a:ea typeface="+mn-lt"/>
-                <a:cs typeface="+mn-lt"/>
-              </a:rPr>
-              <a:t>Aprendemos o fluxo de desenvolvimento</a:t>
-            </a:r>
-            <a:endParaRPr lang="pt-BR" spc="10" dirty="0">
-              <a:solidFill>
-                <a:srgbClr val="000000"/>
-              </a:solidFill>
-              <a:latin typeface="Calibri"/>
-              <a:ea typeface="+mn-lt"/>
-              <a:cs typeface="+mn-lt"/>
-            </a:endParaRPr>
-          </a:p>
-          <a:p>
-            <a:pPr lvl="1" algn="just">
-              <a:buFont typeface="Courier New" pitchFamily="34" charset="0"/>
-              <a:buChar char="o"/>
-            </a:pPr>
-            <a:r>
-              <a:rPr lang="pt-BR" spc="10" dirty="0">
-                <a:solidFill>
-                  <a:srgbClr val="001E80"/>
-                </a:solidFill>
-                <a:latin typeface="Calibri"/>
-                <a:ea typeface="+mn-lt"/>
-                <a:cs typeface="+mn-lt"/>
-              </a:rPr>
-              <a:t>Aprendemos a lidar com o </a:t>
-            </a:r>
-            <a:r>
-              <a:rPr lang="pt-BR" spc="10" dirty="0" err="1">
-                <a:solidFill>
-                  <a:srgbClr val="001E80"/>
-                </a:solidFill>
-                <a:latin typeface="Calibri"/>
-                <a:ea typeface="+mn-lt"/>
-                <a:cs typeface="+mn-lt"/>
-              </a:rPr>
-              <a:t>Git</a:t>
-            </a:r>
-            <a:r>
-              <a:rPr lang="pt-BR" spc="10" dirty="0">
-                <a:solidFill>
-                  <a:srgbClr val="001E80"/>
-                </a:solidFill>
-                <a:latin typeface="Calibri"/>
-                <a:ea typeface="+mn-lt"/>
-                <a:cs typeface="+mn-lt"/>
-              </a:rPr>
-              <a:t> por meio do GitHub</a:t>
-            </a:r>
-            <a:endParaRPr lang="pt-BR" spc="10" dirty="0">
-              <a:solidFill>
-                <a:srgbClr val="000000"/>
-              </a:solidFill>
-              <a:latin typeface="Calibri"/>
-              <a:ea typeface="+mn-lt"/>
-              <a:cs typeface="+mn-lt"/>
-            </a:endParaRPr>
-          </a:p>
-          <a:p>
-            <a:pPr lvl="1" algn="just">
-              <a:buFont typeface="Courier New" pitchFamily="34" charset="0"/>
-              <a:buChar char="o"/>
-            </a:pPr>
-            <a:r>
-              <a:rPr lang="pt-BR" spc="10" dirty="0">
-                <a:solidFill>
-                  <a:srgbClr val="001E80"/>
-                </a:solidFill>
-                <a:latin typeface="Calibri"/>
-                <a:ea typeface="+mn-lt"/>
-                <a:cs typeface="+mn-lt"/>
-              </a:rPr>
-              <a:t>Acompanhamos todo ciclo de vida de nascimento de um software desde a concepção inicial até a hospedagem de um projeto.</a:t>
-            </a:r>
-          </a:p>
-          <a:p>
-            <a:pPr lvl="1" algn="just">
-              <a:buFont typeface="Courier New" pitchFamily="34" charset="0"/>
-              <a:buChar char="o"/>
-            </a:pPr>
-            <a:endParaRPr lang="pt-BR" spc="10" dirty="0">
-              <a:solidFill>
-                <a:srgbClr val="001E80"/>
-              </a:solidFill>
-              <a:latin typeface="Calibri"/>
-              <a:ea typeface="+mn-lt"/>
-              <a:cs typeface="+mn-lt"/>
-            </a:endParaRPr>
+              <a:t>Sistema de Gerenciamento Acadêmico (infinitespheremd.me)</a:t>
+            </a:r>
           </a:p>
         </p:txBody>
       </p:sp>
@@ -6364,7 +7753,7 @@
           <p:cNvPr id="5" name="Gráfico 4">
             <a:extLst>
               <a:ext uri="{FF2B5EF4-FFF2-40B4-BE49-F238E27FC236}">
-                <a16:creationId xmlns:a16="http://schemas.microsoft.com/office/drawing/2014/main" id="{9BBE075B-B5B5-B562-CB7E-E0D59524E74E}"/>
+                <a16:creationId xmlns:a16="http://schemas.microsoft.com/office/drawing/2014/main" id="{B38EE5B5-2FA7-43D3-458A-9E4A87F74F50}"/>
               </a:ext>
             </a:extLst>
           </p:cNvPr>
@@ -6374,10 +7763,10 @@
           <p:nvPr/>
         </p:nvPicPr>
         <p:blipFill>
-          <a:blip r:embed="rId2">
+          <a:blip r:embed="rId3">
             <a:extLst>
               <a:ext uri="{96DAC541-7B7A-43D3-8B79-37D633B846F1}">
-                <asvg:svgBlip xmlns:asvg="http://schemas.microsoft.com/office/drawing/2016/SVG/main" r:embed="rId3"/>
+                <asvg:svgBlip xmlns:asvg="http://schemas.microsoft.com/office/drawing/2016/SVG/main" r:embed="rId4"/>
               </a:ext>
             </a:extLst>
           </a:blip>
@@ -6398,7 +7787,7 @@
     </p:spTree>
     <p:extLst>
       <p:ext uri="{BB962C8B-B14F-4D97-AF65-F5344CB8AC3E}">
-        <p14:creationId xmlns:p14="http://schemas.microsoft.com/office/powerpoint/2010/main" val="2886257198"/>
+        <p14:creationId xmlns:p14="http://schemas.microsoft.com/office/powerpoint/2010/main" val="1509872387"/>
       </p:ext>
     </p:extLst>
   </p:cSld>
@@ -6453,8 +7842,8 @@
         </p:nvSpPr>
         <p:spPr>
           <a:xfrm>
-            <a:off x="875054" y="545851"/>
-            <a:ext cx="9404723" cy="1400530"/>
+            <a:off x="1160804" y="639585"/>
+            <a:ext cx="9404723" cy="966614"/>
           </a:xfrm>
         </p:spPr>
         <p:txBody>
@@ -6463,7 +7852,7 @@
           <a:p>
             <a:pPr algn="ctr"/>
             <a:r>
-              <a:rPr lang="pt-BR" b="1" dirty="0">
+              <a:rPr lang="pt-BR" b="1">
                 <a:solidFill>
                   <a:srgbClr val="001E80"/>
                 </a:solidFill>
@@ -6471,26 +7860,8 @@
                 <a:ea typeface="Calibri"/>
                 <a:cs typeface="Calibri"/>
               </a:rPr>
-              <a:t>Referências Bibliográficas</a:t>
-            </a:r>
-            <a:br>
-              <a:rPr lang="pt-BR" b="1" dirty="0">
-                <a:solidFill>
-                  <a:srgbClr val="001E80"/>
-                </a:solidFill>
-                <a:latin typeface="Calibri"/>
-                <a:ea typeface="Calibri"/>
-                <a:cs typeface="Calibri"/>
-              </a:rPr>
-            </a:br>
-            <a:endParaRPr lang="pt-BR" b="1" dirty="0">
-              <a:solidFill>
-                <a:srgbClr val="001E80"/>
-              </a:solidFill>
-              <a:latin typeface="Calibri"/>
-              <a:ea typeface="Calibri"/>
-              <a:cs typeface="Calibri"/>
-            </a:endParaRPr>
+              <a:t>Conclusão da Elaboração do Projeto</a:t>
+            </a:r>
           </a:p>
         </p:txBody>
       </p:sp>
@@ -6512,8 +7883,8 @@
         </p:nvSpPr>
         <p:spPr>
           <a:xfrm>
-            <a:off x="1315812" y="1714252"/>
-            <a:ext cx="8946541" cy="4195481"/>
+            <a:off x="1389081" y="2208412"/>
+            <a:ext cx="8946541" cy="3380565"/>
           </a:xfrm>
         </p:spPr>
         <p:txBody>
@@ -6522,204 +7893,255 @@
           </a:bodyPr>
           <a:lstStyle/>
           <a:p>
-            <a:r>
-              <a:rPr lang="pt-BR" sz="1800" dirty="0">
+            <a:pPr algn="just"/>
+            <a:r>
+              <a:rPr lang="pt-BR">
                 <a:solidFill>
                   <a:srgbClr val="001E80"/>
                 </a:solidFill>
                 <a:latin typeface="Calibri"/>
-                <a:ea typeface="Calibri"/>
-                <a:cs typeface="Calibri"/>
+                <a:ea typeface="+mn-lt"/>
+                <a:cs typeface="+mn-lt"/>
               </a:rPr>
-              <a:t>FERREIRA, Felipe. Prodesc.com, 2024. Gestão escolar: o que é, quais seus pilares e seus desafios. Disponível em: &lt; </a:t>
-            </a:r>
-            <a:r>
-              <a:rPr lang="pt-BR" sz="1800" u="sng" dirty="0">
+              <a:t>Pontos positivos: </a:t>
+            </a:r>
+            <a:endParaRPr lang="pt-BR"/>
+          </a:p>
+          <a:p>
+            <a:pPr lvl="1" algn="just">
+              <a:buFont typeface="Courier New" pitchFamily="34" charset="0"/>
+              <a:buChar char="o"/>
+            </a:pPr>
+            <a:r>
+              <a:rPr lang="pt-BR" spc="10">
                 <a:solidFill>
                   <a:srgbClr val="001E80"/>
                 </a:solidFill>
                 <a:latin typeface="Calibri"/>
-                <a:ea typeface="Calibri"/>
-                <a:cs typeface="Calibri"/>
-                <a:hlinkClick r:id="rId2">
-                  <a:extLst>
-                    <a:ext uri="{A12FA001-AC4F-418D-AE19-62706E023703}">
-                      <ahyp:hlinkClr xmlns:ahyp="http://schemas.microsoft.com/office/drawing/2018/hyperlinkcolor" val="tx"/>
-                    </a:ext>
-                  </a:extLst>
-                </a:hlinkClick>
+                <a:ea typeface="+mn-lt"/>
+                <a:cs typeface="+mn-lt"/>
               </a:rPr>
-              <a:t>https://www.proesc.com/blog/gestao-escolar/</a:t>
-            </a:r>
-            <a:r>
-              <a:rPr lang="pt-BR" sz="1800" b="0" i="0" dirty="0">
-                <a:solidFill>
-                  <a:srgbClr val="001E80"/>
-                </a:solidFill>
-                <a:effectLst/>
-                <a:latin typeface="Calibri"/>
-                <a:ea typeface="Calibri"/>
-                <a:cs typeface="Calibri"/>
-              </a:rPr>
-              <a:t>&gt;.</a:t>
-            </a:r>
-            <a:r>
-              <a:rPr lang="pt-BR" sz="1800" dirty="0">
-                <a:solidFill>
-                  <a:srgbClr val="001E80"/>
-                </a:solidFill>
-                <a:latin typeface="Calibri"/>
-                <a:ea typeface="Calibri"/>
-                <a:cs typeface="Calibri"/>
-              </a:rPr>
-              <a:t>Acesso em: 27/02/2024</a:t>
-            </a:r>
-          </a:p>
-          <a:p>
-            <a:endParaRPr lang="pt-BR" sz="1800" dirty="0">
+              <a:t>Desenvolvemos um projeto do zero.</a:t>
+            </a:r>
+            <a:endParaRPr lang="pt-BR" spc="10">
               <a:solidFill>
                 <a:srgbClr val="001E80"/>
               </a:solidFill>
               <a:latin typeface="Calibri"/>
-              <a:ea typeface="Calibri"/>
-              <a:cs typeface="Calibri"/>
             </a:endParaRPr>
           </a:p>
           <a:p>
-            <a:r>
-              <a:rPr lang="pt-BR" sz="1800" dirty="0">
+            <a:pPr lvl="1" algn="just">
+              <a:buFont typeface="Courier New" pitchFamily="34" charset="0"/>
+              <a:buChar char="o"/>
+            </a:pPr>
+            <a:r>
+              <a:rPr lang="pt-BR" spc="10">
                 <a:solidFill>
                   <a:srgbClr val="001E80"/>
                 </a:solidFill>
                 <a:latin typeface="Calibri"/>
-                <a:ea typeface="Calibri"/>
-                <a:cs typeface="Calibri"/>
+                <a:ea typeface="+mn-lt"/>
+                <a:cs typeface="+mn-lt"/>
               </a:rPr>
-              <a:t>SILVA, </a:t>
-            </a:r>
-            <a:r>
-              <a:rPr lang="pt-BR" sz="1800" err="1">
-                <a:solidFill>
-                  <a:srgbClr val="001E80"/>
-                </a:solidFill>
-                <a:latin typeface="Calibri"/>
-                <a:ea typeface="Calibri"/>
-                <a:cs typeface="Calibri"/>
-              </a:rPr>
-              <a:t>Joab</a:t>
-            </a:r>
-            <a:r>
-              <a:rPr lang="pt-BR" sz="1800" dirty="0">
-                <a:solidFill>
-                  <a:srgbClr val="001E80"/>
-                </a:solidFill>
-                <a:latin typeface="Calibri"/>
-                <a:ea typeface="Calibri"/>
-                <a:cs typeface="Calibri"/>
-              </a:rPr>
-              <a:t>. </a:t>
-            </a:r>
-            <a:r>
-              <a:rPr lang="pt-BR" sz="1800" err="1">
-                <a:solidFill>
-                  <a:srgbClr val="001E80"/>
-                </a:solidFill>
-                <a:latin typeface="Calibri"/>
-                <a:ea typeface="Calibri"/>
-                <a:cs typeface="Calibri"/>
-              </a:rPr>
-              <a:t>Linkedin</a:t>
-            </a:r>
-            <a:r>
-              <a:rPr lang="pt-BR" sz="1800" dirty="0">
-                <a:solidFill>
-                  <a:srgbClr val="001E80"/>
-                </a:solidFill>
-                <a:latin typeface="Calibri"/>
-                <a:ea typeface="Calibri"/>
-                <a:cs typeface="Calibri"/>
-              </a:rPr>
-              <a:t>, 2023. O desafio do Desemprego na Profissão de Professor: Impactos e Perspectivas. Disponível em: &lt;</a:t>
-            </a:r>
-            <a:r>
-              <a:rPr lang="pt-BR" sz="1800" b="0" i="0" u="sng" dirty="0">
-                <a:solidFill>
-                  <a:srgbClr val="001E80"/>
-                </a:solidFill>
-                <a:effectLst/>
-                <a:latin typeface="Calibri"/>
-                <a:ea typeface="Calibri"/>
-                <a:cs typeface="Calibri"/>
-                <a:hlinkClick r:id="rId3">
-                  <a:extLst>
-                    <a:ext uri="{A12FA001-AC4F-418D-AE19-62706E023703}">
-                      <ahyp:hlinkClr xmlns:ahyp="http://schemas.microsoft.com/office/drawing/2018/hyperlinkcolor" val="tx"/>
-                    </a:ext>
-                  </a:extLst>
-                </a:hlinkClick>
-              </a:rPr>
-              <a:t>https://pt.linkedin.com/pulse/o-desafio-do-desemprego-na-profiss%C3%A3o-de-professor-e-santos-da-silva?trk=</a:t>
-            </a:r>
-            <a:r>
-              <a:rPr lang="pt-BR" sz="1800" b="0" i="0" u="sng" dirty="0" err="1">
-                <a:solidFill>
-                  <a:srgbClr val="001E80"/>
-                </a:solidFill>
-                <a:effectLst/>
-                <a:latin typeface="Calibri"/>
-                <a:ea typeface="Calibri"/>
-                <a:cs typeface="Calibri"/>
-                <a:hlinkClick r:id="rId3">
-                  <a:extLst>
-                    <a:ext uri="{A12FA001-AC4F-418D-AE19-62706E023703}">
-                      <ahyp:hlinkClr xmlns:ahyp="http://schemas.microsoft.com/office/drawing/2018/hyperlinkcolor" val="tx"/>
-                    </a:ext>
-                  </a:extLst>
-                </a:hlinkClick>
-              </a:rPr>
-              <a:t>public_profile_article_view</a:t>
-            </a:r>
-            <a:r>
-              <a:rPr lang="pt-BR" sz="1800" b="0" i="0" u="sng" dirty="0">
-                <a:solidFill>
-                  <a:srgbClr val="001E80"/>
-                </a:solidFill>
-                <a:effectLst/>
-                <a:latin typeface="Calibri"/>
-                <a:ea typeface="Calibri"/>
-                <a:cs typeface="Calibri"/>
-              </a:rPr>
-              <a:t>&gt;</a:t>
-            </a:r>
-            <a:r>
-              <a:rPr lang="pt-BR" sz="1800" dirty="0">
-                <a:solidFill>
-                  <a:srgbClr val="001E80"/>
-                </a:solidFill>
-                <a:latin typeface="Calibri"/>
-                <a:ea typeface="Calibri"/>
-                <a:cs typeface="Calibri"/>
-              </a:rPr>
-              <a:t>. Acesso em 11/03/2024.</a:t>
-            </a:r>
-            <a:r>
-              <a:rPr lang="pt-BR" dirty="0">
-                <a:solidFill>
-                  <a:srgbClr val="001E80"/>
-                </a:solidFill>
-                <a:latin typeface="Calibri"/>
-                <a:ea typeface="Calibri"/>
-                <a:cs typeface="Calibri"/>
-              </a:rPr>
-              <a:t> </a:t>
-            </a:r>
-            <a:endParaRPr lang="pt-BR" sz="1800" dirty="0">
+              <a:t>Implementação em grupo (cooperação).</a:t>
+            </a:r>
+            <a:endParaRPr lang="pt-BR">
               <a:solidFill>
                 <a:srgbClr val="001E80"/>
               </a:solidFill>
               <a:latin typeface="Calibri"/>
-              <a:ea typeface="Calibri"/>
-              <a:cs typeface="Calibri"/>
+              <a:ea typeface="+mn-lt"/>
+              <a:cs typeface="+mn-lt"/>
+            </a:endParaRPr>
+          </a:p>
+          <a:p>
+            <a:pPr algn="just"/>
+            <a:r>
+              <a:rPr lang="pt-BR">
+                <a:solidFill>
+                  <a:srgbClr val="001E80"/>
+                </a:solidFill>
+                <a:latin typeface="Calibri"/>
+                <a:ea typeface="+mn-lt"/>
+                <a:cs typeface="+mn-lt"/>
+              </a:rPr>
+              <a:t>Desafios: </a:t>
+            </a:r>
+            <a:endParaRPr lang="pt-BR">
+              <a:solidFill>
+                <a:srgbClr val="000000"/>
+              </a:solidFill>
+              <a:latin typeface="Calibri"/>
+              <a:ea typeface="+mn-lt"/>
+              <a:cs typeface="+mn-lt"/>
+            </a:endParaRPr>
+          </a:p>
+          <a:p>
+            <a:pPr lvl="1" algn="just">
+              <a:buFont typeface="Courier New" pitchFamily="34" charset="0"/>
+              <a:buChar char="o"/>
+            </a:pPr>
+            <a:r>
+              <a:rPr lang="pt-BR" spc="10">
+                <a:solidFill>
+                  <a:srgbClr val="001E80"/>
+                </a:solidFill>
+                <a:latin typeface="Calibri"/>
+                <a:ea typeface="+mn-lt"/>
+                <a:cs typeface="+mn-lt"/>
+              </a:rPr>
+              <a:t>Não temos muito conhecimento técnico.</a:t>
+            </a:r>
+          </a:p>
+          <a:p>
+            <a:pPr lvl="1" algn="just">
+              <a:buFont typeface="Courier New" pitchFamily="34" charset="0"/>
+              <a:buChar char="o"/>
+            </a:pPr>
+            <a:r>
+              <a:rPr lang="pt-BR" spc="10">
+                <a:solidFill>
+                  <a:srgbClr val="001E80"/>
+                </a:solidFill>
+                <a:latin typeface="Calibri"/>
+                <a:ea typeface="+mn-lt"/>
+                <a:cs typeface="+mn-lt"/>
+              </a:rPr>
+              <a:t>Dependência entre funcionalidades</a:t>
+            </a:r>
+            <a:endParaRPr lang="pt-BR">
+              <a:solidFill>
+                <a:srgbClr val="001E80"/>
+              </a:solidFill>
+              <a:latin typeface="Calibri"/>
+              <a:ea typeface="+mn-lt"/>
+              <a:cs typeface="+mn-lt"/>
+            </a:endParaRPr>
+          </a:p>
+          <a:p>
+            <a:pPr algn="just"/>
+            <a:r>
+              <a:rPr lang="pt-BR">
+                <a:solidFill>
+                  <a:srgbClr val="001E80"/>
+                </a:solidFill>
+                <a:latin typeface="Calibri"/>
+                <a:ea typeface="+mn-lt"/>
+                <a:cs typeface="+mn-lt"/>
+              </a:rPr>
+              <a:t>Aprendizados: </a:t>
+            </a:r>
+            <a:endParaRPr lang="pt-BR">
+              <a:solidFill>
+                <a:srgbClr val="000000"/>
+              </a:solidFill>
+              <a:latin typeface="Calibri"/>
+              <a:ea typeface="+mn-lt"/>
+              <a:cs typeface="+mn-lt"/>
+            </a:endParaRPr>
+          </a:p>
+          <a:p>
+            <a:pPr lvl="1" algn="just">
+              <a:buFont typeface="Courier New" pitchFamily="34" charset="0"/>
+              <a:buChar char="o"/>
+            </a:pPr>
+            <a:r>
+              <a:rPr lang="pt-BR" spc="10">
+                <a:solidFill>
+                  <a:srgbClr val="001E80"/>
+                </a:solidFill>
+                <a:latin typeface="Calibri"/>
+                <a:ea typeface="+mn-lt"/>
+                <a:cs typeface="+mn-lt"/>
+              </a:rPr>
+              <a:t>Aprendemos o fluxo de desenvolvimento</a:t>
+            </a:r>
+            <a:endParaRPr lang="pt-BR" spc="10">
+              <a:solidFill>
+                <a:srgbClr val="000000"/>
+              </a:solidFill>
+              <a:latin typeface="Calibri"/>
+              <a:ea typeface="+mn-lt"/>
+              <a:cs typeface="+mn-lt"/>
+            </a:endParaRPr>
+          </a:p>
+          <a:p>
+            <a:pPr lvl="1" algn="just">
+              <a:buFont typeface="Courier New" pitchFamily="34" charset="0"/>
+              <a:buChar char="o"/>
+            </a:pPr>
+            <a:r>
+              <a:rPr lang="pt-BR" spc="10">
+                <a:solidFill>
+                  <a:srgbClr val="001E80"/>
+                </a:solidFill>
+                <a:latin typeface="Calibri"/>
+                <a:ea typeface="+mn-lt"/>
+                <a:cs typeface="+mn-lt"/>
+              </a:rPr>
+              <a:t>Aprendemos a lidar com o </a:t>
+            </a:r>
+            <a:r>
+              <a:rPr lang="pt-BR" spc="10" err="1">
+                <a:solidFill>
+                  <a:srgbClr val="001E80"/>
+                </a:solidFill>
+                <a:latin typeface="Calibri"/>
+                <a:ea typeface="+mn-lt"/>
+                <a:cs typeface="+mn-lt"/>
+              </a:rPr>
+              <a:t>Git</a:t>
+            </a:r>
+            <a:r>
+              <a:rPr lang="pt-BR" spc="10">
+                <a:solidFill>
+                  <a:srgbClr val="001E80"/>
+                </a:solidFill>
+                <a:latin typeface="Calibri"/>
+                <a:ea typeface="+mn-lt"/>
+                <a:cs typeface="+mn-lt"/>
+              </a:rPr>
+              <a:t> por meio do GitHub</a:t>
+            </a:r>
+            <a:endParaRPr lang="pt-BR" spc="10">
+              <a:solidFill>
+                <a:srgbClr val="000000"/>
+              </a:solidFill>
+              <a:latin typeface="Calibri"/>
+              <a:ea typeface="+mn-lt"/>
+              <a:cs typeface="+mn-lt"/>
+            </a:endParaRPr>
+          </a:p>
+          <a:p>
+            <a:pPr lvl="1" algn="just">
+              <a:buFont typeface="Courier New" pitchFamily="34" charset="0"/>
+              <a:buChar char="o"/>
+            </a:pPr>
+            <a:r>
+              <a:rPr lang="pt-BR" spc="10">
+                <a:solidFill>
+                  <a:srgbClr val="001E80"/>
+                </a:solidFill>
+                <a:latin typeface="Calibri"/>
+                <a:ea typeface="+mn-lt"/>
+                <a:cs typeface="+mn-lt"/>
+              </a:rPr>
+              <a:t>Acompanhamos todo ciclo de vida de nascimento de um software desde a concepção inicial até a hospedagem de um projeto.</a:t>
+            </a:r>
+          </a:p>
+          <a:p>
+            <a:pPr lvl="1" algn="just">
+              <a:buFont typeface="Courier New" pitchFamily="34" charset="0"/>
+              <a:buChar char="o"/>
+            </a:pPr>
+            <a:endParaRPr lang="pt-BR" spc="10">
+              <a:solidFill>
+                <a:srgbClr val="001E80"/>
+              </a:solidFill>
+              <a:latin typeface="Calibri"/>
+              <a:ea typeface="+mn-lt"/>
+              <a:cs typeface="+mn-lt"/>
             </a:endParaRPr>
           </a:p>
         </p:txBody>
@@ -6729,7 +8151,7 @@
           <p:cNvPr id="5" name="Gráfico 4">
             <a:extLst>
               <a:ext uri="{FF2B5EF4-FFF2-40B4-BE49-F238E27FC236}">
-                <a16:creationId xmlns:a16="http://schemas.microsoft.com/office/drawing/2014/main" id="{61650206-4986-88FD-B418-C807E01252E2}"/>
+                <a16:creationId xmlns:a16="http://schemas.microsoft.com/office/drawing/2014/main" id="{9BBE075B-B5B5-B562-CB7E-E0D59524E74E}"/>
               </a:ext>
             </a:extLst>
           </p:cNvPr>
@@ -6739,10 +8161,10 @@
           <p:nvPr/>
         </p:nvPicPr>
         <p:blipFill>
-          <a:blip r:embed="rId4">
+          <a:blip r:embed="rId2">
             <a:extLst>
               <a:ext uri="{96DAC541-7B7A-43D3-8B79-37D633B846F1}">
-                <asvg:svgBlip xmlns:asvg="http://schemas.microsoft.com/office/drawing/2016/SVG/main" r:embed="rId5"/>
+                <asvg:svgBlip xmlns:asvg="http://schemas.microsoft.com/office/drawing/2016/SVG/main" r:embed="rId3"/>
               </a:ext>
             </a:extLst>
           </a:blip>
@@ -6763,7 +8185,7 @@
     </p:spTree>
     <p:extLst>
       <p:ext uri="{BB962C8B-B14F-4D97-AF65-F5344CB8AC3E}">
-        <p14:creationId xmlns:p14="http://schemas.microsoft.com/office/powerpoint/2010/main" val="109712765"/>
+        <p14:creationId xmlns:p14="http://schemas.microsoft.com/office/powerpoint/2010/main" val="2886257198"/>
       </p:ext>
     </p:extLst>
   </p:cSld>
@@ -6818,6 +8240,371 @@
         </p:nvSpPr>
         <p:spPr>
           <a:xfrm>
+            <a:off x="875054" y="545851"/>
+            <a:ext cx="9404723" cy="1400530"/>
+          </a:xfrm>
+        </p:spPr>
+        <p:txBody>
+          <a:bodyPr/>
+          <a:lstStyle/>
+          <a:p>
+            <a:pPr algn="ctr"/>
+            <a:r>
+              <a:rPr lang="pt-BR" b="1">
+                <a:solidFill>
+                  <a:srgbClr val="001E80"/>
+                </a:solidFill>
+                <a:latin typeface="Calibri"/>
+                <a:ea typeface="Calibri"/>
+                <a:cs typeface="Calibri"/>
+              </a:rPr>
+              <a:t>Referências Bibliográficas</a:t>
+            </a:r>
+            <a:br>
+              <a:rPr lang="pt-BR" b="1">
+                <a:solidFill>
+                  <a:srgbClr val="001E80"/>
+                </a:solidFill>
+                <a:latin typeface="Calibri"/>
+                <a:ea typeface="Calibri"/>
+                <a:cs typeface="Calibri"/>
+              </a:rPr>
+            </a:br>
+            <a:endParaRPr lang="pt-BR" b="1">
+              <a:solidFill>
+                <a:srgbClr val="001E80"/>
+              </a:solidFill>
+              <a:latin typeface="Calibri"/>
+              <a:ea typeface="Calibri"/>
+              <a:cs typeface="Calibri"/>
+            </a:endParaRPr>
+          </a:p>
+        </p:txBody>
+      </p:sp>
+      <p:sp>
+        <p:nvSpPr>
+          <p:cNvPr id="3" name="Espaço Reservado para Conteúdo 2">
+            <a:extLst>
+              <a:ext uri="{FF2B5EF4-FFF2-40B4-BE49-F238E27FC236}">
+                <a16:creationId xmlns:a16="http://schemas.microsoft.com/office/drawing/2014/main" id="{37CD079F-EA5F-4915-8F55-18BED0F0BF30}"/>
+              </a:ext>
+            </a:extLst>
+          </p:cNvPr>
+          <p:cNvSpPr>
+            <a:spLocks noGrp="1"/>
+          </p:cNvSpPr>
+          <p:nvPr>
+            <p:ph idx="1"/>
+          </p:nvPr>
+        </p:nvSpPr>
+        <p:spPr>
+          <a:xfrm>
+            <a:off x="1315812" y="1714252"/>
+            <a:ext cx="8946541" cy="4195481"/>
+          </a:xfrm>
+        </p:spPr>
+        <p:txBody>
+          <a:bodyPr vert="horz" lIns="91440" tIns="45720" rIns="91440" bIns="45720" rtlCol="0" anchor="t">
+            <a:noAutofit/>
+          </a:bodyPr>
+          <a:lstStyle/>
+          <a:p>
+            <a:r>
+              <a:rPr lang="pt-BR" sz="1800">
+                <a:solidFill>
+                  <a:srgbClr val="001E80"/>
+                </a:solidFill>
+                <a:latin typeface="Calibri"/>
+                <a:ea typeface="Calibri"/>
+                <a:cs typeface="Calibri"/>
+              </a:rPr>
+              <a:t>FERREIRA, Felipe. Prodesc.com, 2024. Gestão escolar: o que é, quais seus pilares e seus desafios. Disponível em: &lt; </a:t>
+            </a:r>
+            <a:r>
+              <a:rPr lang="pt-BR" sz="1800" u="sng">
+                <a:solidFill>
+                  <a:srgbClr val="001E80"/>
+                </a:solidFill>
+                <a:latin typeface="Calibri"/>
+                <a:ea typeface="Calibri"/>
+                <a:cs typeface="Calibri"/>
+                <a:hlinkClick r:id="rId2">
+                  <a:extLst>
+                    <a:ext uri="{A12FA001-AC4F-418D-AE19-62706E023703}">
+                      <ahyp:hlinkClr xmlns:ahyp="http://schemas.microsoft.com/office/drawing/2018/hyperlinkcolor" val="tx"/>
+                    </a:ext>
+                  </a:extLst>
+                </a:hlinkClick>
+              </a:rPr>
+              <a:t>https://www.proesc.com/blog/gestao-escolar/</a:t>
+            </a:r>
+            <a:r>
+              <a:rPr lang="pt-BR" sz="1800" b="0" i="0">
+                <a:solidFill>
+                  <a:srgbClr val="001E80"/>
+                </a:solidFill>
+                <a:effectLst/>
+                <a:latin typeface="Calibri"/>
+                <a:ea typeface="Calibri"/>
+                <a:cs typeface="Calibri"/>
+              </a:rPr>
+              <a:t>&gt;.</a:t>
+            </a:r>
+            <a:r>
+              <a:rPr lang="pt-BR" sz="1800">
+                <a:solidFill>
+                  <a:srgbClr val="001E80"/>
+                </a:solidFill>
+                <a:latin typeface="Calibri"/>
+                <a:ea typeface="Calibri"/>
+                <a:cs typeface="Calibri"/>
+              </a:rPr>
+              <a:t>Acesso em: 27/02/2024</a:t>
+            </a:r>
+          </a:p>
+          <a:p>
+            <a:endParaRPr lang="pt-BR" sz="1800">
+              <a:solidFill>
+                <a:srgbClr val="001E80"/>
+              </a:solidFill>
+              <a:latin typeface="Calibri"/>
+              <a:ea typeface="Calibri"/>
+              <a:cs typeface="Calibri"/>
+            </a:endParaRPr>
+          </a:p>
+          <a:p>
+            <a:r>
+              <a:rPr lang="pt-BR" sz="1800">
+                <a:solidFill>
+                  <a:srgbClr val="001E80"/>
+                </a:solidFill>
+                <a:latin typeface="Calibri"/>
+                <a:ea typeface="Calibri"/>
+                <a:cs typeface="Calibri"/>
+              </a:rPr>
+              <a:t>SILVA, </a:t>
+            </a:r>
+            <a:r>
+              <a:rPr lang="pt-BR" sz="1800" err="1">
+                <a:solidFill>
+                  <a:srgbClr val="001E80"/>
+                </a:solidFill>
+                <a:latin typeface="Calibri"/>
+                <a:ea typeface="Calibri"/>
+                <a:cs typeface="Calibri"/>
+              </a:rPr>
+              <a:t>Joab</a:t>
+            </a:r>
+            <a:r>
+              <a:rPr lang="pt-BR" sz="1800">
+                <a:solidFill>
+                  <a:srgbClr val="001E80"/>
+                </a:solidFill>
+                <a:latin typeface="Calibri"/>
+                <a:ea typeface="Calibri"/>
+                <a:cs typeface="Calibri"/>
+              </a:rPr>
+              <a:t>. </a:t>
+            </a:r>
+            <a:r>
+              <a:rPr lang="pt-BR" sz="1800" err="1">
+                <a:solidFill>
+                  <a:srgbClr val="001E80"/>
+                </a:solidFill>
+                <a:latin typeface="Calibri"/>
+                <a:ea typeface="Calibri"/>
+                <a:cs typeface="Calibri"/>
+              </a:rPr>
+              <a:t>Linkedin</a:t>
+            </a:r>
+            <a:r>
+              <a:rPr lang="pt-BR" sz="1800">
+                <a:solidFill>
+                  <a:srgbClr val="001E80"/>
+                </a:solidFill>
+                <a:latin typeface="Calibri"/>
+                <a:ea typeface="Calibri"/>
+                <a:cs typeface="Calibri"/>
+              </a:rPr>
+              <a:t>, 2023. O desafio do Desemprego na Profissão de Professor: Impactos e Perspectivas. Disponível em: &lt;</a:t>
+            </a:r>
+            <a:r>
+              <a:rPr lang="pt-BR" sz="1800" b="0" i="0" u="sng">
+                <a:solidFill>
+                  <a:srgbClr val="001E80"/>
+                </a:solidFill>
+                <a:effectLst/>
+                <a:latin typeface="Calibri"/>
+                <a:ea typeface="Calibri"/>
+                <a:cs typeface="Calibri"/>
+                <a:hlinkClick r:id="rId3">
+                  <a:extLst>
+                    <a:ext uri="{A12FA001-AC4F-418D-AE19-62706E023703}">
+                      <ahyp:hlinkClr xmlns:ahyp="http://schemas.microsoft.com/office/drawing/2018/hyperlinkcolor" val="tx"/>
+                    </a:ext>
+                  </a:extLst>
+                </a:hlinkClick>
+              </a:rPr>
+              <a:t>https://pt.linkedin.com/pulse/o-desafio-do-desemprego-na-profiss%C3%A3o-de-professor-e-santos-da-silva?trk=</a:t>
+            </a:r>
+            <a:r>
+              <a:rPr lang="pt-BR" sz="1800" b="0" i="0" u="sng" err="1">
+                <a:solidFill>
+                  <a:srgbClr val="001E80"/>
+                </a:solidFill>
+                <a:effectLst/>
+                <a:latin typeface="Calibri"/>
+                <a:ea typeface="Calibri"/>
+                <a:cs typeface="Calibri"/>
+                <a:hlinkClick r:id="rId3">
+                  <a:extLst>
+                    <a:ext uri="{A12FA001-AC4F-418D-AE19-62706E023703}">
+                      <ahyp:hlinkClr xmlns:ahyp="http://schemas.microsoft.com/office/drawing/2018/hyperlinkcolor" val="tx"/>
+                    </a:ext>
+                  </a:extLst>
+                </a:hlinkClick>
+              </a:rPr>
+              <a:t>public_profile_article_view</a:t>
+            </a:r>
+            <a:r>
+              <a:rPr lang="pt-BR" sz="1800" b="0" i="0" u="sng">
+                <a:solidFill>
+                  <a:srgbClr val="001E80"/>
+                </a:solidFill>
+                <a:effectLst/>
+                <a:latin typeface="Calibri"/>
+                <a:ea typeface="Calibri"/>
+                <a:cs typeface="Calibri"/>
+              </a:rPr>
+              <a:t>&gt;</a:t>
+            </a:r>
+            <a:r>
+              <a:rPr lang="pt-BR" sz="1800">
+                <a:solidFill>
+                  <a:srgbClr val="001E80"/>
+                </a:solidFill>
+                <a:latin typeface="Calibri"/>
+                <a:ea typeface="Calibri"/>
+                <a:cs typeface="Calibri"/>
+              </a:rPr>
+              <a:t>. Acesso em 11/03/2024.</a:t>
+            </a:r>
+            <a:r>
+              <a:rPr lang="pt-BR">
+                <a:solidFill>
+                  <a:srgbClr val="001E80"/>
+                </a:solidFill>
+                <a:latin typeface="Calibri"/>
+                <a:ea typeface="Calibri"/>
+                <a:cs typeface="Calibri"/>
+              </a:rPr>
+              <a:t> </a:t>
+            </a:r>
+            <a:endParaRPr lang="pt-BR" sz="1800">
+              <a:solidFill>
+                <a:srgbClr val="001E80"/>
+              </a:solidFill>
+              <a:latin typeface="Calibri"/>
+              <a:ea typeface="Calibri"/>
+              <a:cs typeface="Calibri"/>
+            </a:endParaRPr>
+          </a:p>
+        </p:txBody>
+      </p:sp>
+      <p:pic>
+        <p:nvPicPr>
+          <p:cNvPr id="5" name="Gráfico 4">
+            <a:extLst>
+              <a:ext uri="{FF2B5EF4-FFF2-40B4-BE49-F238E27FC236}">
+                <a16:creationId xmlns:a16="http://schemas.microsoft.com/office/drawing/2014/main" id="{61650206-4986-88FD-B418-C807E01252E2}"/>
+              </a:ext>
+            </a:extLst>
+          </p:cNvPr>
+          <p:cNvPicPr>
+            <a:picLocks noChangeAspect="1"/>
+          </p:cNvPicPr>
+          <p:nvPr/>
+        </p:nvPicPr>
+        <p:blipFill>
+          <a:blip r:embed="rId4">
+            <a:extLst>
+              <a:ext uri="{96DAC541-7B7A-43D3-8B79-37D633B846F1}">
+                <asvg:svgBlip xmlns:asvg="http://schemas.microsoft.com/office/drawing/2016/SVG/main" r:embed="rId5"/>
+              </a:ext>
+            </a:extLst>
+          </a:blip>
+          <a:stretch>
+            <a:fillRect/>
+          </a:stretch>
+        </p:blipFill>
+        <p:spPr>
+          <a:xfrm>
+            <a:off x="275003" y="6056475"/>
+            <a:ext cx="885256" cy="701839"/>
+          </a:xfrm>
+          <a:prstGeom prst="rect">
+            <a:avLst/>
+          </a:prstGeom>
+        </p:spPr>
+      </p:pic>
+    </p:spTree>
+    <p:extLst>
+      <p:ext uri="{BB962C8B-B14F-4D97-AF65-F5344CB8AC3E}">
+        <p14:creationId xmlns:p14="http://schemas.microsoft.com/office/powerpoint/2010/main" val="109712765"/>
+      </p:ext>
+    </p:extLst>
+  </p:cSld>
+  <p:clrMapOvr>
+    <a:masterClrMapping/>
+  </p:clrMapOvr>
+</p:sld>
+</file>
+
+<file path=ppt/slides/slide16.xml><?xml version="1.0" encoding="utf-8"?>
+<p:sld xmlns:a="http://schemas.openxmlformats.org/drawingml/2006/main" xmlns:r="http://schemas.openxmlformats.org/officeDocument/2006/relationships" xmlns:p="http://schemas.openxmlformats.org/presentationml/2006/main">
+  <p:cSld>
+    <p:bg>
+      <p:bgPr>
+        <a:solidFill>
+          <a:schemeClr val="bg1">
+            <a:lumMod val="95000"/>
+          </a:schemeClr>
+        </a:solidFill>
+        <a:effectLst/>
+      </p:bgPr>
+    </p:bg>
+    <p:spTree>
+      <p:nvGrpSpPr>
+        <p:cNvPr id="1" name=""/>
+        <p:cNvGrpSpPr/>
+        <p:nvPr/>
+      </p:nvGrpSpPr>
+      <p:grpSpPr>
+        <a:xfrm>
+          <a:off x="0" y="0"/>
+          <a:ext cx="0" cy="0"/>
+          <a:chOff x="0" y="0"/>
+          <a:chExt cx="0" cy="0"/>
+        </a:xfrm>
+      </p:grpSpPr>
+      <p:sp>
+        <p:nvSpPr>
+          <p:cNvPr id="2" name="Título 1">
+            <a:extLst>
+              <a:ext uri="{FF2B5EF4-FFF2-40B4-BE49-F238E27FC236}">
+                <a16:creationId xmlns:a16="http://schemas.microsoft.com/office/drawing/2014/main" id="{A986CB3F-F52B-49C5-9C65-01D9CEAF5402}"/>
+              </a:ext>
+            </a:extLst>
+          </p:cNvPr>
+          <p:cNvSpPr>
+            <a:spLocks noGrp="1"/>
+          </p:cNvSpPr>
+          <p:nvPr>
+            <p:ph type="title"/>
+          </p:nvPr>
+        </p:nvSpPr>
+        <p:spPr>
+          <a:xfrm>
             <a:off x="716305" y="2728297"/>
             <a:ext cx="9404723" cy="1400530"/>
           </a:xfrm>
@@ -6830,7 +8617,7 @@
           <a:p>
             <a:pPr algn="ctr"/>
             <a:r>
-              <a:rPr lang="pt-BR" sz="7200" b="1" dirty="0">
+              <a:rPr lang="pt-BR" sz="7200" b="1">
                 <a:solidFill>
                   <a:srgbClr val="001E80"/>
                 </a:solidFill>
@@ -6957,8 +8744,9 @@
                 <a:ea typeface="Calibri"/>
                 <a:cs typeface="Calibri"/>
               </a:rPr>
-              <a:t>Descrição do Contexto</a:t>
-            </a:r>
+              <a:t>Introdução</a:t>
+            </a:r>
+            <a:endParaRPr lang="pt-BR" dirty="0"/>
           </a:p>
         </p:txBody>
       </p:sp>
@@ -6992,7 +8780,7 @@
           <a:p>
             <a:pPr algn="just"/>
             <a:r>
-              <a:rPr lang="pt-BR" sz="1800" b="0" i="0" dirty="0">
+              <a:rPr lang="pt-BR" sz="1800" b="0" i="0">
                 <a:solidFill>
                   <a:srgbClr val="001E80"/>
                 </a:solidFill>
@@ -7007,7 +8795,7 @@
           <a:p>
             <a:pPr algn="just"/>
             <a:r>
-              <a:rPr lang="pt-BR" sz="1800" b="0" i="0" dirty="0">
+              <a:rPr lang="pt-BR" sz="1800" b="0" i="0">
                 <a:solidFill>
                   <a:srgbClr val="001E80"/>
                 </a:solidFill>
@@ -7020,7 +8808,7 @@
             </a:r>
           </a:p>
           <a:p>
-            <a:endParaRPr lang="pt-BR" dirty="0">
+            <a:endParaRPr lang="pt-BR">
               <a:solidFill>
                 <a:srgbClr val="001E80"/>
               </a:solidFill>
@@ -7135,7 +8923,7 @@
           <a:p>
             <a:pPr algn="ctr"/>
             <a:r>
-              <a:rPr lang="pt-BR" b="1" dirty="0">
+              <a:rPr lang="pt-BR" b="1">
                 <a:solidFill>
                   <a:srgbClr val="001E80"/>
                 </a:solidFill>
@@ -7178,7 +8966,7 @@
           <a:p>
             <a:pPr algn="just"/>
             <a:r>
-              <a:rPr lang="pt-BR" sz="1800" dirty="0">
+              <a:rPr lang="pt-BR" sz="1800">
                 <a:solidFill>
                   <a:srgbClr val="001E80"/>
                 </a:solidFill>
@@ -7295,7 +9083,7 @@
           <a:p>
             <a:pPr algn="ctr"/>
             <a:r>
-              <a:rPr lang="pt-BR" b="1" dirty="0">
+              <a:rPr lang="pt-BR" b="1">
                 <a:solidFill>
                   <a:srgbClr val="001E80"/>
                 </a:solidFill>
@@ -7338,7 +9126,7 @@
           <a:p>
             <a:pPr algn="just"/>
             <a:r>
-              <a:rPr lang="pt-BR" sz="1700" dirty="0">
+              <a:rPr lang="pt-BR" sz="1700">
                 <a:solidFill>
                   <a:srgbClr val="001E80"/>
                 </a:solidFill>
@@ -7355,7 +9143,7 @@
               <a:buAutoNum type="arabicPeriod"/>
             </a:pPr>
             <a:r>
-              <a:rPr lang="pt-BR" sz="1700" dirty="0">
+              <a:rPr lang="pt-BR" sz="1700">
                 <a:solidFill>
                   <a:srgbClr val="001E80"/>
                 </a:solidFill>
@@ -7372,7 +9160,7 @@
               <a:buAutoNum type="arabicPeriod"/>
             </a:pPr>
             <a:r>
-              <a:rPr lang="pt-BR" sz="1700" dirty="0">
+              <a:rPr lang="pt-BR" sz="1700">
                 <a:solidFill>
                   <a:srgbClr val="001E80"/>
                 </a:solidFill>
@@ -7389,7 +9177,7 @@
               <a:buAutoNum type="arabicPeriod"/>
             </a:pPr>
             <a:r>
-              <a:rPr lang="pt-BR" sz="1700" dirty="0">
+              <a:rPr lang="pt-BR" sz="1700">
                 <a:solidFill>
                   <a:srgbClr val="001E80"/>
                 </a:solidFill>
@@ -7406,7 +9194,7 @@
               <a:buAutoNum type="arabicPeriod"/>
             </a:pPr>
             <a:r>
-              <a:rPr lang="pt-BR" sz="1700" dirty="0">
+              <a:rPr lang="pt-BR" sz="1700">
                 <a:solidFill>
                   <a:srgbClr val="001E80"/>
                 </a:solidFill>
@@ -7423,7 +9211,7 @@
               <a:buAutoNum type="arabicPeriod"/>
             </a:pPr>
             <a:r>
-              <a:rPr lang="pt-BR" sz="1700" dirty="0">
+              <a:rPr lang="pt-BR" sz="1700">
                 <a:solidFill>
                   <a:srgbClr val="001E80"/>
                 </a:solidFill>
@@ -7440,7 +9228,7 @@
               <a:buAutoNum type="arabicPeriod"/>
             </a:pPr>
             <a:r>
-              <a:rPr lang="pt-BR" sz="1700" dirty="0">
+              <a:rPr lang="pt-BR" sz="1700">
                 <a:solidFill>
                   <a:srgbClr val="001E80"/>
                 </a:solidFill>
@@ -7454,7 +9242,7 @@
           <a:p>
             <a:pPr algn="just"/>
             <a:r>
-              <a:rPr lang="pt-BR" sz="1700" dirty="0">
+              <a:rPr lang="pt-BR" sz="1700">
                 <a:solidFill>
                   <a:srgbClr val="001E80"/>
                 </a:solidFill>
@@ -7571,7 +9359,7 @@
           <a:p>
             <a:pPr algn="ctr"/>
             <a:r>
-              <a:rPr lang="pt-BR" b="1" dirty="0">
+              <a:rPr lang="pt-BR" b="1">
                 <a:solidFill>
                   <a:srgbClr val="001E80"/>
                 </a:solidFill>
@@ -7614,7 +9402,7 @@
           <a:p>
             <a:pPr algn="just"/>
             <a:r>
-              <a:rPr lang="pt-BR" sz="1800" dirty="0">
+              <a:rPr lang="pt-BR" sz="1800">
                 <a:solidFill>
                   <a:srgbClr val="001E80"/>
                 </a:solidFill>
@@ -7625,7 +9413,7 @@
               <a:t>De acordo com </a:t>
             </a:r>
             <a:r>
-              <a:rPr lang="pt-BR" sz="1800" dirty="0" err="1">
+              <a:rPr lang="pt-BR" sz="1800" err="1">
                 <a:solidFill>
                   <a:srgbClr val="001E80"/>
                 </a:solidFill>
@@ -7636,7 +9424,7 @@
               <a:t>Joab</a:t>
             </a:r>
             <a:r>
-              <a:rPr lang="pt-BR" sz="1800" dirty="0">
+              <a:rPr lang="pt-BR" sz="1800">
                 <a:solidFill>
                   <a:srgbClr val="001E80"/>
                 </a:solidFill>
@@ -7650,7 +9438,7 @@
           <a:p>
             <a:pPr algn="just"/>
             <a:r>
-              <a:rPr lang="pt-BR" sz="1800" dirty="0">
+              <a:rPr lang="pt-BR" sz="1800">
                 <a:solidFill>
                   <a:srgbClr val="001E80"/>
                 </a:solidFill>
@@ -7769,7 +9557,7 @@
           <a:p>
             <a:pPr algn="just"/>
             <a:r>
-              <a:rPr lang="pt-BR" sz="1800" dirty="0">
+              <a:rPr lang="pt-BR" sz="1800">
                 <a:solidFill>
                   <a:srgbClr val="001E80"/>
                 </a:solidFill>
@@ -7779,7 +9567,7 @@
               </a:rPr>
               <a:t>O desemprego na profissão de professor também acarreta desafios financeiros significativos. A remuneração nem sempre é alta, e períodos de desemprego podem resultar em dificuldades financeiras, afetando o sustento pessoal e familiar. Além disso, a instabilidade profissional pode dificultar o planejamento a longo prazo e a busca por estabilidade financeira. Tendo em vista tal problema, muitos desses profissionais veem como solução imediata a iniciativa de fornecerem o seu conhecimento através de aulas particulares, com o objetivo de resguardar a sua estabilidade financeira.</a:t>
             </a:r>
-            <a:endParaRPr lang="pt-BR" sz="1800" dirty="0">
+            <a:endParaRPr lang="pt-BR" sz="1800">
               <a:latin typeface="Calibri"/>
               <a:ea typeface="Calibri"/>
               <a:cs typeface="Calibri"/>
@@ -7788,7 +9576,7 @@
           <a:p>
             <a:pPr algn="just"/>
             <a:r>
-              <a:rPr lang="pt-BR" sz="1800" dirty="0">
+              <a:rPr lang="pt-BR" sz="1800">
                 <a:solidFill>
                   <a:srgbClr val="001E80"/>
                 </a:solidFill>
@@ -7800,7 +9588,7 @@
             </a:r>
           </a:p>
           <a:p>
-            <a:endParaRPr lang="pt-BR" dirty="0">
+            <a:endParaRPr lang="pt-BR">
               <a:solidFill>
                 <a:srgbClr val="001E80"/>
               </a:solidFill>
@@ -7905,6 +9693,166 @@
         </p:nvSpPr>
         <p:spPr>
           <a:xfrm>
+            <a:off x="1160804" y="639585"/>
+            <a:ext cx="9404723" cy="966614"/>
+          </a:xfrm>
+        </p:spPr>
+        <p:txBody>
+          <a:bodyPr/>
+          <a:lstStyle/>
+          <a:p>
+            <a:pPr algn="ctr"/>
+            <a:r>
+              <a:rPr lang="pt-BR" b="1">
+                <a:solidFill>
+                  <a:srgbClr val="001E80"/>
+                </a:solidFill>
+                <a:latin typeface="Calibri"/>
+                <a:ea typeface="Calibri"/>
+                <a:cs typeface="Calibri"/>
+              </a:rPr>
+              <a:t>Público Alvo</a:t>
+            </a:r>
+          </a:p>
+        </p:txBody>
+      </p:sp>
+      <p:sp>
+        <p:nvSpPr>
+          <p:cNvPr id="3" name="Espaço Reservado para Conteúdo 2">
+            <a:extLst>
+              <a:ext uri="{FF2B5EF4-FFF2-40B4-BE49-F238E27FC236}">
+                <a16:creationId xmlns:a16="http://schemas.microsoft.com/office/drawing/2014/main" id="{37CD079F-EA5F-4915-8F55-18BED0F0BF30}"/>
+              </a:ext>
+            </a:extLst>
+          </p:cNvPr>
+          <p:cNvSpPr>
+            <a:spLocks noGrp="1"/>
+          </p:cNvSpPr>
+          <p:nvPr>
+            <p:ph idx="1"/>
+          </p:nvPr>
+        </p:nvSpPr>
+        <p:spPr>
+          <a:xfrm>
+            <a:off x="1379312" y="2042335"/>
+            <a:ext cx="8946541" cy="3380565"/>
+          </a:xfrm>
+        </p:spPr>
+        <p:txBody>
+          <a:bodyPr vert="horz" lIns="91440" tIns="45720" rIns="91440" bIns="45720" rtlCol="0" anchor="t">
+            <a:noAutofit/>
+          </a:bodyPr>
+          <a:lstStyle/>
+          <a:p>
+            <a:pPr algn="just"/>
+            <a:r>
+              <a:rPr lang="pt-BR">
+                <a:solidFill>
+                  <a:srgbClr val="001E80"/>
+                </a:solidFill>
+                <a:latin typeface="Calibri"/>
+                <a:ea typeface="+mn-lt"/>
+                <a:cs typeface="Calibri"/>
+              </a:rPr>
+              <a:t>Nosso público-alvo é constituído por pequenos empreendedores da educação como por exemplo professores autônomos que buscam um sistema de gerenciamento eficiente e prático para suas atividades educacionais. Este sistema é direcionado tanto para professores que ministram aulas particulares de forma independente quanto para instituições de reforço escolar que necessitam de uma plataforma robusta para organizar suas atividades pedagógicas.</a:t>
+            </a:r>
+          </a:p>
+        </p:txBody>
+      </p:sp>
+      <p:pic>
+        <p:nvPicPr>
+          <p:cNvPr id="5" name="Gráfico 4">
+            <a:extLst>
+              <a:ext uri="{FF2B5EF4-FFF2-40B4-BE49-F238E27FC236}">
+                <a16:creationId xmlns:a16="http://schemas.microsoft.com/office/drawing/2014/main" id="{9BBE075B-B5B5-B562-CB7E-E0D59524E74E}"/>
+              </a:ext>
+            </a:extLst>
+          </p:cNvPr>
+          <p:cNvPicPr>
+            <a:picLocks noChangeAspect="1"/>
+          </p:cNvPicPr>
+          <p:nvPr/>
+        </p:nvPicPr>
+        <p:blipFill>
+          <a:blip r:embed="rId2">
+            <a:extLst>
+              <a:ext uri="{96DAC541-7B7A-43D3-8B79-37D633B846F1}">
+                <asvg:svgBlip xmlns:asvg="http://schemas.microsoft.com/office/drawing/2016/SVG/main" r:embed="rId3"/>
+              </a:ext>
+            </a:extLst>
+          </a:blip>
+          <a:stretch>
+            <a:fillRect/>
+          </a:stretch>
+        </p:blipFill>
+        <p:spPr>
+          <a:xfrm>
+            <a:off x="275003" y="6056475"/>
+            <a:ext cx="885256" cy="701839"/>
+          </a:xfrm>
+          <a:prstGeom prst="rect">
+            <a:avLst/>
+          </a:prstGeom>
+        </p:spPr>
+      </p:pic>
+    </p:spTree>
+    <p:extLst>
+      <p:ext uri="{BB962C8B-B14F-4D97-AF65-F5344CB8AC3E}">
+        <p14:creationId xmlns:p14="http://schemas.microsoft.com/office/powerpoint/2010/main" val="522766099"/>
+      </p:ext>
+    </p:extLst>
+  </p:cSld>
+  <p:clrMapOvr>
+    <a:masterClrMapping/>
+  </p:clrMapOvr>
+</p:sld>
+</file>
+
+<file path=ppt/slides/slide8.xml><?xml version="1.0" encoding="utf-8"?>
+<p:sld xmlns:a="http://schemas.openxmlformats.org/drawingml/2006/main" xmlns:r="http://schemas.openxmlformats.org/officeDocument/2006/relationships" xmlns:p="http://schemas.openxmlformats.org/presentationml/2006/main">
+  <p:cSld>
+    <p:bg>
+      <p:bgPr>
+        <a:solidFill>
+          <a:schemeClr val="bg1">
+            <a:lumMod val="95000"/>
+          </a:schemeClr>
+        </a:solidFill>
+        <a:effectLst/>
+      </p:bgPr>
+    </p:bg>
+    <p:spTree>
+      <p:nvGrpSpPr>
+        <p:cNvPr id="1" name=""/>
+        <p:cNvGrpSpPr/>
+        <p:nvPr/>
+      </p:nvGrpSpPr>
+      <p:grpSpPr>
+        <a:xfrm>
+          <a:off x="0" y="0"/>
+          <a:ext cx="0" cy="0"/>
+          <a:chOff x="0" y="0"/>
+          <a:chExt cx="0" cy="0"/>
+        </a:xfrm>
+      </p:grpSpPr>
+      <p:sp>
+        <p:nvSpPr>
+          <p:cNvPr id="2" name="Título 1">
+            <a:extLst>
+              <a:ext uri="{FF2B5EF4-FFF2-40B4-BE49-F238E27FC236}">
+                <a16:creationId xmlns:a16="http://schemas.microsoft.com/office/drawing/2014/main" id="{A986CB3F-F52B-49C5-9C65-01D9CEAF5402}"/>
+              </a:ext>
+            </a:extLst>
+          </p:cNvPr>
+          <p:cNvSpPr>
+            <a:spLocks noGrp="1"/>
+          </p:cNvSpPr>
+          <p:nvPr>
+            <p:ph type="title"/>
+          </p:nvPr>
+        </p:nvSpPr>
+        <p:spPr>
+          <a:xfrm>
             <a:off x="874526" y="382868"/>
             <a:ext cx="9404723" cy="1400530"/>
           </a:xfrm>
@@ -7917,7 +9865,7 @@
           <a:p>
             <a:pPr algn="ctr"/>
             <a:r>
-              <a:rPr lang="pt-BR" b="1" dirty="0">
+              <a:rPr lang="pt-BR" b="1">
                 <a:solidFill>
                   <a:srgbClr val="001E80"/>
                 </a:solidFill>
@@ -7985,7 +9933,7 @@
                     <a:p>
                       <a:pPr algn="ctr"/>
                       <a:r>
-                        <a:rPr lang="pt-BR" dirty="0"/>
+                        <a:rPr lang="pt-BR"/>
                         <a:t>Perfil 1: Professor Autônomo</a:t>
                       </a:r>
                     </a:p>
@@ -8039,7 +9987,7 @@
                     <a:lstStyle/>
                     <a:p>
                       <a:r>
-                        <a:rPr lang="pt-BR" dirty="0"/>
+                        <a:rPr lang="pt-BR"/>
                         <a:t>Descrição</a:t>
                       </a:r>
                     </a:p>
@@ -8076,7 +10024,7 @@
                     <a:lstStyle/>
                     <a:p>
                       <a:r>
-                        <a:rPr lang="pt-BR" dirty="0"/>
+                        <a:rPr lang="pt-BR"/>
                         <a:t>Profissional independente que oferece aulas particulares ou em pequenos grupos, especializado em uma disciplina específica.</a:t>
                       </a:r>
                     </a:p>
@@ -8120,7 +10068,7 @@
                     <a:lstStyle/>
                     <a:p>
                       <a:r>
-                        <a:rPr lang="pt-BR" dirty="0"/>
+                        <a:rPr lang="pt-BR"/>
                         <a:t>Necessidades</a:t>
                       </a:r>
                     </a:p>
@@ -8161,7 +10109,7 @@
                         <a:buAutoNum type="arabicPeriod"/>
                       </a:pPr>
                       <a:r>
-                        <a:rPr lang="pt-BR" dirty="0"/>
+                        <a:rPr lang="pt-BR"/>
                         <a:t>Autenticar no sistema</a:t>
                       </a:r>
                     </a:p>
@@ -8171,7 +10119,7 @@
                         <a:buAutoNum type="arabicPeriod"/>
                       </a:pPr>
                       <a:r>
-                        <a:rPr lang="pt-BR" dirty="0"/>
+                        <a:rPr lang="pt-BR"/>
                         <a:t>Gestão de alunos</a:t>
                       </a:r>
                     </a:p>
@@ -8181,7 +10129,7 @@
                         <a:buAutoNum type="arabicPeriod"/>
                       </a:pPr>
                       <a:r>
-                        <a:rPr lang="pt-BR" dirty="0"/>
+                        <a:rPr lang="pt-BR"/>
                         <a:t>Gestão de turmas</a:t>
                       </a:r>
                     </a:p>
@@ -8191,7 +10139,7 @@
                         <a:buAutoNum type="arabicPeriod"/>
                       </a:pPr>
                       <a:r>
-                        <a:rPr lang="pt-BR" dirty="0"/>
+                        <a:rPr lang="pt-BR"/>
                         <a:t>Gestão de frequência</a:t>
                       </a:r>
                     </a:p>
@@ -8201,7 +10149,7 @@
                         <a:buAutoNum type="arabicPeriod"/>
                       </a:pPr>
                       <a:r>
-                        <a:rPr lang="pt-BR" dirty="0"/>
+                        <a:rPr lang="pt-BR"/>
                         <a:t>Gestão de notas</a:t>
                       </a:r>
                     </a:p>
@@ -8211,7 +10159,7 @@
                         <a:buAutoNum type="arabicPeriod"/>
                       </a:pPr>
                       <a:r>
-                        <a:rPr lang="pt-BR" dirty="0"/>
+                        <a:rPr lang="pt-BR"/>
                         <a:t>Gestão de matrículas</a:t>
                       </a:r>
                     </a:p>
@@ -8221,7 +10169,7 @@
                         <a:buAutoNum type="arabicPeriod"/>
                       </a:pPr>
                       <a:r>
-                        <a:rPr lang="pt-BR" dirty="0"/>
+                        <a:rPr lang="pt-BR"/>
                         <a:t>Emissão de declarações e certificados</a:t>
                       </a:r>
                     </a:p>
@@ -8311,7 +10259,7 @@
 </p:sld>
 </file>
 
-<file path=ppt/slides/slide8.xml><?xml version="1.0" encoding="utf-8"?>
+<file path=ppt/slides/slide9.xml><?xml version="1.0" encoding="utf-8"?>
 <p:sld xmlns:a="http://schemas.openxmlformats.org/drawingml/2006/main" xmlns:r="http://schemas.openxmlformats.org/officeDocument/2006/relationships" xmlns:p="http://schemas.openxmlformats.org/presentationml/2006/main">
   <p:cSld>
     <p:bg>
@@ -8366,7 +10314,7 @@
           <a:p>
             <a:pPr algn="ctr"/>
             <a:r>
-              <a:rPr lang="pt-BR" b="1" dirty="0">
+              <a:rPr lang="pt-BR" b="1">
                 <a:solidFill>
                   <a:srgbClr val="001E80"/>
                 </a:solidFill>
@@ -8434,7 +10382,7 @@
                     <a:p>
                       <a:pPr algn="ctr"/>
                       <a:r>
-                        <a:rPr lang="pt-BR" dirty="0"/>
+                        <a:rPr lang="pt-BR"/>
                         <a:t>Perfil 2: Aluno</a:t>
                       </a:r>
                     </a:p>
@@ -8489,7 +10437,7 @@
                     <a:p>
                       <a:pPr marL="0" algn="l" defTabSz="914400" rtl="0" eaLnBrk="1" latinLnBrk="0" hangingPunct="1"/>
                       <a:r>
-                        <a:rPr lang="pt-BR" dirty="0"/>
+                        <a:rPr lang="pt-BR"/>
                         <a:t>Descrição</a:t>
                       </a:r>
                     </a:p>
@@ -8527,7 +10475,7 @@
                     <a:p>
                       <a:pPr marL="0" algn="l" defTabSz="914400" rtl="0" eaLnBrk="1" latinLnBrk="0" hangingPunct="1"/>
                       <a:r>
-                        <a:rPr lang="pt-BR" dirty="0"/>
+                        <a:rPr lang="pt-BR"/>
                         <a:t>Destinatários finais dos serviços oferecidos pelos professores autônomos.</a:t>
                       </a:r>
                     </a:p>
@@ -8572,7 +10520,7 @@
                     <a:p>
                       <a:pPr marL="0" algn="l" defTabSz="914400" rtl="0" eaLnBrk="1" latinLnBrk="0" hangingPunct="1"/>
                       <a:r>
-                        <a:rPr lang="pt-BR" dirty="0"/>
+                        <a:rPr lang="pt-BR"/>
                         <a:t>Necessidades</a:t>
                       </a:r>
                     </a:p>
@@ -8613,7 +10561,7 @@
                         <a:buAutoNum type="arabicPeriod"/>
                       </a:pPr>
                       <a:r>
-                        <a:rPr lang="pt-BR" dirty="0"/>
+                        <a:rPr lang="pt-BR"/>
                         <a:t>Autenticar no sistema</a:t>
                       </a:r>
                     </a:p>
@@ -8623,7 +10571,7 @@
                         <a:buAutoNum type="arabicPeriod"/>
                       </a:pPr>
                       <a:r>
-                        <a:rPr lang="pt-BR" dirty="0"/>
+                        <a:rPr lang="pt-BR"/>
                         <a:t>Acompanhar notas e status (aprovado, reprovado, recuperação)</a:t>
                       </a:r>
                     </a:p>
@@ -8633,7 +10581,7 @@
                         <a:buAutoNum type="arabicPeriod"/>
                       </a:pPr>
                       <a:r>
-                        <a:rPr lang="pt-BR" dirty="0"/>
+                        <a:rPr lang="pt-BR"/>
                         <a:t>Acompanhar frequência</a:t>
                       </a:r>
                     </a:p>
@@ -8643,7 +10591,7 @@
                         <a:buAutoNum type="arabicPeriod"/>
                       </a:pPr>
                       <a:r>
-                        <a:rPr lang="pt-BR" dirty="0"/>
+                        <a:rPr lang="pt-BR"/>
                         <a:t>Emissão de boletim acadêmico</a:t>
                       </a:r>
                     </a:p>
@@ -8724,1763 +10672,6 @@
     <p:extLst>
       <p:ext uri="{BB962C8B-B14F-4D97-AF65-F5344CB8AC3E}">
         <p14:creationId xmlns:p14="http://schemas.microsoft.com/office/powerpoint/2010/main" val="1740556947"/>
-      </p:ext>
-    </p:extLst>
-  </p:cSld>
-  <p:clrMapOvr>
-    <a:masterClrMapping/>
-  </p:clrMapOvr>
-</p:sld>
-</file>
-
-<file path=ppt/slides/slide9.xml><?xml version="1.0" encoding="utf-8"?>
-<p:sld xmlns:a="http://schemas.openxmlformats.org/drawingml/2006/main" xmlns:r="http://schemas.openxmlformats.org/officeDocument/2006/relationships" xmlns:p="http://schemas.openxmlformats.org/presentationml/2006/main">
-  <p:cSld>
-    <p:bg>
-      <p:bgPr>
-        <a:solidFill>
-          <a:schemeClr val="bg1">
-            <a:lumMod val="95000"/>
-          </a:schemeClr>
-        </a:solidFill>
-        <a:effectLst/>
-      </p:bgPr>
-    </p:bg>
-    <p:spTree>
-      <p:nvGrpSpPr>
-        <p:cNvPr id="1" name=""/>
-        <p:cNvGrpSpPr/>
-        <p:nvPr/>
-      </p:nvGrpSpPr>
-      <p:grpSpPr>
-        <a:xfrm>
-          <a:off x="0" y="0"/>
-          <a:ext cx="0" cy="0"/>
-          <a:chOff x="0" y="0"/>
-          <a:chExt cx="0" cy="0"/>
-        </a:xfrm>
-      </p:grpSpPr>
-      <p:sp>
-        <p:nvSpPr>
-          <p:cNvPr id="2" name="Título 1">
-            <a:extLst>
-              <a:ext uri="{FF2B5EF4-FFF2-40B4-BE49-F238E27FC236}">
-                <a16:creationId xmlns:a16="http://schemas.microsoft.com/office/drawing/2014/main" id="{A986CB3F-F52B-49C5-9C65-01D9CEAF5402}"/>
-              </a:ext>
-            </a:extLst>
-          </p:cNvPr>
-          <p:cNvSpPr>
-            <a:spLocks noGrp="1"/>
-          </p:cNvSpPr>
-          <p:nvPr>
-            <p:ph type="title"/>
-          </p:nvPr>
-        </p:nvSpPr>
-        <p:spPr>
-          <a:xfrm>
-            <a:off x="927971" y="-2365"/>
-            <a:ext cx="9404723" cy="952749"/>
-          </a:xfrm>
-        </p:spPr>
-        <p:txBody>
-          <a:bodyPr/>
-          <a:lstStyle/>
-          <a:p>
-            <a:pPr algn="ctr"/>
-            <a:r>
-              <a:rPr lang="pt-BR" b="1" dirty="0">
-                <a:solidFill>
-                  <a:srgbClr val="001E80"/>
-                </a:solidFill>
-                <a:latin typeface="Calibri"/>
-                <a:ea typeface="Calibri"/>
-                <a:cs typeface="Calibri"/>
-              </a:rPr>
-              <a:t>Requisitos do Projeto</a:t>
-            </a:r>
-          </a:p>
-        </p:txBody>
-      </p:sp>
-      <p:graphicFrame>
-        <p:nvGraphicFramePr>
-          <p:cNvPr id="4" name="Tabela 4">
-            <a:extLst>
-              <a:ext uri="{FF2B5EF4-FFF2-40B4-BE49-F238E27FC236}">
-                <a16:creationId xmlns:a16="http://schemas.microsoft.com/office/drawing/2014/main" id="{2CAC85A2-1857-4A14-8CBF-A0C22106FB03}"/>
-              </a:ext>
-            </a:extLst>
-          </p:cNvPr>
-          <p:cNvGraphicFramePr>
-            <a:graphicFrameLocks noGrp="1"/>
-          </p:cNvGraphicFramePr>
-          <p:nvPr>
-            <p:ph idx="1"/>
-            <p:extLst>
-              <p:ext uri="{D42A27DB-BD31-4B8C-83A1-F6EECF244321}">
-                <p14:modId xmlns:p14="http://schemas.microsoft.com/office/powerpoint/2010/main" val="3868015089"/>
-              </p:ext>
-            </p:extLst>
-          </p:nvPr>
-        </p:nvGraphicFramePr>
-        <p:xfrm>
-          <a:off x="275166" y="1587500"/>
-          <a:ext cx="10710331" cy="4953846"/>
-        </p:xfrm>
-        <a:graphic>
-          <a:graphicData uri="http://schemas.openxmlformats.org/drawingml/2006/table">
-            <a:tbl>
-              <a:tblPr firstRow="1" bandRow="1">
-                <a:tableStyleId>{E929F9F4-4A8F-4326-A1B4-22849713DDAB}</a:tableStyleId>
-              </a:tblPr>
-              <a:tblGrid>
-                <a:gridCol w="1177465">
-                  <a:extLst>
-                    <a:ext uri="{9D8B030D-6E8A-4147-A177-3AD203B41FA5}">
-                      <a16:colId xmlns:a16="http://schemas.microsoft.com/office/drawing/2014/main" val="1522440313"/>
-                    </a:ext>
-                  </a:extLst>
-                </a:gridCol>
-                <a:gridCol w="7408332">
-                  <a:extLst>
-                    <a:ext uri="{9D8B030D-6E8A-4147-A177-3AD203B41FA5}">
-                      <a16:colId xmlns:a16="http://schemas.microsoft.com/office/drawing/2014/main" val="3165195424"/>
-                    </a:ext>
-                  </a:extLst>
-                </a:gridCol>
-                <a:gridCol w="2124534">
-                  <a:extLst>
-                    <a:ext uri="{9D8B030D-6E8A-4147-A177-3AD203B41FA5}">
-                      <a16:colId xmlns:a16="http://schemas.microsoft.com/office/drawing/2014/main" val="347449444"/>
-                    </a:ext>
-                  </a:extLst>
-                </a:gridCol>
-              </a:tblGrid>
-              <a:tr h="338666">
-                <a:tc>
-                  <a:txBody>
-                    <a:bodyPr/>
-                    <a:lstStyle/>
-                    <a:p>
-                      <a:pPr algn="ctr"/>
-                      <a:r>
-                        <a:rPr lang="pt-BR" sz="1600" dirty="0"/>
-                        <a:t>ID</a:t>
-                      </a:r>
-                    </a:p>
-                  </a:txBody>
-                  <a:tcPr>
-                    <a:lnL w="12700">
-                      <a:solidFill>
-                        <a:schemeClr val="tx1"/>
-                      </a:solidFill>
-                    </a:lnL>
-                    <a:lnR w="12700">
-                      <a:solidFill>
-                        <a:schemeClr val="tx1"/>
-                      </a:solidFill>
-                    </a:lnR>
-                    <a:lnT w="12700">
-                      <a:solidFill>
-                        <a:schemeClr val="tx1"/>
-                      </a:solidFill>
-                    </a:lnT>
-                    <a:lnB w="12700">
-                      <a:solidFill>
-                        <a:schemeClr val="tx1"/>
-                      </a:solidFill>
-                    </a:lnB>
-                    <a:solidFill>
-                      <a:srgbClr val="001E80"/>
-                    </a:solidFill>
-                  </a:tcPr>
-                </a:tc>
-                <a:tc>
-                  <a:txBody>
-                    <a:bodyPr/>
-                    <a:lstStyle/>
-                    <a:p>
-                      <a:pPr algn="ctr"/>
-                      <a:r>
-                        <a:rPr lang="pt-BR" sz="1600" dirty="0"/>
-                        <a:t>Descrição</a:t>
-                      </a:r>
-                    </a:p>
-                  </a:txBody>
-                  <a:tcPr>
-                    <a:lnL w="12700">
-                      <a:solidFill>
-                        <a:schemeClr val="tx1"/>
-                      </a:solidFill>
-                    </a:lnL>
-                    <a:lnR w="12700">
-                      <a:solidFill>
-                        <a:schemeClr val="tx1"/>
-                      </a:solidFill>
-                    </a:lnR>
-                    <a:lnT w="12700">
-                      <a:solidFill>
-                        <a:schemeClr val="tx1"/>
-                      </a:solidFill>
-                    </a:lnT>
-                    <a:lnB w="12700">
-                      <a:solidFill>
-                        <a:schemeClr val="tx1"/>
-                      </a:solidFill>
-                    </a:lnB>
-                    <a:solidFill>
-                      <a:srgbClr val="001E80"/>
-                    </a:solidFill>
-                  </a:tcPr>
-                </a:tc>
-                <a:tc>
-                  <a:txBody>
-                    <a:bodyPr/>
-                    <a:lstStyle/>
-                    <a:p>
-                      <a:pPr algn="ctr"/>
-                      <a:r>
-                        <a:rPr lang="pt-BR" sz="1600" dirty="0"/>
-                        <a:t>Prioridade</a:t>
-                      </a:r>
-                    </a:p>
-                  </a:txBody>
-                  <a:tcPr>
-                    <a:lnL w="12700">
-                      <a:solidFill>
-                        <a:schemeClr val="tx1"/>
-                      </a:solidFill>
-                    </a:lnL>
-                    <a:lnR w="12700">
-                      <a:solidFill>
-                        <a:schemeClr val="tx1"/>
-                      </a:solidFill>
-                    </a:lnR>
-                    <a:lnT w="12700">
-                      <a:solidFill>
-                        <a:schemeClr val="tx1"/>
-                      </a:solidFill>
-                    </a:lnT>
-                    <a:lnB w="12700">
-                      <a:solidFill>
-                        <a:schemeClr val="tx1"/>
-                      </a:solidFill>
-                    </a:lnB>
-                    <a:solidFill>
-                      <a:srgbClr val="001E80"/>
-                    </a:solidFill>
-                  </a:tcPr>
-                </a:tc>
-                <a:extLst>
-                  <a:ext uri="{0D108BD9-81ED-4DB2-BD59-A6C34878D82A}">
-                    <a16:rowId xmlns:a16="http://schemas.microsoft.com/office/drawing/2014/main" val="3033733891"/>
-                  </a:ext>
-                </a:extLst>
-              </a:tr>
-              <a:tr h="370840">
-                <a:tc>
-                  <a:txBody>
-                    <a:bodyPr/>
-                    <a:lstStyle/>
-                    <a:p>
-                      <a:pPr algn="ctr"/>
-                      <a:r>
-                        <a:rPr lang="pt-BR" sz="1400" dirty="0"/>
-                        <a:t>RF- 01</a:t>
-                      </a:r>
-                    </a:p>
-                  </a:txBody>
-                  <a:tcPr>
-                    <a:lnL w="12700">
-                      <a:solidFill>
-                        <a:schemeClr val="tx1"/>
-                      </a:solidFill>
-                    </a:lnL>
-                    <a:lnR w="12700">
-                      <a:solidFill>
-                        <a:schemeClr val="tx1"/>
-                      </a:solidFill>
-                    </a:lnR>
-                    <a:lnT w="12700">
-                      <a:solidFill>
-                        <a:schemeClr val="tx1"/>
-                      </a:solidFill>
-                    </a:lnT>
-                    <a:lnB w="12700">
-                      <a:solidFill>
-                        <a:schemeClr val="tx1"/>
-                      </a:solidFill>
-                    </a:lnB>
-                    <a:solidFill>
-                      <a:srgbClr val="626F99"/>
-                    </a:solidFill>
-                  </a:tcPr>
-                </a:tc>
-                <a:tc>
-                  <a:txBody>
-                    <a:bodyPr/>
-                    <a:lstStyle/>
-                    <a:p>
-                      <a:r>
-                        <a:rPr lang="pt-BR" sz="1400" dirty="0"/>
-                        <a:t>Deve ter uma tela de Login com distinção de perfil do usuário	</a:t>
-                      </a:r>
-                    </a:p>
-                  </a:txBody>
-                  <a:tcPr>
-                    <a:lnL w="12700">
-                      <a:solidFill>
-                        <a:schemeClr val="tx1"/>
-                      </a:solidFill>
-                    </a:lnL>
-                    <a:lnR w="12700">
-                      <a:solidFill>
-                        <a:schemeClr val="tx1"/>
-                      </a:solidFill>
-                    </a:lnR>
-                    <a:lnT w="12700">
-                      <a:solidFill>
-                        <a:schemeClr val="tx1"/>
-                      </a:solidFill>
-                    </a:lnT>
-                    <a:lnB w="12700">
-                      <a:solidFill>
-                        <a:schemeClr val="tx1"/>
-                      </a:solidFill>
-                    </a:lnB>
-                    <a:solidFill>
-                      <a:srgbClr val="626F99"/>
-                    </a:solidFill>
-                  </a:tcPr>
-                </a:tc>
-                <a:tc>
-                  <a:txBody>
-                    <a:bodyPr/>
-                    <a:lstStyle/>
-                    <a:p>
-                      <a:pPr algn="ctr"/>
-                      <a:r>
-                        <a:rPr lang="pt-BR" sz="1400" dirty="0"/>
-                        <a:t>Alta</a:t>
-                      </a:r>
-                    </a:p>
-                  </a:txBody>
-                  <a:tcPr>
-                    <a:lnL w="12700">
-                      <a:solidFill>
-                        <a:schemeClr val="tx1"/>
-                      </a:solidFill>
-                    </a:lnL>
-                    <a:lnR w="12700">
-                      <a:solidFill>
-                        <a:schemeClr val="tx1"/>
-                      </a:solidFill>
-                    </a:lnR>
-                    <a:lnT w="12700">
-                      <a:solidFill>
-                        <a:schemeClr val="tx1"/>
-                      </a:solidFill>
-                    </a:lnT>
-                    <a:lnB w="12700">
-                      <a:solidFill>
-                        <a:schemeClr val="tx1"/>
-                      </a:solidFill>
-                    </a:lnB>
-                    <a:solidFill>
-                      <a:srgbClr val="626F99"/>
-                    </a:solidFill>
-                  </a:tcPr>
-                </a:tc>
-                <a:extLst>
-                  <a:ext uri="{0D108BD9-81ED-4DB2-BD59-A6C34878D82A}">
-                    <a16:rowId xmlns:a16="http://schemas.microsoft.com/office/drawing/2014/main" val="2388096391"/>
-                  </a:ext>
-                </a:extLst>
-              </a:tr>
-              <a:tr h="370840">
-                <a:tc>
-                  <a:txBody>
-                    <a:bodyPr/>
-                    <a:lstStyle/>
-                    <a:p>
-                      <a:pPr algn="ctr"/>
-                      <a:r>
-                        <a:rPr lang="pt-BR" sz="1400" dirty="0"/>
-                        <a:t>RF- 02</a:t>
-                      </a:r>
-                    </a:p>
-                  </a:txBody>
-                  <a:tcPr>
-                    <a:lnL w="12700">
-                      <a:solidFill>
-                        <a:schemeClr val="tx1"/>
-                      </a:solidFill>
-                    </a:lnL>
-                    <a:lnR w="12700">
-                      <a:solidFill>
-                        <a:schemeClr val="tx1"/>
-                      </a:solidFill>
-                    </a:lnR>
-                    <a:lnT w="12700">
-                      <a:solidFill>
-                        <a:schemeClr val="tx1"/>
-                      </a:solidFill>
-                    </a:lnT>
-                    <a:lnB w="12700">
-                      <a:solidFill>
-                        <a:schemeClr val="tx1"/>
-                      </a:solidFill>
-                    </a:lnB>
-                    <a:solidFill>
-                      <a:srgbClr val="626F99"/>
-                    </a:solidFill>
-                  </a:tcPr>
-                </a:tc>
-                <a:tc>
-                  <a:txBody>
-                    <a:bodyPr/>
-                    <a:lstStyle/>
-                    <a:p>
-                      <a:r>
-                        <a:rPr lang="pt-BR" sz="1400" dirty="0"/>
-                        <a:t>CRUD de Dados de Alunos (Deve ser possível cadastrar, editar, visualizar e excluir um Aluno)	</a:t>
-                      </a:r>
-                    </a:p>
-                  </a:txBody>
-                  <a:tcPr>
-                    <a:lnL w="12700">
-                      <a:solidFill>
-                        <a:schemeClr val="tx1"/>
-                      </a:solidFill>
-                    </a:lnL>
-                    <a:lnR w="12700">
-                      <a:solidFill>
-                        <a:schemeClr val="tx1"/>
-                      </a:solidFill>
-                    </a:lnR>
-                    <a:lnT w="12700">
-                      <a:solidFill>
-                        <a:schemeClr val="tx1"/>
-                      </a:solidFill>
-                    </a:lnT>
-                    <a:lnB w="12700">
-                      <a:solidFill>
-                        <a:schemeClr val="tx1"/>
-                      </a:solidFill>
-                    </a:lnB>
-                    <a:solidFill>
-                      <a:srgbClr val="626F99"/>
-                    </a:solidFill>
-                  </a:tcPr>
-                </a:tc>
-                <a:tc>
-                  <a:txBody>
-                    <a:bodyPr/>
-                    <a:lstStyle/>
-                    <a:p>
-                      <a:pPr algn="ctr"/>
-                      <a:r>
-                        <a:rPr lang="pt-BR" sz="1400" dirty="0"/>
-                        <a:t>Alta</a:t>
-                      </a:r>
-                    </a:p>
-                  </a:txBody>
-                  <a:tcPr>
-                    <a:lnL w="12700">
-                      <a:solidFill>
-                        <a:schemeClr val="tx1"/>
-                      </a:solidFill>
-                    </a:lnL>
-                    <a:lnR w="12700">
-                      <a:solidFill>
-                        <a:schemeClr val="tx1"/>
-                      </a:solidFill>
-                    </a:lnR>
-                    <a:lnT w="12700">
-                      <a:solidFill>
-                        <a:schemeClr val="tx1"/>
-                      </a:solidFill>
-                    </a:lnT>
-                    <a:lnB w="12700">
-                      <a:solidFill>
-                        <a:schemeClr val="tx1"/>
-                      </a:solidFill>
-                    </a:lnB>
-                    <a:solidFill>
-                      <a:srgbClr val="626F99"/>
-                    </a:solidFill>
-                  </a:tcPr>
-                </a:tc>
-                <a:extLst>
-                  <a:ext uri="{0D108BD9-81ED-4DB2-BD59-A6C34878D82A}">
-                    <a16:rowId xmlns:a16="http://schemas.microsoft.com/office/drawing/2014/main" val="3490318972"/>
-                  </a:ext>
-                </a:extLst>
-              </a:tr>
-              <a:tr h="370840">
-                <a:tc>
-                  <a:txBody>
-                    <a:bodyPr/>
-                    <a:lstStyle/>
-                    <a:p>
-                      <a:pPr algn="ctr"/>
-                      <a:r>
-                        <a:rPr lang="pt-BR" sz="1400" dirty="0"/>
-                        <a:t>RF- 03</a:t>
-                      </a:r>
-                    </a:p>
-                  </a:txBody>
-                  <a:tcPr>
-                    <a:lnL w="12700">
-                      <a:solidFill>
-                        <a:schemeClr val="tx1"/>
-                      </a:solidFill>
-                    </a:lnL>
-                    <a:lnR w="12700">
-                      <a:solidFill>
-                        <a:schemeClr val="tx1"/>
-                      </a:solidFill>
-                    </a:lnR>
-                    <a:lnT w="12700">
-                      <a:solidFill>
-                        <a:schemeClr val="tx1"/>
-                      </a:solidFill>
-                    </a:lnT>
-                    <a:lnB w="12700">
-                      <a:solidFill>
-                        <a:schemeClr val="tx1"/>
-                      </a:solidFill>
-                    </a:lnB>
-                    <a:solidFill>
-                      <a:srgbClr val="626F99"/>
-                    </a:solidFill>
-                  </a:tcPr>
-                </a:tc>
-                <a:tc>
-                  <a:txBody>
-                    <a:bodyPr/>
-                    <a:lstStyle/>
-                    <a:p>
-                      <a:r>
-                        <a:rPr lang="pt-BR" sz="1400" dirty="0"/>
-                        <a:t>Deve ser possível desativar a matrícula de um aluno no sistema	</a:t>
-                      </a:r>
-                    </a:p>
-                  </a:txBody>
-                  <a:tcPr>
-                    <a:lnL w="12700">
-                      <a:solidFill>
-                        <a:schemeClr val="tx1"/>
-                      </a:solidFill>
-                    </a:lnL>
-                    <a:lnR w="12700">
-                      <a:solidFill>
-                        <a:schemeClr val="tx1"/>
-                      </a:solidFill>
-                    </a:lnR>
-                    <a:lnT w="12700">
-                      <a:solidFill>
-                        <a:schemeClr val="tx1"/>
-                      </a:solidFill>
-                    </a:lnT>
-                    <a:lnB w="12700">
-                      <a:solidFill>
-                        <a:schemeClr val="tx1"/>
-                      </a:solidFill>
-                    </a:lnB>
-                    <a:solidFill>
-                      <a:srgbClr val="626F99"/>
-                    </a:solidFill>
-                  </a:tcPr>
-                </a:tc>
-                <a:tc>
-                  <a:txBody>
-                    <a:bodyPr/>
-                    <a:lstStyle/>
-                    <a:p>
-                      <a:pPr algn="ctr"/>
-                      <a:r>
-                        <a:rPr lang="pt-BR" sz="1400" dirty="0"/>
-                        <a:t>Média</a:t>
-                      </a:r>
-                    </a:p>
-                  </a:txBody>
-                  <a:tcPr>
-                    <a:lnL w="12700">
-                      <a:solidFill>
-                        <a:schemeClr val="tx1"/>
-                      </a:solidFill>
-                    </a:lnL>
-                    <a:lnR w="12700">
-                      <a:solidFill>
-                        <a:schemeClr val="tx1"/>
-                      </a:solidFill>
-                    </a:lnR>
-                    <a:lnT w="12700">
-                      <a:solidFill>
-                        <a:schemeClr val="tx1"/>
-                      </a:solidFill>
-                    </a:lnT>
-                    <a:lnB w="12700">
-                      <a:solidFill>
-                        <a:schemeClr val="tx1"/>
-                      </a:solidFill>
-                    </a:lnB>
-                    <a:solidFill>
-                      <a:srgbClr val="626F99"/>
-                    </a:solidFill>
-                  </a:tcPr>
-                </a:tc>
-                <a:extLst>
-                  <a:ext uri="{0D108BD9-81ED-4DB2-BD59-A6C34878D82A}">
-                    <a16:rowId xmlns:a16="http://schemas.microsoft.com/office/drawing/2014/main" val="690012614"/>
-                  </a:ext>
-                </a:extLst>
-              </a:tr>
-              <a:tr h="370840">
-                <a:tc>
-                  <a:txBody>
-                    <a:bodyPr/>
-                    <a:lstStyle/>
-                    <a:p>
-                      <a:pPr algn="ctr"/>
-                      <a:r>
-                        <a:rPr lang="pt-BR" sz="1400" b="0" i="0" kern="1200" dirty="0">
-                          <a:solidFill>
-                            <a:schemeClr val="lt1"/>
-                          </a:solidFill>
-                          <a:effectLst/>
-                          <a:latin typeface="+mn-lt"/>
-                          <a:ea typeface="+mn-ea"/>
-                          <a:cs typeface="+mn-cs"/>
-                        </a:rPr>
-                        <a:t>RF- 04</a:t>
-                      </a:r>
-                      <a:endParaRPr lang="pt-BR" sz="1400" dirty="0"/>
-                    </a:p>
-                  </a:txBody>
-                  <a:tcPr>
-                    <a:lnL w="12700">
-                      <a:solidFill>
-                        <a:schemeClr val="tx1"/>
-                      </a:solidFill>
-                    </a:lnL>
-                    <a:lnR w="12700">
-                      <a:solidFill>
-                        <a:schemeClr val="tx1"/>
-                      </a:solidFill>
-                    </a:lnR>
-                    <a:lnT w="12700">
-                      <a:solidFill>
-                        <a:schemeClr val="tx1"/>
-                      </a:solidFill>
-                    </a:lnT>
-                    <a:lnB w="12700">
-                      <a:solidFill>
-                        <a:schemeClr val="tx1"/>
-                      </a:solidFill>
-                    </a:lnB>
-                    <a:solidFill>
-                      <a:srgbClr val="626F99"/>
-                    </a:solidFill>
-                  </a:tcPr>
-                </a:tc>
-                <a:tc>
-                  <a:txBody>
-                    <a:bodyPr/>
-                    <a:lstStyle/>
-                    <a:p>
-                      <a:r>
-                        <a:rPr lang="pt-BR" sz="1400" dirty="0"/>
-                        <a:t>Usuários autorizados devem conseguir cadastrar novas turmas no sistema	</a:t>
-                      </a:r>
-                    </a:p>
-                  </a:txBody>
-                  <a:tcPr>
-                    <a:lnL w="12700">
-                      <a:solidFill>
-                        <a:schemeClr val="tx1"/>
-                      </a:solidFill>
-                    </a:lnL>
-                    <a:lnR w="12700">
-                      <a:solidFill>
-                        <a:schemeClr val="tx1"/>
-                      </a:solidFill>
-                    </a:lnR>
-                    <a:lnT w="12700">
-                      <a:solidFill>
-                        <a:schemeClr val="tx1"/>
-                      </a:solidFill>
-                    </a:lnT>
-                    <a:lnB w="12700">
-                      <a:solidFill>
-                        <a:schemeClr val="tx1"/>
-                      </a:solidFill>
-                    </a:lnB>
-                    <a:solidFill>
-                      <a:srgbClr val="626F99"/>
-                    </a:solidFill>
-                  </a:tcPr>
-                </a:tc>
-                <a:tc>
-                  <a:txBody>
-                    <a:bodyPr/>
-                    <a:lstStyle/>
-                    <a:p>
-                      <a:pPr algn="ctr"/>
-                      <a:r>
-                        <a:rPr lang="pt-BR" sz="1400" dirty="0"/>
-                        <a:t>Baixa</a:t>
-                      </a:r>
-                    </a:p>
-                  </a:txBody>
-                  <a:tcPr>
-                    <a:lnL w="12700">
-                      <a:solidFill>
-                        <a:schemeClr val="tx1"/>
-                      </a:solidFill>
-                    </a:lnL>
-                    <a:lnR w="12700">
-                      <a:solidFill>
-                        <a:schemeClr val="tx1"/>
-                      </a:solidFill>
-                    </a:lnR>
-                    <a:lnT w="12700">
-                      <a:solidFill>
-                        <a:schemeClr val="tx1"/>
-                      </a:solidFill>
-                    </a:lnT>
-                    <a:lnB w="12700">
-                      <a:solidFill>
-                        <a:schemeClr val="tx1"/>
-                      </a:solidFill>
-                    </a:lnB>
-                    <a:solidFill>
-                      <a:srgbClr val="626F99"/>
-                    </a:solidFill>
-                  </a:tcPr>
-                </a:tc>
-                <a:extLst>
-                  <a:ext uri="{0D108BD9-81ED-4DB2-BD59-A6C34878D82A}">
-                    <a16:rowId xmlns:a16="http://schemas.microsoft.com/office/drawing/2014/main" val="1425178870"/>
-                  </a:ext>
-                </a:extLst>
-              </a:tr>
-              <a:tr h="370840">
-                <a:tc>
-                  <a:txBody>
-                    <a:bodyPr/>
-                    <a:lstStyle/>
-                    <a:p>
-                      <a:pPr algn="ctr"/>
-                      <a:r>
-                        <a:rPr lang="pt-BR" sz="1400" b="0" i="0" kern="1200" dirty="0">
-                          <a:solidFill>
-                            <a:schemeClr val="lt1"/>
-                          </a:solidFill>
-                          <a:effectLst/>
-                          <a:latin typeface="+mn-lt"/>
-                          <a:ea typeface="+mn-ea"/>
-                          <a:cs typeface="+mn-cs"/>
-                        </a:rPr>
-                        <a:t>RF- 05</a:t>
-                      </a:r>
-                      <a:endParaRPr lang="pt-BR" sz="1400" dirty="0"/>
-                    </a:p>
-                  </a:txBody>
-                  <a:tcPr>
-                    <a:lnL w="12700">
-                      <a:solidFill>
-                        <a:schemeClr val="tx1"/>
-                      </a:solidFill>
-                    </a:lnL>
-                    <a:lnR w="12700">
-                      <a:solidFill>
-                        <a:schemeClr val="tx1"/>
-                      </a:solidFill>
-                    </a:lnR>
-                    <a:lnT w="12700">
-                      <a:solidFill>
-                        <a:schemeClr val="tx1"/>
-                      </a:solidFill>
-                    </a:lnT>
-                    <a:lnB w="12700">
-                      <a:solidFill>
-                        <a:schemeClr val="tx1"/>
-                      </a:solidFill>
-                    </a:lnB>
-                    <a:solidFill>
-                      <a:srgbClr val="626F99"/>
-                    </a:solidFill>
-                  </a:tcPr>
-                </a:tc>
-                <a:tc>
-                  <a:txBody>
-                    <a:bodyPr/>
-                    <a:lstStyle/>
-                    <a:p>
-                      <a:r>
-                        <a:rPr lang="pt-BR" sz="1400" dirty="0"/>
-                        <a:t>CRUD de Turma (Deve ser possível cadastrar, editar, inserir Alunos, visualizar e excluir uma Turma)	</a:t>
-                      </a:r>
-                    </a:p>
-                  </a:txBody>
-                  <a:tcPr>
-                    <a:lnL w="12700">
-                      <a:solidFill>
-                        <a:schemeClr val="tx1"/>
-                      </a:solidFill>
-                    </a:lnL>
-                    <a:lnR w="12700">
-                      <a:solidFill>
-                        <a:schemeClr val="tx1"/>
-                      </a:solidFill>
-                    </a:lnR>
-                    <a:lnT w="12700">
-                      <a:solidFill>
-                        <a:schemeClr val="tx1"/>
-                      </a:solidFill>
-                    </a:lnT>
-                    <a:lnB w="12700">
-                      <a:solidFill>
-                        <a:schemeClr val="tx1"/>
-                      </a:solidFill>
-                    </a:lnB>
-                    <a:solidFill>
-                      <a:srgbClr val="626F99"/>
-                    </a:solidFill>
-                  </a:tcPr>
-                </a:tc>
-                <a:tc>
-                  <a:txBody>
-                    <a:bodyPr/>
-                    <a:lstStyle/>
-                    <a:p>
-                      <a:pPr algn="ctr"/>
-                      <a:r>
-                        <a:rPr lang="pt-BR" sz="1400" dirty="0"/>
-                        <a:t>Alta</a:t>
-                      </a:r>
-                    </a:p>
-                  </a:txBody>
-                  <a:tcPr>
-                    <a:lnL w="12700">
-                      <a:solidFill>
-                        <a:schemeClr val="tx1"/>
-                      </a:solidFill>
-                    </a:lnL>
-                    <a:lnR w="12700">
-                      <a:solidFill>
-                        <a:schemeClr val="tx1"/>
-                      </a:solidFill>
-                    </a:lnR>
-                    <a:lnT w="12700">
-                      <a:solidFill>
-                        <a:schemeClr val="tx1"/>
-                      </a:solidFill>
-                    </a:lnT>
-                    <a:lnB w="12700">
-                      <a:solidFill>
-                        <a:schemeClr val="tx1"/>
-                      </a:solidFill>
-                    </a:lnB>
-                    <a:solidFill>
-                      <a:srgbClr val="626F99"/>
-                    </a:solidFill>
-                  </a:tcPr>
-                </a:tc>
-                <a:extLst>
-                  <a:ext uri="{0D108BD9-81ED-4DB2-BD59-A6C34878D82A}">
-                    <a16:rowId xmlns:a16="http://schemas.microsoft.com/office/drawing/2014/main" val="1567739941"/>
-                  </a:ext>
-                </a:extLst>
-              </a:tr>
-              <a:tr h="370840">
-                <a:tc>
-                  <a:txBody>
-                    <a:bodyPr/>
-                    <a:lstStyle/>
-                    <a:p>
-                      <a:pPr algn="ctr"/>
-                      <a:r>
-                        <a:rPr lang="pt-BR" sz="1400" b="0" i="0" dirty="0">
-                          <a:solidFill>
-                            <a:srgbClr val="E6EDF3"/>
-                          </a:solidFill>
-                          <a:effectLst/>
-                          <a:latin typeface="-apple-system"/>
-                        </a:rPr>
-                        <a:t>RF- 06</a:t>
-                      </a:r>
-                      <a:endParaRPr lang="pt-BR" sz="1400" dirty="0"/>
-                    </a:p>
-                  </a:txBody>
-                  <a:tcPr>
-                    <a:lnL w="12700">
-                      <a:solidFill>
-                        <a:schemeClr val="tx1"/>
-                      </a:solidFill>
-                    </a:lnL>
-                    <a:lnR w="12700">
-                      <a:solidFill>
-                        <a:schemeClr val="tx1"/>
-                      </a:solidFill>
-                    </a:lnR>
-                    <a:lnT w="12700">
-                      <a:solidFill>
-                        <a:schemeClr val="tx1"/>
-                      </a:solidFill>
-                    </a:lnT>
-                    <a:lnB w="12700">
-                      <a:solidFill>
-                        <a:schemeClr val="tx1"/>
-                      </a:solidFill>
-                    </a:lnB>
-                    <a:solidFill>
-                      <a:srgbClr val="626F99"/>
-                    </a:solidFill>
-                  </a:tcPr>
-                </a:tc>
-                <a:tc>
-                  <a:txBody>
-                    <a:bodyPr/>
-                    <a:lstStyle/>
-                    <a:p>
-                      <a:r>
-                        <a:rPr lang="pt-BR" sz="1400" dirty="0"/>
-                        <a:t>Deve ser possível cadastrar/ matricular aluno em uma turma especifica no sistema	</a:t>
-                      </a:r>
-                    </a:p>
-                  </a:txBody>
-                  <a:tcPr>
-                    <a:lnL w="12700">
-                      <a:solidFill>
-                        <a:schemeClr val="tx1"/>
-                      </a:solidFill>
-                    </a:lnL>
-                    <a:lnR w="12700">
-                      <a:solidFill>
-                        <a:schemeClr val="tx1"/>
-                      </a:solidFill>
-                    </a:lnR>
-                    <a:lnT w="12700">
-                      <a:solidFill>
-                        <a:schemeClr val="tx1"/>
-                      </a:solidFill>
-                    </a:lnT>
-                    <a:lnB w="12700">
-                      <a:solidFill>
-                        <a:schemeClr val="tx1"/>
-                      </a:solidFill>
-                    </a:lnB>
-                    <a:solidFill>
-                      <a:srgbClr val="626F99"/>
-                    </a:solidFill>
-                  </a:tcPr>
-                </a:tc>
-                <a:tc>
-                  <a:txBody>
-                    <a:bodyPr/>
-                    <a:lstStyle/>
-                    <a:p>
-                      <a:pPr algn="ctr"/>
-                      <a:r>
-                        <a:rPr lang="pt-BR" sz="1400" dirty="0"/>
-                        <a:t>Baixa</a:t>
-                      </a:r>
-                    </a:p>
-                  </a:txBody>
-                  <a:tcPr>
-                    <a:lnL w="12700">
-                      <a:solidFill>
-                        <a:schemeClr val="tx1"/>
-                      </a:solidFill>
-                    </a:lnL>
-                    <a:lnR w="12700">
-                      <a:solidFill>
-                        <a:schemeClr val="tx1"/>
-                      </a:solidFill>
-                    </a:lnR>
-                    <a:lnT w="12700">
-                      <a:solidFill>
-                        <a:schemeClr val="tx1"/>
-                      </a:solidFill>
-                    </a:lnT>
-                    <a:lnB w="12700">
-                      <a:solidFill>
-                        <a:schemeClr val="tx1"/>
-                      </a:solidFill>
-                    </a:lnB>
-                    <a:solidFill>
-                      <a:srgbClr val="626F99"/>
-                    </a:solidFill>
-                  </a:tcPr>
-                </a:tc>
-                <a:extLst>
-                  <a:ext uri="{0D108BD9-81ED-4DB2-BD59-A6C34878D82A}">
-                    <a16:rowId xmlns:a16="http://schemas.microsoft.com/office/drawing/2014/main" val="1359990596"/>
-                  </a:ext>
-                </a:extLst>
-              </a:tr>
-              <a:tr h="370840">
-                <a:tc>
-                  <a:txBody>
-                    <a:bodyPr/>
-                    <a:lstStyle/>
-                    <a:p>
-                      <a:pPr algn="ctr"/>
-                      <a:r>
-                        <a:rPr lang="pt-BR" sz="1400" b="0" i="0" dirty="0">
-                          <a:solidFill>
-                            <a:srgbClr val="E6EDF3"/>
-                          </a:solidFill>
-                          <a:effectLst/>
-                          <a:latin typeface="-apple-system"/>
-                        </a:rPr>
-                        <a:t>RF- 07</a:t>
-                      </a:r>
-                      <a:endParaRPr lang="pt-BR" sz="1400" dirty="0"/>
-                    </a:p>
-                  </a:txBody>
-                  <a:tcPr>
-                    <a:lnL w="12700">
-                      <a:solidFill>
-                        <a:schemeClr val="tx1"/>
-                      </a:solidFill>
-                    </a:lnL>
-                    <a:lnR w="12700">
-                      <a:solidFill>
-                        <a:schemeClr val="tx1"/>
-                      </a:solidFill>
-                    </a:lnR>
-                    <a:lnT w="12700">
-                      <a:solidFill>
-                        <a:schemeClr val="tx1"/>
-                      </a:solidFill>
-                    </a:lnT>
-                    <a:lnB w="12700">
-                      <a:solidFill>
-                        <a:schemeClr val="tx1"/>
-                      </a:solidFill>
-                    </a:lnB>
-                    <a:solidFill>
-                      <a:srgbClr val="626F99"/>
-                    </a:solidFill>
-                  </a:tcPr>
-                </a:tc>
-                <a:tc>
-                  <a:txBody>
-                    <a:bodyPr/>
-                    <a:lstStyle/>
-                    <a:p>
-                      <a:r>
-                        <a:rPr lang="pt-BR" sz="1400" dirty="0"/>
-                        <a:t>Usuários autorizados devem conseguir cancelar matrícula de um aluno no sistema	</a:t>
-                      </a:r>
-                    </a:p>
-                  </a:txBody>
-                  <a:tcPr>
-                    <a:lnL w="12700">
-                      <a:solidFill>
-                        <a:schemeClr val="tx1"/>
-                      </a:solidFill>
-                    </a:lnL>
-                    <a:lnR w="12700">
-                      <a:solidFill>
-                        <a:schemeClr val="tx1"/>
-                      </a:solidFill>
-                    </a:lnR>
-                    <a:lnT w="12700">
-                      <a:solidFill>
-                        <a:schemeClr val="tx1"/>
-                      </a:solidFill>
-                    </a:lnT>
-                    <a:lnB w="12700">
-                      <a:solidFill>
-                        <a:schemeClr val="tx1"/>
-                      </a:solidFill>
-                    </a:lnB>
-                    <a:solidFill>
-                      <a:srgbClr val="626F99"/>
-                    </a:solidFill>
-                  </a:tcPr>
-                </a:tc>
-                <a:tc>
-                  <a:txBody>
-                    <a:bodyPr/>
-                    <a:lstStyle/>
-                    <a:p>
-                      <a:pPr algn="ctr"/>
-                      <a:r>
-                        <a:rPr lang="pt-BR" sz="1400" dirty="0"/>
-                        <a:t>Alta</a:t>
-                      </a:r>
-                    </a:p>
-                  </a:txBody>
-                  <a:tcPr>
-                    <a:lnL w="12700">
-                      <a:solidFill>
-                        <a:schemeClr val="tx1"/>
-                      </a:solidFill>
-                    </a:lnL>
-                    <a:lnR w="12700">
-                      <a:solidFill>
-                        <a:schemeClr val="tx1"/>
-                      </a:solidFill>
-                    </a:lnR>
-                    <a:lnT w="12700">
-                      <a:solidFill>
-                        <a:schemeClr val="tx1"/>
-                      </a:solidFill>
-                    </a:lnT>
-                    <a:lnB w="12700">
-                      <a:solidFill>
-                        <a:schemeClr val="tx1"/>
-                      </a:solidFill>
-                    </a:lnB>
-                    <a:solidFill>
-                      <a:srgbClr val="626F99"/>
-                    </a:solidFill>
-                  </a:tcPr>
-                </a:tc>
-                <a:extLst>
-                  <a:ext uri="{0D108BD9-81ED-4DB2-BD59-A6C34878D82A}">
-                    <a16:rowId xmlns:a16="http://schemas.microsoft.com/office/drawing/2014/main" val="4144847268"/>
-                  </a:ext>
-                </a:extLst>
-              </a:tr>
-              <a:tr h="370840">
-                <a:tc>
-                  <a:txBody>
-                    <a:bodyPr/>
-                    <a:lstStyle/>
-                    <a:p>
-                      <a:pPr algn="ctr"/>
-                      <a:r>
-                        <a:rPr lang="pt-BR" sz="1400" b="0" i="0" dirty="0">
-                          <a:solidFill>
-                            <a:srgbClr val="E6EDF3"/>
-                          </a:solidFill>
-                          <a:effectLst/>
-                          <a:latin typeface="-apple-system"/>
-                        </a:rPr>
-                        <a:t>RF- 08</a:t>
-                      </a:r>
-                      <a:endParaRPr lang="pt-BR" sz="1400" dirty="0"/>
-                    </a:p>
-                  </a:txBody>
-                  <a:tcPr>
-                    <a:lnL w="12700">
-                      <a:solidFill>
-                        <a:schemeClr val="tx1"/>
-                      </a:solidFill>
-                    </a:lnL>
-                    <a:lnR w="12700">
-                      <a:solidFill>
-                        <a:schemeClr val="tx1"/>
-                      </a:solidFill>
-                    </a:lnR>
-                    <a:lnT w="12700">
-                      <a:solidFill>
-                        <a:schemeClr val="tx1"/>
-                      </a:solidFill>
-                    </a:lnT>
-                    <a:lnB w="12700">
-                      <a:solidFill>
-                        <a:schemeClr val="tx1"/>
-                      </a:solidFill>
-                    </a:lnB>
-                    <a:solidFill>
-                      <a:srgbClr val="626F99"/>
-                    </a:solidFill>
-                  </a:tcPr>
-                </a:tc>
-                <a:tc>
-                  <a:txBody>
-                    <a:bodyPr/>
-                    <a:lstStyle/>
-                    <a:p>
-                      <a:r>
-                        <a:rPr lang="pt-BR" sz="1400" dirty="0"/>
-                        <a:t>Emitir Declaração de Matrícula	</a:t>
-                      </a:r>
-                    </a:p>
-                  </a:txBody>
-                  <a:tcPr>
-                    <a:lnL w="12700">
-                      <a:solidFill>
-                        <a:schemeClr val="tx1"/>
-                      </a:solidFill>
-                    </a:lnL>
-                    <a:lnR w="12700">
-                      <a:solidFill>
-                        <a:schemeClr val="tx1"/>
-                      </a:solidFill>
-                    </a:lnR>
-                    <a:lnT w="12700">
-                      <a:solidFill>
-                        <a:schemeClr val="tx1"/>
-                      </a:solidFill>
-                    </a:lnT>
-                    <a:lnB w="12700">
-                      <a:solidFill>
-                        <a:schemeClr val="tx1"/>
-                      </a:solidFill>
-                    </a:lnB>
-                    <a:solidFill>
-                      <a:srgbClr val="626F99"/>
-                    </a:solidFill>
-                  </a:tcPr>
-                </a:tc>
-                <a:tc>
-                  <a:txBody>
-                    <a:bodyPr/>
-                    <a:lstStyle/>
-                    <a:p>
-                      <a:pPr algn="ctr"/>
-                      <a:r>
-                        <a:rPr lang="pt-BR" sz="1400" dirty="0"/>
-                        <a:t>Média</a:t>
-                      </a:r>
-                    </a:p>
-                  </a:txBody>
-                  <a:tcPr>
-                    <a:lnL w="12700">
-                      <a:solidFill>
-                        <a:schemeClr val="tx1"/>
-                      </a:solidFill>
-                    </a:lnL>
-                    <a:lnR w="12700">
-                      <a:solidFill>
-                        <a:schemeClr val="tx1"/>
-                      </a:solidFill>
-                    </a:lnR>
-                    <a:lnT w="12700">
-                      <a:solidFill>
-                        <a:schemeClr val="tx1"/>
-                      </a:solidFill>
-                    </a:lnT>
-                    <a:lnB w="12700">
-                      <a:solidFill>
-                        <a:schemeClr val="tx1"/>
-                      </a:solidFill>
-                    </a:lnB>
-                    <a:solidFill>
-                      <a:srgbClr val="626F99"/>
-                    </a:solidFill>
-                  </a:tcPr>
-                </a:tc>
-                <a:extLst>
-                  <a:ext uri="{0D108BD9-81ED-4DB2-BD59-A6C34878D82A}">
-                    <a16:rowId xmlns:a16="http://schemas.microsoft.com/office/drawing/2014/main" val="4101895330"/>
-                  </a:ext>
-                </a:extLst>
-              </a:tr>
-              <a:tr h="370840">
-                <a:tc>
-                  <a:txBody>
-                    <a:bodyPr/>
-                    <a:lstStyle/>
-                    <a:p>
-                      <a:pPr algn="ctr"/>
-                      <a:r>
-                        <a:rPr lang="pt-BR" sz="1400" b="0" i="0" dirty="0">
-                          <a:solidFill>
-                            <a:srgbClr val="E6EDF3"/>
-                          </a:solidFill>
-                          <a:effectLst/>
-                          <a:latin typeface="-apple-system"/>
-                        </a:rPr>
-                        <a:t>RF- 09</a:t>
-                      </a:r>
-                      <a:endParaRPr lang="pt-BR" sz="1400" dirty="0"/>
-                    </a:p>
-                  </a:txBody>
-                  <a:tcPr>
-                    <a:lnL w="12700">
-                      <a:solidFill>
-                        <a:schemeClr val="tx1"/>
-                      </a:solidFill>
-                    </a:lnL>
-                    <a:lnR w="12700">
-                      <a:solidFill>
-                        <a:schemeClr val="tx1"/>
-                      </a:solidFill>
-                    </a:lnR>
-                    <a:lnT w="12700">
-                      <a:solidFill>
-                        <a:schemeClr val="tx1"/>
-                      </a:solidFill>
-                    </a:lnT>
-                    <a:lnB w="12700">
-                      <a:solidFill>
-                        <a:schemeClr val="tx1"/>
-                      </a:solidFill>
-                    </a:lnB>
-                    <a:solidFill>
-                      <a:srgbClr val="626F99"/>
-                    </a:solidFill>
-                  </a:tcPr>
-                </a:tc>
-                <a:tc>
-                  <a:txBody>
-                    <a:bodyPr/>
-                    <a:lstStyle/>
-                    <a:p>
-                      <a:r>
-                        <a:rPr lang="pt-BR" sz="1400" dirty="0"/>
-                        <a:t>Usuários autorizados devem poder emitir certificados ou diplomas para os alunos que concluíram com sucesso o curso	</a:t>
-                      </a:r>
-                    </a:p>
-                  </a:txBody>
-                  <a:tcPr>
-                    <a:lnL w="12700">
-                      <a:solidFill>
-                        <a:schemeClr val="tx1"/>
-                      </a:solidFill>
-                    </a:lnL>
-                    <a:lnR w="12700">
-                      <a:solidFill>
-                        <a:schemeClr val="tx1"/>
-                      </a:solidFill>
-                    </a:lnR>
-                    <a:lnT w="12700">
-                      <a:solidFill>
-                        <a:schemeClr val="tx1"/>
-                      </a:solidFill>
-                    </a:lnT>
-                    <a:lnB w="12700">
-                      <a:solidFill>
-                        <a:schemeClr val="tx1"/>
-                      </a:solidFill>
-                    </a:lnB>
-                    <a:solidFill>
-                      <a:srgbClr val="626F99"/>
-                    </a:solidFill>
-                  </a:tcPr>
-                </a:tc>
-                <a:tc>
-                  <a:txBody>
-                    <a:bodyPr/>
-                    <a:lstStyle/>
-                    <a:p>
-                      <a:pPr algn="ctr"/>
-                      <a:r>
-                        <a:rPr lang="pt-BR" sz="1400" dirty="0"/>
-                        <a:t>Média</a:t>
-                      </a:r>
-                    </a:p>
-                  </a:txBody>
-                  <a:tcPr>
-                    <a:lnL w="12700">
-                      <a:solidFill>
-                        <a:schemeClr val="tx1"/>
-                      </a:solidFill>
-                    </a:lnL>
-                    <a:lnR w="12700">
-                      <a:solidFill>
-                        <a:schemeClr val="tx1"/>
-                      </a:solidFill>
-                    </a:lnR>
-                    <a:lnT w="12700">
-                      <a:solidFill>
-                        <a:schemeClr val="tx1"/>
-                      </a:solidFill>
-                    </a:lnT>
-                    <a:lnB w="12700">
-                      <a:solidFill>
-                        <a:schemeClr val="tx1"/>
-                      </a:solidFill>
-                    </a:lnB>
-                    <a:solidFill>
-                      <a:srgbClr val="626F99"/>
-                    </a:solidFill>
-                  </a:tcPr>
-                </a:tc>
-                <a:extLst>
-                  <a:ext uri="{0D108BD9-81ED-4DB2-BD59-A6C34878D82A}">
-                    <a16:rowId xmlns:a16="http://schemas.microsoft.com/office/drawing/2014/main" val="3028960806"/>
-                  </a:ext>
-                </a:extLst>
-              </a:tr>
-              <a:tr h="370840">
-                <a:tc>
-                  <a:txBody>
-                    <a:bodyPr/>
-                    <a:lstStyle/>
-                    <a:p>
-                      <a:pPr algn="ctr"/>
-                      <a:r>
-                        <a:rPr lang="pt-BR" sz="1400" b="0" i="0" dirty="0">
-                          <a:solidFill>
-                            <a:srgbClr val="E6EDF3"/>
-                          </a:solidFill>
-                          <a:effectLst/>
-                          <a:latin typeface="-apple-system"/>
-                        </a:rPr>
-                        <a:t>RF- 10</a:t>
-                      </a:r>
-                      <a:endParaRPr lang="pt-BR" sz="1400" dirty="0"/>
-                    </a:p>
-                  </a:txBody>
-                  <a:tcPr>
-                    <a:lnL w="12700">
-                      <a:solidFill>
-                        <a:schemeClr val="tx1"/>
-                      </a:solidFill>
-                    </a:lnL>
-                    <a:lnR w="12700">
-                      <a:solidFill>
-                        <a:schemeClr val="tx1"/>
-                      </a:solidFill>
-                    </a:lnR>
-                    <a:lnT w="12700">
-                      <a:solidFill>
-                        <a:schemeClr val="tx1"/>
-                      </a:solidFill>
-                    </a:lnT>
-                    <a:lnB w="12700">
-                      <a:solidFill>
-                        <a:schemeClr val="tx1"/>
-                      </a:solidFill>
-                    </a:lnB>
-                    <a:solidFill>
-                      <a:srgbClr val="626F99"/>
-                    </a:solidFill>
-                  </a:tcPr>
-                </a:tc>
-                <a:tc>
-                  <a:txBody>
-                    <a:bodyPr/>
-                    <a:lstStyle/>
-                    <a:p>
-                      <a:r>
-                        <a:rPr lang="pt-BR" sz="1400" dirty="0">
-                          <a:effectLst/>
-                        </a:rPr>
-                        <a:t>CRUD de Frequência (Deve ser possível registrar, editar, visualizar e excluir frequências de um Aluno)</a:t>
-                      </a:r>
-                    </a:p>
-                  </a:txBody>
-                  <a:tcPr marL="123825" marR="123825" marT="57150" marB="57150" anchor="ctr">
-                    <a:lnL w="12700">
-                      <a:solidFill>
-                        <a:schemeClr val="tx1"/>
-                      </a:solidFill>
-                    </a:lnL>
-                    <a:lnR w="12700">
-                      <a:solidFill>
-                        <a:schemeClr val="tx1"/>
-                      </a:solidFill>
-                    </a:lnR>
-                    <a:lnT w="12700">
-                      <a:solidFill>
-                        <a:schemeClr val="tx1"/>
-                      </a:solidFill>
-                    </a:lnT>
-                    <a:lnB w="12700">
-                      <a:solidFill>
-                        <a:schemeClr val="tx1"/>
-                      </a:solidFill>
-                    </a:lnB>
-                    <a:solidFill>
-                      <a:srgbClr val="626F99"/>
-                    </a:solidFill>
-                  </a:tcPr>
-                </a:tc>
-                <a:tc>
-                  <a:txBody>
-                    <a:bodyPr/>
-                    <a:lstStyle/>
-                    <a:p>
-                      <a:pPr algn="ctr"/>
-                      <a:r>
-                        <a:rPr lang="pt-BR" sz="1400" dirty="0"/>
-                        <a:t>Alta</a:t>
-                      </a:r>
-                    </a:p>
-                  </a:txBody>
-                  <a:tcPr>
-                    <a:lnL w="12700">
-                      <a:solidFill>
-                        <a:schemeClr val="tx1"/>
-                      </a:solidFill>
-                    </a:lnL>
-                    <a:lnR w="12700">
-                      <a:solidFill>
-                        <a:schemeClr val="tx1"/>
-                      </a:solidFill>
-                    </a:lnR>
-                    <a:lnT w="12700">
-                      <a:solidFill>
-                        <a:schemeClr val="tx1"/>
-                      </a:solidFill>
-                    </a:lnT>
-                    <a:lnB w="12700">
-                      <a:solidFill>
-                        <a:schemeClr val="tx1"/>
-                      </a:solidFill>
-                    </a:lnB>
-                    <a:solidFill>
-                      <a:srgbClr val="626F99"/>
-                    </a:solidFill>
-                  </a:tcPr>
-                </a:tc>
-                <a:extLst>
-                  <a:ext uri="{0D108BD9-81ED-4DB2-BD59-A6C34878D82A}">
-                    <a16:rowId xmlns:a16="http://schemas.microsoft.com/office/drawing/2014/main" val="600820207"/>
-                  </a:ext>
-                </a:extLst>
-              </a:tr>
-            </a:tbl>
-          </a:graphicData>
-        </a:graphic>
-      </p:graphicFrame>
-      <p:sp>
-        <p:nvSpPr>
-          <p:cNvPr id="7" name="Espaço Reservado para Conteúdo 2">
-            <a:extLst>
-              <a:ext uri="{FF2B5EF4-FFF2-40B4-BE49-F238E27FC236}">
-                <a16:creationId xmlns:a16="http://schemas.microsoft.com/office/drawing/2014/main" id="{109F8D9F-FAEA-4490-B1B5-EEA499E442C2}"/>
-              </a:ext>
-            </a:extLst>
-          </p:cNvPr>
-          <p:cNvSpPr txBox="1">
-            <a:spLocks/>
-          </p:cNvSpPr>
-          <p:nvPr/>
-        </p:nvSpPr>
-        <p:spPr>
-          <a:xfrm>
-            <a:off x="444500" y="1104776"/>
-            <a:ext cx="10710334" cy="368548"/>
-          </a:xfrm>
-          <a:prstGeom prst="rect">
-            <a:avLst/>
-          </a:prstGeom>
-        </p:spPr>
-        <p:txBody>
-          <a:bodyPr vert="horz" lIns="91440" tIns="45720" rIns="91440" bIns="45720" rtlCol="0" anchor="t">
-            <a:noAutofit/>
-          </a:bodyPr>
-          <a:lstStyle>
-            <a:lvl1pPr marL="342900" indent="-342900" algn="l" defTabSz="457200" rtl="0" eaLnBrk="1" latinLnBrk="0" hangingPunct="1">
-              <a:spcBef>
-                <a:spcPts val="1000"/>
-              </a:spcBef>
-              <a:spcAft>
-                <a:spcPts val="0"/>
-              </a:spcAft>
-              <a:buClr>
-                <a:schemeClr val="accent1"/>
-              </a:buClr>
-              <a:buSzPct val="80000"/>
-              <a:buFont typeface="Wingdings 3" charset="2"/>
-              <a:buChar char=""/>
-              <a:defRPr sz="2000" b="0" i="0" kern="1200">
-                <a:solidFill>
-                  <a:schemeClr val="tx1"/>
-                </a:solidFill>
-                <a:latin typeface="+mj-lt"/>
-                <a:ea typeface="+mj-ea"/>
-                <a:cs typeface="+mj-cs"/>
-              </a:defRPr>
-            </a:lvl1pPr>
-            <a:lvl2pPr marL="742950" indent="-285750" algn="l" defTabSz="457200" rtl="0" eaLnBrk="1" latinLnBrk="0" hangingPunct="1">
-              <a:spcBef>
-                <a:spcPts val="1000"/>
-              </a:spcBef>
-              <a:spcAft>
-                <a:spcPts val="0"/>
-              </a:spcAft>
-              <a:buClr>
-                <a:schemeClr val="accent1"/>
-              </a:buClr>
-              <a:buSzPct val="80000"/>
-              <a:buFont typeface="Wingdings 3" charset="2"/>
-              <a:buChar char=""/>
-              <a:defRPr sz="1800" b="0" i="0" kern="1200">
-                <a:solidFill>
-                  <a:schemeClr val="tx1"/>
-                </a:solidFill>
-                <a:latin typeface="+mj-lt"/>
-                <a:ea typeface="+mj-ea"/>
-                <a:cs typeface="+mj-cs"/>
-              </a:defRPr>
-            </a:lvl2pPr>
-            <a:lvl3pPr marL="1143000" indent="-228600" algn="l" defTabSz="457200" rtl="0" eaLnBrk="1" latinLnBrk="0" hangingPunct="1">
-              <a:spcBef>
-                <a:spcPts val="1000"/>
-              </a:spcBef>
-              <a:spcAft>
-                <a:spcPts val="0"/>
-              </a:spcAft>
-              <a:buClr>
-                <a:schemeClr val="accent1"/>
-              </a:buClr>
-              <a:buSzPct val="80000"/>
-              <a:buFont typeface="Wingdings 3" charset="2"/>
-              <a:buChar char=""/>
-              <a:defRPr sz="1600" b="0" i="0" kern="1200">
-                <a:solidFill>
-                  <a:schemeClr val="tx1"/>
-                </a:solidFill>
-                <a:latin typeface="+mj-lt"/>
-                <a:ea typeface="+mj-ea"/>
-                <a:cs typeface="+mj-cs"/>
-              </a:defRPr>
-            </a:lvl3pPr>
-            <a:lvl4pPr marL="1600200" indent="-228600" algn="l" defTabSz="457200" rtl="0" eaLnBrk="1" latinLnBrk="0" hangingPunct="1">
-              <a:spcBef>
-                <a:spcPts val="1000"/>
-              </a:spcBef>
-              <a:spcAft>
-                <a:spcPts val="0"/>
-              </a:spcAft>
-              <a:buClr>
-                <a:schemeClr val="accent1"/>
-              </a:buClr>
-              <a:buSzPct val="80000"/>
-              <a:buFont typeface="Wingdings 3" charset="2"/>
-              <a:buChar char=""/>
-              <a:defRPr sz="1400" b="0" i="0" kern="1200">
-                <a:solidFill>
-                  <a:schemeClr val="tx1"/>
-                </a:solidFill>
-                <a:latin typeface="+mj-lt"/>
-                <a:ea typeface="+mj-ea"/>
-                <a:cs typeface="+mj-cs"/>
-              </a:defRPr>
-            </a:lvl4pPr>
-            <a:lvl5pPr marL="2057400" indent="-228600" algn="l" defTabSz="457200" rtl="0" eaLnBrk="1" latinLnBrk="0" hangingPunct="1">
-              <a:spcBef>
-                <a:spcPts val="1000"/>
-              </a:spcBef>
-              <a:spcAft>
-                <a:spcPts val="0"/>
-              </a:spcAft>
-              <a:buClr>
-                <a:schemeClr val="accent1"/>
-              </a:buClr>
-              <a:buSzPct val="80000"/>
-              <a:buFont typeface="Wingdings 3" charset="2"/>
-              <a:buChar char=""/>
-              <a:defRPr sz="1400" b="0" i="0" kern="1200">
-                <a:solidFill>
-                  <a:schemeClr val="tx1"/>
-                </a:solidFill>
-                <a:latin typeface="+mj-lt"/>
-                <a:ea typeface="+mj-ea"/>
-                <a:cs typeface="+mj-cs"/>
-              </a:defRPr>
-            </a:lvl5pPr>
-            <a:lvl6pPr marL="2514600" indent="-228600" algn="l" defTabSz="457200" rtl="0" eaLnBrk="1" latinLnBrk="0" hangingPunct="1">
-              <a:spcBef>
-                <a:spcPts val="1000"/>
-              </a:spcBef>
-              <a:spcAft>
-                <a:spcPts val="0"/>
-              </a:spcAft>
-              <a:buClr>
-                <a:schemeClr val="accent1"/>
-              </a:buClr>
-              <a:buSzPct val="80000"/>
-              <a:buFont typeface="Wingdings 3" charset="2"/>
-              <a:buChar char=""/>
-              <a:defRPr sz="1400" b="0" i="0" kern="1200">
-                <a:solidFill>
-                  <a:schemeClr val="tx1"/>
-                </a:solidFill>
-                <a:latin typeface="+mj-lt"/>
-                <a:ea typeface="+mj-ea"/>
-                <a:cs typeface="+mj-cs"/>
-              </a:defRPr>
-            </a:lvl6pPr>
-            <a:lvl7pPr marL="2971800" indent="-228600" algn="l" defTabSz="457200" rtl="0" eaLnBrk="1" latinLnBrk="0" hangingPunct="1">
-              <a:spcBef>
-                <a:spcPts val="1000"/>
-              </a:spcBef>
-              <a:spcAft>
-                <a:spcPts val="0"/>
-              </a:spcAft>
-              <a:buClr>
-                <a:schemeClr val="accent1"/>
-              </a:buClr>
-              <a:buSzPct val="80000"/>
-              <a:buFont typeface="Wingdings 3" charset="2"/>
-              <a:buChar char=""/>
-              <a:defRPr sz="1400" b="0" i="0" kern="1200">
-                <a:solidFill>
-                  <a:schemeClr val="tx1"/>
-                </a:solidFill>
-                <a:latin typeface="+mj-lt"/>
-                <a:ea typeface="+mj-ea"/>
-                <a:cs typeface="+mj-cs"/>
-              </a:defRPr>
-            </a:lvl7pPr>
-            <a:lvl8pPr marL="3429000" indent="-228600" algn="l" defTabSz="457200" rtl="0" eaLnBrk="1" latinLnBrk="0" hangingPunct="1">
-              <a:spcBef>
-                <a:spcPts val="1000"/>
-              </a:spcBef>
-              <a:spcAft>
-                <a:spcPts val="0"/>
-              </a:spcAft>
-              <a:buClr>
-                <a:schemeClr val="accent1"/>
-              </a:buClr>
-              <a:buSzPct val="80000"/>
-              <a:buFont typeface="Wingdings 3" charset="2"/>
-              <a:buChar char=""/>
-              <a:defRPr sz="1400" b="0" i="0" kern="1200">
-                <a:solidFill>
-                  <a:schemeClr val="tx1"/>
-                </a:solidFill>
-                <a:latin typeface="+mj-lt"/>
-                <a:ea typeface="+mj-ea"/>
-                <a:cs typeface="+mj-cs"/>
-              </a:defRPr>
-            </a:lvl8pPr>
-            <a:lvl9pPr marL="3886200" indent="-228600" algn="l" defTabSz="457200" rtl="0" eaLnBrk="1" latinLnBrk="0" hangingPunct="1">
-              <a:spcBef>
-                <a:spcPts val="1000"/>
-              </a:spcBef>
-              <a:spcAft>
-                <a:spcPts val="0"/>
-              </a:spcAft>
-              <a:buClr>
-                <a:schemeClr val="accent1"/>
-              </a:buClr>
-              <a:buSzPct val="80000"/>
-              <a:buFont typeface="Wingdings 3" charset="2"/>
-              <a:buChar char=""/>
-              <a:defRPr sz="1400" b="0" i="0" kern="1200">
-                <a:solidFill>
-                  <a:schemeClr val="tx1"/>
-                </a:solidFill>
-                <a:latin typeface="+mj-lt"/>
-                <a:ea typeface="+mj-ea"/>
-                <a:cs typeface="+mj-cs"/>
-              </a:defRPr>
-            </a:lvl9pPr>
-          </a:lstStyle>
-          <a:p>
-            <a:r>
-              <a:rPr lang="pt-BR" b="1" dirty="0">
-                <a:solidFill>
-                  <a:srgbClr val="001E80"/>
-                </a:solidFill>
-                <a:latin typeface="Calibri"/>
-                <a:ea typeface="Calibri"/>
-                <a:cs typeface="Calibri"/>
-              </a:rPr>
-              <a:t>Requisitos Funcionais:</a:t>
-            </a:r>
-          </a:p>
-        </p:txBody>
-      </p:sp>
-    </p:spTree>
-    <p:extLst>
-      <p:ext uri="{BB962C8B-B14F-4D97-AF65-F5344CB8AC3E}">
-        <p14:creationId xmlns:p14="http://schemas.microsoft.com/office/powerpoint/2010/main" val="1945349411"/>
       </p:ext>
     </p:extLst>
   </p:cSld>
